--- a/Python/Python Midterm Cheat Sheet.pptx
+++ b/Python/Python Midterm Cheat Sheet.pptx
@@ -1,20 +1,20 @@
 
 <file path=ppt/presentation.xml><?xml version="1.0" encoding="utf-8"?>
-<p:presentation xmlns:a="http://schemas.openxmlformats.org/drawingml/2006/main" xmlns:r="http://schemas.openxmlformats.org/officeDocument/2006/relationships" xmlns:mc="http://schemas.openxmlformats.org/markup-compatibility/2006" xmlns:mv="urn:schemas-microsoft-com:mac:vml" xmlns:p="http://schemas.openxmlformats.org/presentationml/2006/main" xmlns:c="http://schemas.openxmlformats.org/drawingml/2006/chart" xmlns:dgm="http://schemas.openxmlformats.org/drawingml/2006/diagram" xmlns:o="urn:schemas-microsoft-com:office:office" xmlns:v="urn:schemas-microsoft-com:vml" xmlns:pvml="urn:schemas-microsoft-com:office:powerpoint" xmlns:com="http://schemas.openxmlformats.org/drawingml/2006/compatibility" xmlns:p14="http://schemas.microsoft.com/office/powerpoint/2010/main" xmlns:p15="http://schemas.microsoft.com/office/powerpoint/2012/main" autoCompressPictures="0" strictFirstAndLastChars="0" saveSubsetFonts="1">
+<p:presentation xmlns:a="http://schemas.openxmlformats.org/drawingml/2006/main" xmlns:r="http://schemas.openxmlformats.org/officeDocument/2006/relationships" xmlns:p="http://schemas.openxmlformats.org/presentationml/2006/main" strictFirstAndLastChars="0" saveSubsetFonts="1" autoCompressPictures="0">
   <p:sldMasterIdLst>
-    <p:sldMasterId id="2147483659" r:id="rId3"/>
+    <p:sldMasterId id="2147483659" r:id="rId1"/>
   </p:sldMasterIdLst>
   <p:notesMasterIdLst>
     <p:notesMasterId r:id="rId4"/>
   </p:notesMasterIdLst>
   <p:sldIdLst>
-    <p:sldId id="256" r:id="rId5"/>
-    <p:sldId id="257" r:id="rId6"/>
+    <p:sldId id="256" r:id="rId2"/>
+    <p:sldId id="257" r:id="rId3"/>
   </p:sldIdLst>
-  <p:sldSz cy="7772400" cx="10058400"/>
+  <p:sldSz cx="10058400" cy="7772400"/>
   <p:notesSz cx="6858000" cy="9144000"/>
   <p:defaultTextStyle>
-    <a:defPPr lvl="0" marR="0" rtl="0" algn="l">
+    <a:defPPr marR="0" lvl="0" algn="l" rtl="0">
       <a:lnSpc>
         <a:spcPct val="100000"/>
       </a:lnSpc>
@@ -25,7 +25,7 @@
         <a:spcPts val="0"/>
       </a:spcAft>
     </a:defPPr>
-    <a:lvl1pPr lvl="0" marR="0" rtl="0" algn="l">
+    <a:lvl1pPr marR="0" lvl="0" algn="l" rtl="0">
       <a:lnSpc>
         <a:spcPct val="100000"/>
       </a:lnSpc>
@@ -39,7 +39,7 @@
         <a:srgbClr val="000000"/>
       </a:buClr>
       <a:buFont typeface="Arial"/>
-      <a:defRPr b="0" i="0" sz="1400" u="none" cap="none" strike="noStrike">
+      <a:defRPr sz="1400" b="0" i="0" u="none" strike="noStrike" cap="none">
         <a:solidFill>
           <a:srgbClr val="000000"/>
         </a:solidFill>
@@ -49,7 +49,7 @@
         <a:sym typeface="Arial"/>
       </a:defRPr>
     </a:lvl1pPr>
-    <a:lvl2pPr lvl="1" marR="0" rtl="0" algn="l">
+    <a:lvl2pPr marR="0" lvl="1" algn="l" rtl="0">
       <a:lnSpc>
         <a:spcPct val="100000"/>
       </a:lnSpc>
@@ -63,7 +63,7 @@
         <a:srgbClr val="000000"/>
       </a:buClr>
       <a:buFont typeface="Arial"/>
-      <a:defRPr b="0" i="0" sz="1400" u="none" cap="none" strike="noStrike">
+      <a:defRPr sz="1400" b="0" i="0" u="none" strike="noStrike" cap="none">
         <a:solidFill>
           <a:srgbClr val="000000"/>
         </a:solidFill>
@@ -73,7 +73,7 @@
         <a:sym typeface="Arial"/>
       </a:defRPr>
     </a:lvl2pPr>
-    <a:lvl3pPr lvl="2" marR="0" rtl="0" algn="l">
+    <a:lvl3pPr marR="0" lvl="2" algn="l" rtl="0">
       <a:lnSpc>
         <a:spcPct val="100000"/>
       </a:lnSpc>
@@ -87,7 +87,7 @@
         <a:srgbClr val="000000"/>
       </a:buClr>
       <a:buFont typeface="Arial"/>
-      <a:defRPr b="0" i="0" sz="1400" u="none" cap="none" strike="noStrike">
+      <a:defRPr sz="1400" b="0" i="0" u="none" strike="noStrike" cap="none">
         <a:solidFill>
           <a:srgbClr val="000000"/>
         </a:solidFill>
@@ -97,7 +97,7 @@
         <a:sym typeface="Arial"/>
       </a:defRPr>
     </a:lvl3pPr>
-    <a:lvl4pPr lvl="3" marR="0" rtl="0" algn="l">
+    <a:lvl4pPr marR="0" lvl="3" algn="l" rtl="0">
       <a:lnSpc>
         <a:spcPct val="100000"/>
       </a:lnSpc>
@@ -111,7 +111,7 @@
         <a:srgbClr val="000000"/>
       </a:buClr>
       <a:buFont typeface="Arial"/>
-      <a:defRPr b="0" i="0" sz="1400" u="none" cap="none" strike="noStrike">
+      <a:defRPr sz="1400" b="0" i="0" u="none" strike="noStrike" cap="none">
         <a:solidFill>
           <a:srgbClr val="000000"/>
         </a:solidFill>
@@ -121,7 +121,7 @@
         <a:sym typeface="Arial"/>
       </a:defRPr>
     </a:lvl4pPr>
-    <a:lvl5pPr lvl="4" marR="0" rtl="0" algn="l">
+    <a:lvl5pPr marR="0" lvl="4" algn="l" rtl="0">
       <a:lnSpc>
         <a:spcPct val="100000"/>
       </a:lnSpc>
@@ -135,7 +135,7 @@
         <a:srgbClr val="000000"/>
       </a:buClr>
       <a:buFont typeface="Arial"/>
-      <a:defRPr b="0" i="0" sz="1400" u="none" cap="none" strike="noStrike">
+      <a:defRPr sz="1400" b="0" i="0" u="none" strike="noStrike" cap="none">
         <a:solidFill>
           <a:srgbClr val="000000"/>
         </a:solidFill>
@@ -145,7 +145,7 @@
         <a:sym typeface="Arial"/>
       </a:defRPr>
     </a:lvl5pPr>
-    <a:lvl6pPr lvl="5" marR="0" rtl="0" algn="l">
+    <a:lvl6pPr marR="0" lvl="5" algn="l" rtl="0">
       <a:lnSpc>
         <a:spcPct val="100000"/>
       </a:lnSpc>
@@ -159,7 +159,7 @@
         <a:srgbClr val="000000"/>
       </a:buClr>
       <a:buFont typeface="Arial"/>
-      <a:defRPr b="0" i="0" sz="1400" u="none" cap="none" strike="noStrike">
+      <a:defRPr sz="1400" b="0" i="0" u="none" strike="noStrike" cap="none">
         <a:solidFill>
           <a:srgbClr val="000000"/>
         </a:solidFill>
@@ -169,7 +169,7 @@
         <a:sym typeface="Arial"/>
       </a:defRPr>
     </a:lvl6pPr>
-    <a:lvl7pPr lvl="6" marR="0" rtl="0" algn="l">
+    <a:lvl7pPr marR="0" lvl="6" algn="l" rtl="0">
       <a:lnSpc>
         <a:spcPct val="100000"/>
       </a:lnSpc>
@@ -183,7 +183,7 @@
         <a:srgbClr val="000000"/>
       </a:buClr>
       <a:buFont typeface="Arial"/>
-      <a:defRPr b="0" i="0" sz="1400" u="none" cap="none" strike="noStrike">
+      <a:defRPr sz="1400" b="0" i="0" u="none" strike="noStrike" cap="none">
         <a:solidFill>
           <a:srgbClr val="000000"/>
         </a:solidFill>
@@ -193,7 +193,7 @@
         <a:sym typeface="Arial"/>
       </a:defRPr>
     </a:lvl7pPr>
-    <a:lvl8pPr lvl="7" marR="0" rtl="0" algn="l">
+    <a:lvl8pPr marR="0" lvl="7" algn="l" rtl="0">
       <a:lnSpc>
         <a:spcPct val="100000"/>
       </a:lnSpc>
@@ -207,7 +207,7 @@
         <a:srgbClr val="000000"/>
       </a:buClr>
       <a:buFont typeface="Arial"/>
-      <a:defRPr b="0" i="0" sz="1400" u="none" cap="none" strike="noStrike">
+      <a:defRPr sz="1400" b="0" i="0" u="none" strike="noStrike" cap="none">
         <a:solidFill>
           <a:srgbClr val="000000"/>
         </a:solidFill>
@@ -217,7 +217,7 @@
         <a:sym typeface="Arial"/>
       </a:defRPr>
     </a:lvl8pPr>
-    <a:lvl9pPr lvl="8" marR="0" rtl="0" algn="l">
+    <a:lvl9pPr marR="0" lvl="8" algn="l" rtl="0">
       <a:lnSpc>
         <a:spcPct val="100000"/>
       </a:lnSpc>
@@ -231,7 +231,7 @@
         <a:srgbClr val="000000"/>
       </a:buClr>
       <a:buFont typeface="Arial"/>
-      <a:defRPr b="0" i="0" sz="1400" u="none" cap="none" strike="noStrike">
+      <a:defRPr sz="1400" b="0" i="0" u="none" strike="noStrike" cap="none">
         <a:solidFill>
           <a:srgbClr val="000000"/>
         </a:solidFill>
@@ -246,11 +246,16 @@
 </file>
 
 <file path=ppt/notesMasters/notesMaster1.xml><?xml version="1.0" encoding="utf-8"?>
-<p:notesMaster xmlns:a="http://schemas.openxmlformats.org/drawingml/2006/main" xmlns:r="http://schemas.openxmlformats.org/officeDocument/2006/relationships" xmlns:mc="http://schemas.openxmlformats.org/markup-compatibility/2006" xmlns:mv="urn:schemas-microsoft-com:mac:vml" xmlns:p="http://schemas.openxmlformats.org/presentationml/2006/main" xmlns:c="http://schemas.openxmlformats.org/drawingml/2006/chart" xmlns:dgm="http://schemas.openxmlformats.org/drawingml/2006/diagram" xmlns:o="urn:schemas-microsoft-com:office:office" xmlns:v="urn:schemas-microsoft-com:vml" xmlns:pvml="urn:schemas-microsoft-com:office:powerpoint" xmlns:com="http://schemas.openxmlformats.org/drawingml/2006/compatibility" xmlns:p14="http://schemas.microsoft.com/office/powerpoint/2010/main" xmlns:p15="http://schemas.microsoft.com/office/powerpoint/2012/main">
+<p:notesMaster xmlns:a="http://schemas.openxmlformats.org/drawingml/2006/main" xmlns:r="http://schemas.openxmlformats.org/officeDocument/2006/relationships" xmlns:p="http://schemas.openxmlformats.org/presentationml/2006/main">
   <p:cSld>
+    <p:bg>
+      <p:bgRef idx="1001">
+        <a:schemeClr val="bg1"/>
+      </p:bgRef>
+    </p:bg>
     <p:spTree>
       <p:nvGrpSpPr>
-        <p:cNvPr id="2" name="Shape 2"/>
+        <p:cNvPr id="1" name="Shape 2"/>
         <p:cNvGrpSpPr/>
         <p:nvPr/>
       </p:nvGrpSpPr>
@@ -265,9 +270,11 @@
       <p:sp>
         <p:nvSpPr>
           <p:cNvPr id="3" name="Google Shape;3;n"/>
-          <p:cNvSpPr/>
+          <p:cNvSpPr>
+            <a:spLocks noGrp="1" noRot="1" noChangeAspect="1"/>
+          </p:cNvSpPr>
           <p:nvPr>
-            <p:ph idx="2" type="sldImg"/>
+            <p:ph type="sldImg" idx="2"/>
           </p:nvPr>
         </p:nvSpPr>
         <p:spPr>
@@ -276,8 +283,13 @@
             <a:ext cx="4437300" cy="3429000"/>
           </a:xfrm>
           <a:custGeom>
+            <a:avLst/>
+            <a:gdLst/>
+            <a:ahLst/>
+            <a:cxnLst/>
+            <a:rect l="0" t="0" r="0" b="0"/>
             <a:pathLst>
-              <a:path extrusionOk="0" h="120000" w="120000">
+              <a:path w="120000" h="120000" extrusionOk="0">
                 <a:moveTo>
                   <a:pt x="0" y="0"/>
                 </a:moveTo>
@@ -295,23 +307,25 @@
             </a:pathLst>
           </a:custGeom>
           <a:noFill/>
-          <a:ln cap="flat" cmpd="sng" w="9525">
+          <a:ln w="9525" cap="flat" cmpd="sng">
             <a:solidFill>
               <a:srgbClr val="000000"/>
             </a:solidFill>
             <a:prstDash val="solid"/>
             <a:round/>
-            <a:headEnd len="sm" w="sm" type="none"/>
-            <a:tailEnd len="sm" w="sm" type="none"/>
+            <a:headEnd type="none" w="sm" len="sm"/>
+            <a:tailEnd type="none" w="sm" len="sm"/>
           </a:ln>
         </p:spPr>
       </p:sp>
       <p:sp>
         <p:nvSpPr>
           <p:cNvPr id="4" name="Google Shape;4;n"/>
-          <p:cNvSpPr txBox="1"/>
+          <p:cNvSpPr txBox="1">
+            <a:spLocks noGrp="1"/>
+          </p:cNvSpPr>
           <p:nvPr>
-            <p:ph idx="1" type="body"/>
+            <p:ph type="body" idx="1"/>
           </p:nvPr>
         </p:nvSpPr>
         <p:spPr>
@@ -328,9 +342,9 @@
           </a:ln>
         </p:spPr>
         <p:txBody>
-          <a:bodyPr anchorCtr="0" anchor="t" bIns="91425" lIns="91425" spcFirstLastPara="1" rIns="91425" wrap="square" tIns="91425"/>
+          <a:bodyPr spcFirstLastPara="1" wrap="square" lIns="91425" tIns="91425" rIns="91425" bIns="91425" anchor="t" anchorCtr="0"/>
           <a:lstStyle>
-            <a:lvl1pPr indent="-298450" lvl="0" marL="457200">
+            <a:lvl1pPr marL="457200" lvl="0" indent="-298450">
               <a:spcBef>
                 <a:spcPts val="0"/>
               </a:spcBef>
@@ -341,7 +355,7 @@
               <a:buChar char="●"/>
               <a:defRPr sz="1100"/>
             </a:lvl1pPr>
-            <a:lvl2pPr indent="-298450" lvl="1" marL="914400">
+            <a:lvl2pPr marL="914400" lvl="1" indent="-298450">
               <a:spcBef>
                 <a:spcPts val="0"/>
               </a:spcBef>
@@ -352,7 +366,7 @@
               <a:buChar char="○"/>
               <a:defRPr sz="1100"/>
             </a:lvl2pPr>
-            <a:lvl3pPr indent="-298450" lvl="2" marL="1371600">
+            <a:lvl3pPr marL="1371600" lvl="2" indent="-298450">
               <a:spcBef>
                 <a:spcPts val="0"/>
               </a:spcBef>
@@ -363,7 +377,7 @@
               <a:buChar char="■"/>
               <a:defRPr sz="1100"/>
             </a:lvl3pPr>
-            <a:lvl4pPr indent="-298450" lvl="3" marL="1828800">
+            <a:lvl4pPr marL="1828800" lvl="3" indent="-298450">
               <a:spcBef>
                 <a:spcPts val="0"/>
               </a:spcBef>
@@ -374,7 +388,7 @@
               <a:buChar char="●"/>
               <a:defRPr sz="1100"/>
             </a:lvl4pPr>
-            <a:lvl5pPr indent="-298450" lvl="4" marL="2286000">
+            <a:lvl5pPr marL="2286000" lvl="4" indent="-298450">
               <a:spcBef>
                 <a:spcPts val="0"/>
               </a:spcBef>
@@ -385,7 +399,7 @@
               <a:buChar char="○"/>
               <a:defRPr sz="1100"/>
             </a:lvl5pPr>
-            <a:lvl6pPr indent="-298450" lvl="5" marL="2743200">
+            <a:lvl6pPr marL="2743200" lvl="5" indent="-298450">
               <a:spcBef>
                 <a:spcPts val="0"/>
               </a:spcBef>
@@ -396,7 +410,7 @@
               <a:buChar char="■"/>
               <a:defRPr sz="1100"/>
             </a:lvl6pPr>
-            <a:lvl7pPr indent="-298450" lvl="6" marL="3200400">
+            <a:lvl7pPr marL="3200400" lvl="6" indent="-298450">
               <a:spcBef>
                 <a:spcPts val="0"/>
               </a:spcBef>
@@ -407,7 +421,7 @@
               <a:buChar char="●"/>
               <a:defRPr sz="1100"/>
             </a:lvl7pPr>
-            <a:lvl8pPr indent="-298450" lvl="7" marL="3657600">
+            <a:lvl8pPr marL="3657600" lvl="7" indent="-298450">
               <a:spcBef>
                 <a:spcPts val="0"/>
               </a:spcBef>
@@ -418,7 +432,7 @@
               <a:buChar char="○"/>
               <a:defRPr sz="1100"/>
             </a:lvl8pPr>
-            <a:lvl9pPr indent="-298450" lvl="8" marL="4114800">
+            <a:lvl9pPr marL="4114800" lvl="8" indent="-298450">
               <a:spcBef>
                 <a:spcPts val="0"/>
               </a:spcBef>
@@ -430,14 +444,16 @@
               <a:defRPr sz="1100"/>
             </a:lvl9pPr>
           </a:lstStyle>
-          <a:p/>
+          <a:p>
+            <a:endParaRPr/>
+          </a:p>
         </p:txBody>
       </p:sp>
     </p:spTree>
   </p:cSld>
-  <p:clrMap accent1="accent1" accent2="accent2" accent3="accent3" accent4="accent4" accent5="accent5" accent6="accent6" bg1="lt1" bg2="dk2" tx1="dk1" tx2="lt2" folHlink="folHlink" hlink="hlink"/>
+  <p:clrMap bg1="lt1" tx1="dk1" bg2="dk2" tx2="lt2" accent1="accent1" accent2="accent2" accent3="accent3" accent4="accent4" accent5="accent5" accent6="accent6" hlink="hlink" folHlink="folHlink"/>
   <p:notesStyle>
-    <a:defPPr lvl="0" marR="0" rtl="0" algn="l">
+    <a:defPPr marR="0" lvl="0" algn="l" rtl="0">
       <a:lnSpc>
         <a:spcPct val="100000"/>
       </a:lnSpc>
@@ -448,7 +464,7 @@
         <a:spcPts val="0"/>
       </a:spcAft>
     </a:defPPr>
-    <a:lvl1pPr lvl="0" marR="0" rtl="0" algn="l">
+    <a:lvl1pPr marR="0" lvl="0" algn="l" rtl="0">
       <a:lnSpc>
         <a:spcPct val="100000"/>
       </a:lnSpc>
@@ -462,7 +478,7 @@
         <a:srgbClr val="000000"/>
       </a:buClr>
       <a:buFont typeface="Arial"/>
-      <a:defRPr b="0" i="0" sz="1400" u="none" cap="none" strike="noStrike">
+      <a:defRPr sz="1400" b="0" i="0" u="none" strike="noStrike" cap="none">
         <a:solidFill>
           <a:srgbClr val="000000"/>
         </a:solidFill>
@@ -472,7 +488,7 @@
         <a:sym typeface="Arial"/>
       </a:defRPr>
     </a:lvl1pPr>
-    <a:lvl2pPr lvl="1" marR="0" rtl="0" algn="l">
+    <a:lvl2pPr marR="0" lvl="1" algn="l" rtl="0">
       <a:lnSpc>
         <a:spcPct val="100000"/>
       </a:lnSpc>
@@ -486,7 +502,7 @@
         <a:srgbClr val="000000"/>
       </a:buClr>
       <a:buFont typeface="Arial"/>
-      <a:defRPr b="0" i="0" sz="1400" u="none" cap="none" strike="noStrike">
+      <a:defRPr sz="1400" b="0" i="0" u="none" strike="noStrike" cap="none">
         <a:solidFill>
           <a:srgbClr val="000000"/>
         </a:solidFill>
@@ -496,7 +512,7 @@
         <a:sym typeface="Arial"/>
       </a:defRPr>
     </a:lvl2pPr>
-    <a:lvl3pPr lvl="2" marR="0" rtl="0" algn="l">
+    <a:lvl3pPr marR="0" lvl="2" algn="l" rtl="0">
       <a:lnSpc>
         <a:spcPct val="100000"/>
       </a:lnSpc>
@@ -510,7 +526,7 @@
         <a:srgbClr val="000000"/>
       </a:buClr>
       <a:buFont typeface="Arial"/>
-      <a:defRPr b="0" i="0" sz="1400" u="none" cap="none" strike="noStrike">
+      <a:defRPr sz="1400" b="0" i="0" u="none" strike="noStrike" cap="none">
         <a:solidFill>
           <a:srgbClr val="000000"/>
         </a:solidFill>
@@ -520,7 +536,7 @@
         <a:sym typeface="Arial"/>
       </a:defRPr>
     </a:lvl3pPr>
-    <a:lvl4pPr lvl="3" marR="0" rtl="0" algn="l">
+    <a:lvl4pPr marR="0" lvl="3" algn="l" rtl="0">
       <a:lnSpc>
         <a:spcPct val="100000"/>
       </a:lnSpc>
@@ -534,7 +550,7 @@
         <a:srgbClr val="000000"/>
       </a:buClr>
       <a:buFont typeface="Arial"/>
-      <a:defRPr b="0" i="0" sz="1400" u="none" cap="none" strike="noStrike">
+      <a:defRPr sz="1400" b="0" i="0" u="none" strike="noStrike" cap="none">
         <a:solidFill>
           <a:srgbClr val="000000"/>
         </a:solidFill>
@@ -544,7 +560,7 @@
         <a:sym typeface="Arial"/>
       </a:defRPr>
     </a:lvl4pPr>
-    <a:lvl5pPr lvl="4" marR="0" rtl="0" algn="l">
+    <a:lvl5pPr marR="0" lvl="4" algn="l" rtl="0">
       <a:lnSpc>
         <a:spcPct val="100000"/>
       </a:lnSpc>
@@ -558,7 +574,7 @@
         <a:srgbClr val="000000"/>
       </a:buClr>
       <a:buFont typeface="Arial"/>
-      <a:defRPr b="0" i="0" sz="1400" u="none" cap="none" strike="noStrike">
+      <a:defRPr sz="1400" b="0" i="0" u="none" strike="noStrike" cap="none">
         <a:solidFill>
           <a:srgbClr val="000000"/>
         </a:solidFill>
@@ -568,7 +584,7 @@
         <a:sym typeface="Arial"/>
       </a:defRPr>
     </a:lvl5pPr>
-    <a:lvl6pPr lvl="5" marR="0" rtl="0" algn="l">
+    <a:lvl6pPr marR="0" lvl="5" algn="l" rtl="0">
       <a:lnSpc>
         <a:spcPct val="100000"/>
       </a:lnSpc>
@@ -582,7 +598,7 @@
         <a:srgbClr val="000000"/>
       </a:buClr>
       <a:buFont typeface="Arial"/>
-      <a:defRPr b="0" i="0" sz="1400" u="none" cap="none" strike="noStrike">
+      <a:defRPr sz="1400" b="0" i="0" u="none" strike="noStrike" cap="none">
         <a:solidFill>
           <a:srgbClr val="000000"/>
         </a:solidFill>
@@ -592,7 +608,7 @@
         <a:sym typeface="Arial"/>
       </a:defRPr>
     </a:lvl6pPr>
-    <a:lvl7pPr lvl="6" marR="0" rtl="0" algn="l">
+    <a:lvl7pPr marR="0" lvl="6" algn="l" rtl="0">
       <a:lnSpc>
         <a:spcPct val="100000"/>
       </a:lnSpc>
@@ -606,7 +622,7 @@
         <a:srgbClr val="000000"/>
       </a:buClr>
       <a:buFont typeface="Arial"/>
-      <a:defRPr b="0" i="0" sz="1400" u="none" cap="none" strike="noStrike">
+      <a:defRPr sz="1400" b="0" i="0" u="none" strike="noStrike" cap="none">
         <a:solidFill>
           <a:srgbClr val="000000"/>
         </a:solidFill>
@@ -616,7 +632,7 @@
         <a:sym typeface="Arial"/>
       </a:defRPr>
     </a:lvl7pPr>
-    <a:lvl8pPr lvl="7" marR="0" rtl="0" algn="l">
+    <a:lvl8pPr marR="0" lvl="7" algn="l" rtl="0">
       <a:lnSpc>
         <a:spcPct val="100000"/>
       </a:lnSpc>
@@ -630,7 +646,7 @@
         <a:srgbClr val="000000"/>
       </a:buClr>
       <a:buFont typeface="Arial"/>
-      <a:defRPr b="0" i="0" sz="1400" u="none" cap="none" strike="noStrike">
+      <a:defRPr sz="1400" b="0" i="0" u="none" strike="noStrike" cap="none">
         <a:solidFill>
           <a:srgbClr val="000000"/>
         </a:solidFill>
@@ -640,7 +656,7 @@
         <a:sym typeface="Arial"/>
       </a:defRPr>
     </a:lvl8pPr>
-    <a:lvl9pPr lvl="8" marR="0" rtl="0" algn="l">
+    <a:lvl9pPr marR="0" lvl="8" algn="l" rtl="0">
       <a:lnSpc>
         <a:spcPct val="100000"/>
       </a:lnSpc>
@@ -654,7 +670,7 @@
         <a:srgbClr val="000000"/>
       </a:buClr>
       <a:buFont typeface="Arial"/>
-      <a:defRPr b="0" i="0" sz="1400" u="none" cap="none" strike="noStrike">
+      <a:defRPr sz="1400" b="0" i="0" u="none" strike="noStrike" cap="none">
         <a:solidFill>
           <a:srgbClr val="000000"/>
         </a:solidFill>
@@ -669,11 +685,11 @@
 </file>
 
 <file path=ppt/notesSlides/notesSlide1.xml><?xml version="1.0" encoding="utf-8"?>
-<p:notes xmlns:a="http://schemas.openxmlformats.org/drawingml/2006/main" xmlns:r="http://schemas.openxmlformats.org/officeDocument/2006/relationships" xmlns:mc="http://schemas.openxmlformats.org/markup-compatibility/2006" xmlns:mv="urn:schemas-microsoft-com:mac:vml" xmlns:p="http://schemas.openxmlformats.org/presentationml/2006/main" xmlns:c="http://schemas.openxmlformats.org/drawingml/2006/chart" xmlns:dgm="http://schemas.openxmlformats.org/drawingml/2006/diagram" xmlns:o="urn:schemas-microsoft-com:office:office" xmlns:v="urn:schemas-microsoft-com:vml" xmlns:pvml="urn:schemas-microsoft-com:office:powerpoint" xmlns:com="http://schemas.openxmlformats.org/drawingml/2006/compatibility" xmlns:p14="http://schemas.microsoft.com/office/powerpoint/2010/main" xmlns:p15="http://schemas.microsoft.com/office/powerpoint/2012/main" showMasterPhAnim="0" showMasterSp="0">
+<p:notes xmlns:a="http://schemas.openxmlformats.org/drawingml/2006/main" xmlns:r="http://schemas.openxmlformats.org/officeDocument/2006/relationships" xmlns:p="http://schemas.openxmlformats.org/presentationml/2006/main" showMasterSp="0" showMasterPhAnim="0">
   <p:cSld>
     <p:spTree>
       <p:nvGrpSpPr>
-        <p:cNvPr id="50" name="Shape 50"/>
+        <p:cNvPr id="1" name="Shape 50"/>
         <p:cNvGrpSpPr/>
         <p:nvPr/>
       </p:nvGrpSpPr>
@@ -688,19 +704,26 @@
       <p:sp>
         <p:nvSpPr>
           <p:cNvPr id="51" name="Google Shape;51;p:notes"/>
-          <p:cNvSpPr/>
+          <p:cNvSpPr>
+            <a:spLocks noGrp="1" noRot="1" noChangeAspect="1"/>
+          </p:cNvSpPr>
           <p:nvPr>
-            <p:ph idx="2" type="sldImg"/>
+            <p:ph type="sldImg" idx="2"/>
           </p:nvPr>
         </p:nvSpPr>
         <p:spPr>
           <a:xfrm>
-            <a:off x="1210584" y="685800"/>
-            <a:ext cx="4437300" cy="3429000"/>
+            <a:off x="1211263" y="685800"/>
+            <a:ext cx="4437062" cy="3429000"/>
           </a:xfrm>
           <a:custGeom>
+            <a:avLst/>
+            <a:gdLst/>
+            <a:ahLst/>
+            <a:cxnLst/>
+            <a:rect l="0" t="0" r="0" b="0"/>
             <a:pathLst>
-              <a:path extrusionOk="0" h="120000" w="120000">
+              <a:path w="120000" h="120000" extrusionOk="0">
                 <a:moveTo>
                   <a:pt x="0" y="0"/>
                 </a:moveTo>
@@ -722,9 +745,11 @@
       <p:sp>
         <p:nvSpPr>
           <p:cNvPr id="52" name="Google Shape;52;p:notes"/>
-          <p:cNvSpPr txBox="1"/>
+          <p:cNvSpPr txBox="1">
+            <a:spLocks noGrp="1"/>
+          </p:cNvSpPr>
           <p:nvPr>
-            <p:ph idx="1" type="body"/>
+            <p:ph type="body" idx="1"/>
           </p:nvPr>
         </p:nvSpPr>
         <p:spPr>
@@ -737,23 +762,20 @@
           </a:prstGeom>
         </p:spPr>
         <p:txBody>
-          <a:bodyPr anchorCtr="0" anchor="t" bIns="91425" lIns="91425" spcFirstLastPara="1" rIns="91425" wrap="square" tIns="91425">
+          <a:bodyPr spcFirstLastPara="1" wrap="square" lIns="91425" tIns="91425" rIns="91425" bIns="91425" anchor="t" anchorCtr="0">
             <a:noAutofit/>
           </a:bodyPr>
           <a:lstStyle/>
           <a:p>
-            <a:pPr indent="0" lvl="0" marL="0">
-              <a:spcBef>
-                <a:spcPts val="0"/>
-              </a:spcBef>
-              <a:spcAft>
-                <a:spcPts val="0"/>
-              </a:spcAft>
-              <a:buNone/>
-            </a:pPr>
-            <a:r>
-              <a:t/>
-            </a:r>
+            <a:pPr marL="0" lvl="0" indent="0">
+              <a:spcBef>
+                <a:spcPts val="0"/>
+              </a:spcBef>
+              <a:spcAft>
+                <a:spcPts val="0"/>
+              </a:spcAft>
+              <a:buNone/>
+            </a:pPr>
             <a:endParaRPr/>
           </a:p>
         </p:txBody>
@@ -767,11 +789,11 @@
 </file>
 
 <file path=ppt/notesSlides/notesSlide2.xml><?xml version="1.0" encoding="utf-8"?>
-<p:notes xmlns:a="http://schemas.openxmlformats.org/drawingml/2006/main" xmlns:r="http://schemas.openxmlformats.org/officeDocument/2006/relationships" xmlns:mc="http://schemas.openxmlformats.org/markup-compatibility/2006" xmlns:mv="urn:schemas-microsoft-com:mac:vml" xmlns:p="http://schemas.openxmlformats.org/presentationml/2006/main" xmlns:c="http://schemas.openxmlformats.org/drawingml/2006/chart" xmlns:dgm="http://schemas.openxmlformats.org/drawingml/2006/diagram" xmlns:o="urn:schemas-microsoft-com:office:office" xmlns:v="urn:schemas-microsoft-com:vml" xmlns:pvml="urn:schemas-microsoft-com:office:powerpoint" xmlns:com="http://schemas.openxmlformats.org/drawingml/2006/compatibility" xmlns:p14="http://schemas.microsoft.com/office/powerpoint/2010/main" xmlns:p15="http://schemas.microsoft.com/office/powerpoint/2012/main" showMasterPhAnim="0" showMasterSp="0">
+<p:notes xmlns:a="http://schemas.openxmlformats.org/drawingml/2006/main" xmlns:r="http://schemas.openxmlformats.org/officeDocument/2006/relationships" xmlns:p="http://schemas.openxmlformats.org/presentationml/2006/main" showMasterSp="0" showMasterPhAnim="0">
   <p:cSld>
     <p:spTree>
       <p:nvGrpSpPr>
-        <p:cNvPr id="56" name="Shape 56"/>
+        <p:cNvPr id="1" name="Shape 56"/>
         <p:cNvGrpSpPr/>
         <p:nvPr/>
       </p:nvGrpSpPr>
@@ -786,19 +808,26 @@
       <p:sp>
         <p:nvSpPr>
           <p:cNvPr id="57" name="Google Shape;57;g27cb5dd873_0_4:notes"/>
-          <p:cNvSpPr/>
+          <p:cNvSpPr>
+            <a:spLocks noGrp="1" noRot="1" noChangeAspect="1"/>
+          </p:cNvSpPr>
           <p:nvPr>
-            <p:ph idx="2" type="sldImg"/>
+            <p:ph type="sldImg" idx="2"/>
           </p:nvPr>
         </p:nvSpPr>
         <p:spPr>
           <a:xfrm>
-            <a:off x="1210584" y="685800"/>
-            <a:ext cx="4437300" cy="3429000"/>
+            <a:off x="1211263" y="685800"/>
+            <a:ext cx="4437062" cy="3429000"/>
           </a:xfrm>
           <a:custGeom>
+            <a:avLst/>
+            <a:gdLst/>
+            <a:ahLst/>
+            <a:cxnLst/>
+            <a:rect l="0" t="0" r="0" b="0"/>
             <a:pathLst>
-              <a:path extrusionOk="0" h="120000" w="120000">
+              <a:path w="120000" h="120000" extrusionOk="0">
                 <a:moveTo>
                   <a:pt x="0" y="0"/>
                 </a:moveTo>
@@ -820,9 +849,11 @@
       <p:sp>
         <p:nvSpPr>
           <p:cNvPr id="58" name="Google Shape;58;g27cb5dd873_0_4:notes"/>
-          <p:cNvSpPr txBox="1"/>
+          <p:cNvSpPr txBox="1">
+            <a:spLocks noGrp="1"/>
+          </p:cNvSpPr>
           <p:nvPr>
-            <p:ph idx="1" type="body"/>
+            <p:ph type="body" idx="1"/>
           </p:nvPr>
         </p:nvSpPr>
         <p:spPr>
@@ -835,23 +866,20 @@
           </a:prstGeom>
         </p:spPr>
         <p:txBody>
-          <a:bodyPr anchorCtr="0" anchor="t" bIns="91425" lIns="91425" spcFirstLastPara="1" rIns="91425" wrap="square" tIns="91425">
+          <a:bodyPr spcFirstLastPara="1" wrap="square" lIns="91425" tIns="91425" rIns="91425" bIns="91425" anchor="t" anchorCtr="0">
             <a:noAutofit/>
           </a:bodyPr>
           <a:lstStyle/>
           <a:p>
-            <a:pPr indent="0" lvl="0" marL="0">
-              <a:spcBef>
-                <a:spcPts val="0"/>
-              </a:spcBef>
-              <a:spcAft>
-                <a:spcPts val="0"/>
-              </a:spcAft>
-              <a:buNone/>
-            </a:pPr>
-            <a:r>
-              <a:t/>
-            </a:r>
+            <a:pPr marL="0" lvl="0" indent="0">
+              <a:spcBef>
+                <a:spcPts val="0"/>
+              </a:spcBef>
+              <a:spcAft>
+                <a:spcPts val="0"/>
+              </a:spcAft>
+              <a:buNone/>
+            </a:pPr>
             <a:endParaRPr/>
           </a:p>
         </p:txBody>
@@ -865,11 +893,11 @@
 </file>
 
 <file path=ppt/slideLayouts/slideLayout1.xml><?xml version="1.0" encoding="utf-8"?>
-<p:sldLayout xmlns:a="http://schemas.openxmlformats.org/drawingml/2006/main" xmlns:r="http://schemas.openxmlformats.org/officeDocument/2006/relationships" xmlns:mc="http://schemas.openxmlformats.org/markup-compatibility/2006" xmlns:mv="urn:schemas-microsoft-com:mac:vml" xmlns:p="http://schemas.openxmlformats.org/presentationml/2006/main" xmlns:c="http://schemas.openxmlformats.org/drawingml/2006/chart" xmlns:dgm="http://schemas.openxmlformats.org/drawingml/2006/diagram" xmlns:o="urn:schemas-microsoft-com:office:office" xmlns:v="urn:schemas-microsoft-com:vml" xmlns:pvml="urn:schemas-microsoft-com:office:powerpoint" xmlns:com="http://schemas.openxmlformats.org/drawingml/2006/compatibility" xmlns:p14="http://schemas.microsoft.com/office/powerpoint/2010/main" xmlns:p15="http://schemas.microsoft.com/office/powerpoint/2012/main" matchingName="Title slide" type="title">
+<p:sldLayout xmlns:a="http://schemas.openxmlformats.org/drawingml/2006/main" xmlns:r="http://schemas.openxmlformats.org/officeDocument/2006/relationships" xmlns:p="http://schemas.openxmlformats.org/presentationml/2006/main" matchingName="Title slide" type="title">
   <p:cSld name="TITLE">
     <p:spTree>
       <p:nvGrpSpPr>
-        <p:cNvPr id="9" name="Shape 9"/>
+        <p:cNvPr id="1" name="Shape 9"/>
         <p:cNvGrpSpPr/>
         <p:nvPr/>
       </p:nvGrpSpPr>
@@ -884,7 +912,9 @@
       <p:sp>
         <p:nvSpPr>
           <p:cNvPr id="10" name="Google Shape;10;p2"/>
-          <p:cNvSpPr txBox="1"/>
+          <p:cNvSpPr txBox="1">
+            <a:spLocks noGrp="1"/>
+          </p:cNvSpPr>
           <p:nvPr>
             <p:ph type="ctrTitle"/>
           </p:nvPr>
@@ -899,7 +929,7 @@
           </a:prstGeom>
         </p:spPr>
         <p:txBody>
-          <a:bodyPr anchorCtr="0" anchor="b" bIns="91425" lIns="91425" spcFirstLastPara="1" rIns="91425" wrap="square" tIns="91425"/>
+          <a:bodyPr spcFirstLastPara="1" wrap="square" lIns="91425" tIns="91425" rIns="91425" bIns="91425" anchor="b" anchorCtr="0"/>
           <a:lstStyle>
             <a:lvl1pPr lvl="0" algn="ctr">
               <a:spcBef>
@@ -1001,15 +1031,19 @@
               <a:defRPr sz="5200"/>
             </a:lvl9pPr>
           </a:lstStyle>
-          <a:p/>
+          <a:p>
+            <a:endParaRPr/>
+          </a:p>
         </p:txBody>
       </p:sp>
       <p:sp>
         <p:nvSpPr>
           <p:cNvPr id="11" name="Google Shape;11;p2"/>
-          <p:cNvSpPr txBox="1"/>
+          <p:cNvSpPr txBox="1">
+            <a:spLocks noGrp="1"/>
+          </p:cNvSpPr>
           <p:nvPr>
-            <p:ph idx="1" type="subTitle"/>
+            <p:ph type="subTitle" idx="1"/>
           </p:nvPr>
         </p:nvSpPr>
         <p:spPr>
@@ -1022,7 +1056,7 @@
           </a:prstGeom>
         </p:spPr>
         <p:txBody>
-          <a:bodyPr anchorCtr="0" anchor="t" bIns="91425" lIns="91425" spcFirstLastPara="1" rIns="91425" wrap="square" tIns="91425"/>
+          <a:bodyPr spcFirstLastPara="1" wrap="square" lIns="91425" tIns="91425" rIns="91425" bIns="91425" anchor="t" anchorCtr="0"/>
           <a:lstStyle>
             <a:lvl1pPr lvl="0" algn="ctr">
               <a:lnSpc>
@@ -1151,15 +1185,19 @@
               <a:defRPr sz="2800"/>
             </a:lvl9pPr>
           </a:lstStyle>
-          <a:p/>
+          <a:p>
+            <a:endParaRPr/>
+          </a:p>
         </p:txBody>
       </p:sp>
       <p:sp>
         <p:nvSpPr>
           <p:cNvPr id="12" name="Google Shape;12;p2"/>
-          <p:cNvSpPr txBox="1"/>
+          <p:cNvSpPr txBox="1">
+            <a:spLocks noGrp="1"/>
+          </p:cNvSpPr>
           <p:nvPr>
-            <p:ph idx="12" type="sldNum"/>
+            <p:ph type="sldNum" idx="12"/>
           </p:nvPr>
         </p:nvSpPr>
         <p:spPr>
@@ -1172,7 +1210,7 @@
           </a:prstGeom>
         </p:spPr>
         <p:txBody>
-          <a:bodyPr anchorCtr="0" anchor="ctr" bIns="91425" lIns="91425" spcFirstLastPara="1" rIns="91425" wrap="square" tIns="91425">
+          <a:bodyPr spcFirstLastPara="1" wrap="square" lIns="91425" tIns="91425" rIns="91425" bIns="91425" anchor="ctr" anchorCtr="0">
             <a:noAutofit/>
           </a:bodyPr>
           <a:lstStyle>
@@ -1214,7 +1252,7 @@
             </a:lvl9pPr>
           </a:lstStyle>
           <a:p>
-            <a:pPr indent="0" lvl="0" marL="0">
+            <a:pPr marL="0" lvl="0" indent="0">
               <a:spcBef>
                 <a:spcPts val="0"/>
               </a:spcBef>
@@ -1240,11 +1278,11 @@
 </file>
 
 <file path=ppt/slideLayouts/slideLayout10.xml><?xml version="1.0" encoding="utf-8"?>
-<p:sldLayout xmlns:a="http://schemas.openxmlformats.org/drawingml/2006/main" xmlns:r="http://schemas.openxmlformats.org/officeDocument/2006/relationships" xmlns:mc="http://schemas.openxmlformats.org/markup-compatibility/2006" xmlns:mv="urn:schemas-microsoft-com:mac:vml" xmlns:p="http://schemas.openxmlformats.org/presentationml/2006/main" xmlns:c="http://schemas.openxmlformats.org/drawingml/2006/chart" xmlns:dgm="http://schemas.openxmlformats.org/drawingml/2006/diagram" xmlns:o="urn:schemas-microsoft-com:office:office" xmlns:v="urn:schemas-microsoft-com:vml" xmlns:pvml="urn:schemas-microsoft-com:office:powerpoint" xmlns:com="http://schemas.openxmlformats.org/drawingml/2006/compatibility" xmlns:p14="http://schemas.microsoft.com/office/powerpoint/2010/main" xmlns:p15="http://schemas.microsoft.com/office/powerpoint/2012/main" matchingName="Big number">
+<p:sldLayout xmlns:a="http://schemas.openxmlformats.org/drawingml/2006/main" xmlns:r="http://schemas.openxmlformats.org/officeDocument/2006/relationships" xmlns:p="http://schemas.openxmlformats.org/presentationml/2006/main" matchingName="Big number">
   <p:cSld name="BIG_NUMBER">
     <p:spTree>
       <p:nvGrpSpPr>
-        <p:cNvPr id="44" name="Shape 44"/>
+        <p:cNvPr id="1" name="Shape 44"/>
         <p:cNvGrpSpPr/>
         <p:nvPr/>
       </p:nvGrpSpPr>
@@ -1259,9 +1297,11 @@
       <p:sp>
         <p:nvSpPr>
           <p:cNvPr id="45" name="Google Shape;45;p11"/>
-          <p:cNvSpPr txBox="1"/>
+          <p:cNvSpPr txBox="1">
+            <a:spLocks noGrp="1"/>
+          </p:cNvSpPr>
           <p:nvPr>
-            <p:ph hasCustomPrompt="1" type="title"/>
+            <p:ph type="title" hasCustomPrompt="1"/>
           </p:nvPr>
         </p:nvSpPr>
         <p:spPr>
@@ -1274,7 +1314,7 @@
           </a:prstGeom>
         </p:spPr>
         <p:txBody>
-          <a:bodyPr anchorCtr="0" anchor="b" bIns="91425" lIns="91425" spcFirstLastPara="1" rIns="91425" wrap="square" tIns="91425"/>
+          <a:bodyPr spcFirstLastPara="1" wrap="square" lIns="91425" tIns="91425" rIns="91425" bIns="91425" anchor="b" anchorCtr="0"/>
           <a:lstStyle>
             <a:lvl1pPr lvl="0" algn="ctr">
               <a:spcBef>
@@ -1386,9 +1426,11 @@
       <p:sp>
         <p:nvSpPr>
           <p:cNvPr id="46" name="Google Shape;46;p11"/>
-          <p:cNvSpPr txBox="1"/>
+          <p:cNvSpPr txBox="1">
+            <a:spLocks noGrp="1"/>
+          </p:cNvSpPr>
           <p:nvPr>
-            <p:ph idx="1" type="body"/>
+            <p:ph type="body" idx="1"/>
           </p:nvPr>
         </p:nvSpPr>
         <p:spPr>
@@ -1401,9 +1443,9 @@
           </a:prstGeom>
         </p:spPr>
         <p:txBody>
-          <a:bodyPr anchorCtr="0" anchor="t" bIns="91425" lIns="91425" spcFirstLastPara="1" rIns="91425" wrap="square" tIns="91425"/>
+          <a:bodyPr spcFirstLastPara="1" wrap="square" lIns="91425" tIns="91425" rIns="91425" bIns="91425" anchor="t" anchorCtr="0"/>
           <a:lstStyle>
-            <a:lvl1pPr indent="-342900" lvl="0" marL="457200" algn="ctr">
+            <a:lvl1pPr marL="457200" lvl="0" indent="-342900" algn="ctr">
               <a:spcBef>
                 <a:spcPts val="0"/>
               </a:spcBef>
@@ -1414,7 +1456,7 @@
               <a:buChar char="●"/>
               <a:defRPr/>
             </a:lvl1pPr>
-            <a:lvl2pPr indent="-317500" lvl="1" marL="914400" algn="ctr">
+            <a:lvl2pPr marL="914400" lvl="1" indent="-317500" algn="ctr">
               <a:spcBef>
                 <a:spcPts val="1600"/>
               </a:spcBef>
@@ -1425,7 +1467,7 @@
               <a:buChar char="○"/>
               <a:defRPr/>
             </a:lvl2pPr>
-            <a:lvl3pPr indent="-317500" lvl="2" marL="1371600" algn="ctr">
+            <a:lvl3pPr marL="1371600" lvl="2" indent="-317500" algn="ctr">
               <a:spcBef>
                 <a:spcPts val="1600"/>
               </a:spcBef>
@@ -1436,7 +1478,7 @@
               <a:buChar char="■"/>
               <a:defRPr/>
             </a:lvl3pPr>
-            <a:lvl4pPr indent="-317500" lvl="3" marL="1828800" algn="ctr">
+            <a:lvl4pPr marL="1828800" lvl="3" indent="-317500" algn="ctr">
               <a:spcBef>
                 <a:spcPts val="1600"/>
               </a:spcBef>
@@ -1447,7 +1489,7 @@
               <a:buChar char="●"/>
               <a:defRPr/>
             </a:lvl4pPr>
-            <a:lvl5pPr indent="-317500" lvl="4" marL="2286000" algn="ctr">
+            <a:lvl5pPr marL="2286000" lvl="4" indent="-317500" algn="ctr">
               <a:spcBef>
                 <a:spcPts val="1600"/>
               </a:spcBef>
@@ -1458,7 +1500,7 @@
               <a:buChar char="○"/>
               <a:defRPr/>
             </a:lvl5pPr>
-            <a:lvl6pPr indent="-317500" lvl="5" marL="2743200" algn="ctr">
+            <a:lvl6pPr marL="2743200" lvl="5" indent="-317500" algn="ctr">
               <a:spcBef>
                 <a:spcPts val="1600"/>
               </a:spcBef>
@@ -1469,7 +1511,7 @@
               <a:buChar char="■"/>
               <a:defRPr/>
             </a:lvl6pPr>
-            <a:lvl7pPr indent="-317500" lvl="6" marL="3200400" algn="ctr">
+            <a:lvl7pPr marL="3200400" lvl="6" indent="-317500" algn="ctr">
               <a:spcBef>
                 <a:spcPts val="1600"/>
               </a:spcBef>
@@ -1480,7 +1522,7 @@
               <a:buChar char="●"/>
               <a:defRPr/>
             </a:lvl7pPr>
-            <a:lvl8pPr indent="-317500" lvl="7" marL="3657600" algn="ctr">
+            <a:lvl8pPr marL="3657600" lvl="7" indent="-317500" algn="ctr">
               <a:spcBef>
                 <a:spcPts val="1600"/>
               </a:spcBef>
@@ -1491,7 +1533,7 @@
               <a:buChar char="○"/>
               <a:defRPr/>
             </a:lvl8pPr>
-            <a:lvl9pPr indent="-317500" lvl="8" marL="4114800" algn="ctr">
+            <a:lvl9pPr marL="4114800" lvl="8" indent="-317500" algn="ctr">
               <a:spcBef>
                 <a:spcPts val="1600"/>
               </a:spcBef>
@@ -1503,15 +1545,19 @@
               <a:defRPr/>
             </a:lvl9pPr>
           </a:lstStyle>
-          <a:p/>
+          <a:p>
+            <a:endParaRPr/>
+          </a:p>
         </p:txBody>
       </p:sp>
       <p:sp>
         <p:nvSpPr>
           <p:cNvPr id="47" name="Google Shape;47;p11"/>
-          <p:cNvSpPr txBox="1"/>
+          <p:cNvSpPr txBox="1">
+            <a:spLocks noGrp="1"/>
+          </p:cNvSpPr>
           <p:nvPr>
-            <p:ph idx="12" type="sldNum"/>
+            <p:ph type="sldNum" idx="12"/>
           </p:nvPr>
         </p:nvSpPr>
         <p:spPr>
@@ -1524,7 +1570,7 @@
           </a:prstGeom>
         </p:spPr>
         <p:txBody>
-          <a:bodyPr anchorCtr="0" anchor="ctr" bIns="91425" lIns="91425" spcFirstLastPara="1" rIns="91425" wrap="square" tIns="91425">
+          <a:bodyPr spcFirstLastPara="1" wrap="square" lIns="91425" tIns="91425" rIns="91425" bIns="91425" anchor="ctr" anchorCtr="0">
             <a:noAutofit/>
           </a:bodyPr>
           <a:lstStyle>
@@ -1566,7 +1612,7 @@
             </a:lvl9pPr>
           </a:lstStyle>
           <a:p>
-            <a:pPr indent="0" lvl="0" marL="0">
+            <a:pPr marL="0" lvl="0" indent="0">
               <a:spcBef>
                 <a:spcPts val="0"/>
               </a:spcBef>
@@ -1592,11 +1638,11 @@
 </file>
 
 <file path=ppt/slideLayouts/slideLayout11.xml><?xml version="1.0" encoding="utf-8"?>
-<p:sldLayout xmlns:a="http://schemas.openxmlformats.org/drawingml/2006/main" xmlns:r="http://schemas.openxmlformats.org/officeDocument/2006/relationships" xmlns:mc="http://schemas.openxmlformats.org/markup-compatibility/2006" xmlns:mv="urn:schemas-microsoft-com:mac:vml" xmlns:p="http://schemas.openxmlformats.org/presentationml/2006/main" xmlns:c="http://schemas.openxmlformats.org/drawingml/2006/chart" xmlns:dgm="http://schemas.openxmlformats.org/drawingml/2006/diagram" xmlns:o="urn:schemas-microsoft-com:office:office" xmlns:v="urn:schemas-microsoft-com:vml" xmlns:pvml="urn:schemas-microsoft-com:office:powerpoint" xmlns:com="http://schemas.openxmlformats.org/drawingml/2006/compatibility" xmlns:p14="http://schemas.microsoft.com/office/powerpoint/2010/main" xmlns:p15="http://schemas.microsoft.com/office/powerpoint/2012/main" matchingName="Blank" type="blank">
+<p:sldLayout xmlns:a="http://schemas.openxmlformats.org/drawingml/2006/main" xmlns:r="http://schemas.openxmlformats.org/officeDocument/2006/relationships" xmlns:p="http://schemas.openxmlformats.org/presentationml/2006/main" matchingName="Blank" type="blank">
   <p:cSld name="BLANK">
     <p:spTree>
       <p:nvGrpSpPr>
-        <p:cNvPr id="48" name="Shape 48"/>
+        <p:cNvPr id="1" name="Shape 48"/>
         <p:cNvGrpSpPr/>
         <p:nvPr/>
       </p:nvGrpSpPr>
@@ -1611,9 +1657,11 @@
       <p:sp>
         <p:nvSpPr>
           <p:cNvPr id="49" name="Google Shape;49;p12"/>
-          <p:cNvSpPr txBox="1"/>
+          <p:cNvSpPr txBox="1">
+            <a:spLocks noGrp="1"/>
+          </p:cNvSpPr>
           <p:nvPr>
-            <p:ph idx="12" type="sldNum"/>
+            <p:ph type="sldNum" idx="12"/>
           </p:nvPr>
         </p:nvSpPr>
         <p:spPr>
@@ -1626,7 +1674,7 @@
           </a:prstGeom>
         </p:spPr>
         <p:txBody>
-          <a:bodyPr anchorCtr="0" anchor="ctr" bIns="91425" lIns="91425" spcFirstLastPara="1" rIns="91425" wrap="square" tIns="91425">
+          <a:bodyPr spcFirstLastPara="1" wrap="square" lIns="91425" tIns="91425" rIns="91425" bIns="91425" anchor="ctr" anchorCtr="0">
             <a:noAutofit/>
           </a:bodyPr>
           <a:lstStyle>
@@ -1668,7 +1716,7 @@
             </a:lvl9pPr>
           </a:lstStyle>
           <a:p>
-            <a:pPr indent="0" lvl="0" marL="0">
+            <a:pPr marL="0" lvl="0" indent="0">
               <a:spcBef>
                 <a:spcPts val="0"/>
               </a:spcBef>
@@ -1694,11 +1742,11 @@
 </file>
 
 <file path=ppt/slideLayouts/slideLayout2.xml><?xml version="1.0" encoding="utf-8"?>
-<p:sldLayout xmlns:a="http://schemas.openxmlformats.org/drawingml/2006/main" xmlns:r="http://schemas.openxmlformats.org/officeDocument/2006/relationships" xmlns:mc="http://schemas.openxmlformats.org/markup-compatibility/2006" xmlns:mv="urn:schemas-microsoft-com:mac:vml" xmlns:p="http://schemas.openxmlformats.org/presentationml/2006/main" xmlns:c="http://schemas.openxmlformats.org/drawingml/2006/chart" xmlns:dgm="http://schemas.openxmlformats.org/drawingml/2006/diagram" xmlns:o="urn:schemas-microsoft-com:office:office" xmlns:v="urn:schemas-microsoft-com:vml" xmlns:pvml="urn:schemas-microsoft-com:office:powerpoint" xmlns:com="http://schemas.openxmlformats.org/drawingml/2006/compatibility" xmlns:p14="http://schemas.microsoft.com/office/powerpoint/2010/main" xmlns:p15="http://schemas.microsoft.com/office/powerpoint/2012/main" matchingName="Section header" type="secHead">
+<p:sldLayout xmlns:a="http://schemas.openxmlformats.org/drawingml/2006/main" xmlns:r="http://schemas.openxmlformats.org/officeDocument/2006/relationships" xmlns:p="http://schemas.openxmlformats.org/presentationml/2006/main" matchingName="Section header" type="secHead">
   <p:cSld name="SECTION_HEADER">
     <p:spTree>
       <p:nvGrpSpPr>
-        <p:cNvPr id="13" name="Shape 13"/>
+        <p:cNvPr id="1" name="Shape 13"/>
         <p:cNvGrpSpPr/>
         <p:nvPr/>
       </p:nvGrpSpPr>
@@ -1713,7 +1761,9 @@
       <p:sp>
         <p:nvSpPr>
           <p:cNvPr id="14" name="Google Shape;14;p3"/>
-          <p:cNvSpPr txBox="1"/>
+          <p:cNvSpPr txBox="1">
+            <a:spLocks noGrp="1"/>
+          </p:cNvSpPr>
           <p:nvPr>
             <p:ph type="title"/>
           </p:nvPr>
@@ -1728,7 +1778,7 @@
           </a:prstGeom>
         </p:spPr>
         <p:txBody>
-          <a:bodyPr anchorCtr="0" anchor="ctr" bIns="91425" lIns="91425" spcFirstLastPara="1" rIns="91425" wrap="square" tIns="91425"/>
+          <a:bodyPr spcFirstLastPara="1" wrap="square" lIns="91425" tIns="91425" rIns="91425" bIns="91425" anchor="ctr" anchorCtr="0"/>
           <a:lstStyle>
             <a:lvl1pPr lvl="0" algn="ctr">
               <a:spcBef>
@@ -1830,15 +1880,19 @@
               <a:defRPr sz="3600"/>
             </a:lvl9pPr>
           </a:lstStyle>
-          <a:p/>
+          <a:p>
+            <a:endParaRPr/>
+          </a:p>
         </p:txBody>
       </p:sp>
       <p:sp>
         <p:nvSpPr>
           <p:cNvPr id="15" name="Google Shape;15;p3"/>
-          <p:cNvSpPr txBox="1"/>
+          <p:cNvSpPr txBox="1">
+            <a:spLocks noGrp="1"/>
+          </p:cNvSpPr>
           <p:nvPr>
-            <p:ph idx="12" type="sldNum"/>
+            <p:ph type="sldNum" idx="12"/>
           </p:nvPr>
         </p:nvSpPr>
         <p:spPr>
@@ -1851,7 +1905,7 @@
           </a:prstGeom>
         </p:spPr>
         <p:txBody>
-          <a:bodyPr anchorCtr="0" anchor="ctr" bIns="91425" lIns="91425" spcFirstLastPara="1" rIns="91425" wrap="square" tIns="91425">
+          <a:bodyPr spcFirstLastPara="1" wrap="square" lIns="91425" tIns="91425" rIns="91425" bIns="91425" anchor="ctr" anchorCtr="0">
             <a:noAutofit/>
           </a:bodyPr>
           <a:lstStyle>
@@ -1893,7 +1947,7 @@
             </a:lvl9pPr>
           </a:lstStyle>
           <a:p>
-            <a:pPr indent="0" lvl="0" marL="0">
+            <a:pPr marL="0" lvl="0" indent="0">
               <a:spcBef>
                 <a:spcPts val="0"/>
               </a:spcBef>
@@ -1919,11 +1973,11 @@
 </file>
 
 <file path=ppt/slideLayouts/slideLayout3.xml><?xml version="1.0" encoding="utf-8"?>
-<p:sldLayout xmlns:a="http://schemas.openxmlformats.org/drawingml/2006/main" xmlns:r="http://schemas.openxmlformats.org/officeDocument/2006/relationships" xmlns:mc="http://schemas.openxmlformats.org/markup-compatibility/2006" xmlns:mv="urn:schemas-microsoft-com:mac:vml" xmlns:p="http://schemas.openxmlformats.org/presentationml/2006/main" xmlns:c="http://schemas.openxmlformats.org/drawingml/2006/chart" xmlns:dgm="http://schemas.openxmlformats.org/drawingml/2006/diagram" xmlns:o="urn:schemas-microsoft-com:office:office" xmlns:v="urn:schemas-microsoft-com:vml" xmlns:pvml="urn:schemas-microsoft-com:office:powerpoint" xmlns:com="http://schemas.openxmlformats.org/drawingml/2006/compatibility" xmlns:p14="http://schemas.microsoft.com/office/powerpoint/2010/main" xmlns:p15="http://schemas.microsoft.com/office/powerpoint/2012/main" matchingName="Title and body" type="tx">
+<p:sldLayout xmlns:a="http://schemas.openxmlformats.org/drawingml/2006/main" xmlns:r="http://schemas.openxmlformats.org/officeDocument/2006/relationships" xmlns:p="http://schemas.openxmlformats.org/presentationml/2006/main" matchingName="Title and body" type="tx">
   <p:cSld name="TITLE_AND_BODY">
     <p:spTree>
       <p:nvGrpSpPr>
-        <p:cNvPr id="16" name="Shape 16"/>
+        <p:cNvPr id="1" name="Shape 16"/>
         <p:cNvGrpSpPr/>
         <p:nvPr/>
       </p:nvGrpSpPr>
@@ -1938,7 +1992,9 @@
       <p:sp>
         <p:nvSpPr>
           <p:cNvPr id="17" name="Google Shape;17;p4"/>
-          <p:cNvSpPr txBox="1"/>
+          <p:cNvSpPr txBox="1">
+            <a:spLocks noGrp="1"/>
+          </p:cNvSpPr>
           <p:nvPr>
             <p:ph type="title"/>
           </p:nvPr>
@@ -1953,7 +2009,7 @@
           </a:prstGeom>
         </p:spPr>
         <p:txBody>
-          <a:bodyPr anchorCtr="0" anchor="t" bIns="91425" lIns="91425" spcFirstLastPara="1" rIns="91425" wrap="square" tIns="91425"/>
+          <a:bodyPr spcFirstLastPara="1" wrap="square" lIns="91425" tIns="91425" rIns="91425" bIns="91425" anchor="t" anchorCtr="0"/>
           <a:lstStyle>
             <a:lvl1pPr lvl="0">
               <a:spcBef>
@@ -2055,15 +2111,19 @@
               <a:defRPr/>
             </a:lvl9pPr>
           </a:lstStyle>
-          <a:p/>
+          <a:p>
+            <a:endParaRPr/>
+          </a:p>
         </p:txBody>
       </p:sp>
       <p:sp>
         <p:nvSpPr>
           <p:cNvPr id="18" name="Google Shape;18;p4"/>
-          <p:cNvSpPr txBox="1"/>
+          <p:cNvSpPr txBox="1">
+            <a:spLocks noGrp="1"/>
+          </p:cNvSpPr>
           <p:nvPr>
-            <p:ph idx="1" type="body"/>
+            <p:ph type="body" idx="1"/>
           </p:nvPr>
         </p:nvSpPr>
         <p:spPr>
@@ -2076,9 +2136,9 @@
           </a:prstGeom>
         </p:spPr>
         <p:txBody>
-          <a:bodyPr anchorCtr="0" anchor="t" bIns="91425" lIns="91425" spcFirstLastPara="1" rIns="91425" wrap="square" tIns="91425"/>
+          <a:bodyPr spcFirstLastPara="1" wrap="square" lIns="91425" tIns="91425" rIns="91425" bIns="91425" anchor="t" anchorCtr="0"/>
           <a:lstStyle>
-            <a:lvl1pPr indent="-342900" lvl="0" marL="457200">
+            <a:lvl1pPr marL="457200" lvl="0" indent="-342900">
               <a:spcBef>
                 <a:spcPts val="0"/>
               </a:spcBef>
@@ -2089,7 +2149,7 @@
               <a:buChar char="●"/>
               <a:defRPr/>
             </a:lvl1pPr>
-            <a:lvl2pPr indent="-317500" lvl="1" marL="914400">
+            <a:lvl2pPr marL="914400" lvl="1" indent="-317500">
               <a:spcBef>
                 <a:spcPts val="1600"/>
               </a:spcBef>
@@ -2100,7 +2160,7 @@
               <a:buChar char="○"/>
               <a:defRPr/>
             </a:lvl2pPr>
-            <a:lvl3pPr indent="-317500" lvl="2" marL="1371600">
+            <a:lvl3pPr marL="1371600" lvl="2" indent="-317500">
               <a:spcBef>
                 <a:spcPts val="1600"/>
               </a:spcBef>
@@ -2111,7 +2171,7 @@
               <a:buChar char="■"/>
               <a:defRPr/>
             </a:lvl3pPr>
-            <a:lvl4pPr indent="-317500" lvl="3" marL="1828800">
+            <a:lvl4pPr marL="1828800" lvl="3" indent="-317500">
               <a:spcBef>
                 <a:spcPts val="1600"/>
               </a:spcBef>
@@ -2122,7 +2182,7 @@
               <a:buChar char="●"/>
               <a:defRPr/>
             </a:lvl4pPr>
-            <a:lvl5pPr indent="-317500" lvl="4" marL="2286000">
+            <a:lvl5pPr marL="2286000" lvl="4" indent="-317500">
               <a:spcBef>
                 <a:spcPts val="1600"/>
               </a:spcBef>
@@ -2133,7 +2193,7 @@
               <a:buChar char="○"/>
               <a:defRPr/>
             </a:lvl5pPr>
-            <a:lvl6pPr indent="-317500" lvl="5" marL="2743200">
+            <a:lvl6pPr marL="2743200" lvl="5" indent="-317500">
               <a:spcBef>
                 <a:spcPts val="1600"/>
               </a:spcBef>
@@ -2144,7 +2204,7 @@
               <a:buChar char="■"/>
               <a:defRPr/>
             </a:lvl6pPr>
-            <a:lvl7pPr indent="-317500" lvl="6" marL="3200400">
+            <a:lvl7pPr marL="3200400" lvl="6" indent="-317500">
               <a:spcBef>
                 <a:spcPts val="1600"/>
               </a:spcBef>
@@ -2155,7 +2215,7 @@
               <a:buChar char="●"/>
               <a:defRPr/>
             </a:lvl7pPr>
-            <a:lvl8pPr indent="-317500" lvl="7" marL="3657600">
+            <a:lvl8pPr marL="3657600" lvl="7" indent="-317500">
               <a:spcBef>
                 <a:spcPts val="1600"/>
               </a:spcBef>
@@ -2166,7 +2226,7 @@
               <a:buChar char="○"/>
               <a:defRPr/>
             </a:lvl8pPr>
-            <a:lvl9pPr indent="-317500" lvl="8" marL="4114800">
+            <a:lvl9pPr marL="4114800" lvl="8" indent="-317500">
               <a:spcBef>
                 <a:spcPts val="1600"/>
               </a:spcBef>
@@ -2178,15 +2238,19 @@
               <a:defRPr/>
             </a:lvl9pPr>
           </a:lstStyle>
-          <a:p/>
+          <a:p>
+            <a:endParaRPr/>
+          </a:p>
         </p:txBody>
       </p:sp>
       <p:sp>
         <p:nvSpPr>
           <p:cNvPr id="19" name="Google Shape;19;p4"/>
-          <p:cNvSpPr txBox="1"/>
+          <p:cNvSpPr txBox="1">
+            <a:spLocks noGrp="1"/>
+          </p:cNvSpPr>
           <p:nvPr>
-            <p:ph idx="12" type="sldNum"/>
+            <p:ph type="sldNum" idx="12"/>
           </p:nvPr>
         </p:nvSpPr>
         <p:spPr>
@@ -2199,7 +2263,7 @@
           </a:prstGeom>
         </p:spPr>
         <p:txBody>
-          <a:bodyPr anchorCtr="0" anchor="ctr" bIns="91425" lIns="91425" spcFirstLastPara="1" rIns="91425" wrap="square" tIns="91425">
+          <a:bodyPr spcFirstLastPara="1" wrap="square" lIns="91425" tIns="91425" rIns="91425" bIns="91425" anchor="ctr" anchorCtr="0">
             <a:noAutofit/>
           </a:bodyPr>
           <a:lstStyle>
@@ -2241,7 +2305,7 @@
             </a:lvl9pPr>
           </a:lstStyle>
           <a:p>
-            <a:pPr indent="0" lvl="0" marL="0">
+            <a:pPr marL="0" lvl="0" indent="0">
               <a:spcBef>
                 <a:spcPts val="0"/>
               </a:spcBef>
@@ -2267,11 +2331,11 @@
 </file>
 
 <file path=ppt/slideLayouts/slideLayout4.xml><?xml version="1.0" encoding="utf-8"?>
-<p:sldLayout xmlns:a="http://schemas.openxmlformats.org/drawingml/2006/main" xmlns:r="http://schemas.openxmlformats.org/officeDocument/2006/relationships" xmlns:mc="http://schemas.openxmlformats.org/markup-compatibility/2006" xmlns:mv="urn:schemas-microsoft-com:mac:vml" xmlns:p="http://schemas.openxmlformats.org/presentationml/2006/main" xmlns:c="http://schemas.openxmlformats.org/drawingml/2006/chart" xmlns:dgm="http://schemas.openxmlformats.org/drawingml/2006/diagram" xmlns:o="urn:schemas-microsoft-com:office:office" xmlns:v="urn:schemas-microsoft-com:vml" xmlns:pvml="urn:schemas-microsoft-com:office:powerpoint" xmlns:com="http://schemas.openxmlformats.org/drawingml/2006/compatibility" xmlns:p14="http://schemas.microsoft.com/office/powerpoint/2010/main" xmlns:p15="http://schemas.microsoft.com/office/powerpoint/2012/main" matchingName="Title and two columns" type="twoColTx">
+<p:sldLayout xmlns:a="http://schemas.openxmlformats.org/drawingml/2006/main" xmlns:r="http://schemas.openxmlformats.org/officeDocument/2006/relationships" xmlns:p="http://schemas.openxmlformats.org/presentationml/2006/main" matchingName="Title and two columns" type="twoColTx">
   <p:cSld name="TITLE_AND_TWO_COLUMNS">
     <p:spTree>
       <p:nvGrpSpPr>
-        <p:cNvPr id="20" name="Shape 20"/>
+        <p:cNvPr id="1" name="Shape 20"/>
         <p:cNvGrpSpPr/>
         <p:nvPr/>
       </p:nvGrpSpPr>
@@ -2286,7 +2350,9 @@
       <p:sp>
         <p:nvSpPr>
           <p:cNvPr id="21" name="Google Shape;21;p5"/>
-          <p:cNvSpPr txBox="1"/>
+          <p:cNvSpPr txBox="1">
+            <a:spLocks noGrp="1"/>
+          </p:cNvSpPr>
           <p:nvPr>
             <p:ph type="title"/>
           </p:nvPr>
@@ -2301,7 +2367,7 @@
           </a:prstGeom>
         </p:spPr>
         <p:txBody>
-          <a:bodyPr anchorCtr="0" anchor="t" bIns="91425" lIns="91425" spcFirstLastPara="1" rIns="91425" wrap="square" tIns="91425"/>
+          <a:bodyPr spcFirstLastPara="1" wrap="square" lIns="91425" tIns="91425" rIns="91425" bIns="91425" anchor="t" anchorCtr="0"/>
           <a:lstStyle>
             <a:lvl1pPr lvl="0">
               <a:spcBef>
@@ -2403,15 +2469,19 @@
               <a:defRPr/>
             </a:lvl9pPr>
           </a:lstStyle>
-          <a:p/>
+          <a:p>
+            <a:endParaRPr/>
+          </a:p>
         </p:txBody>
       </p:sp>
       <p:sp>
         <p:nvSpPr>
           <p:cNvPr id="22" name="Google Shape;22;p5"/>
-          <p:cNvSpPr txBox="1"/>
+          <p:cNvSpPr txBox="1">
+            <a:spLocks noGrp="1"/>
+          </p:cNvSpPr>
           <p:nvPr>
-            <p:ph idx="1" type="body"/>
+            <p:ph type="body" idx="1"/>
           </p:nvPr>
         </p:nvSpPr>
         <p:spPr>
@@ -2424,9 +2494,9 @@
           </a:prstGeom>
         </p:spPr>
         <p:txBody>
-          <a:bodyPr anchorCtr="0" anchor="t" bIns="91425" lIns="91425" spcFirstLastPara="1" rIns="91425" wrap="square" tIns="91425"/>
+          <a:bodyPr spcFirstLastPara="1" wrap="square" lIns="91425" tIns="91425" rIns="91425" bIns="91425" anchor="t" anchorCtr="0"/>
           <a:lstStyle>
-            <a:lvl1pPr indent="-317500" lvl="0" marL="457200">
+            <a:lvl1pPr marL="457200" lvl="0" indent="-317500">
               <a:spcBef>
                 <a:spcPts val="0"/>
               </a:spcBef>
@@ -2437,7 +2507,7 @@
               <a:buChar char="●"/>
               <a:defRPr sz="1400"/>
             </a:lvl1pPr>
-            <a:lvl2pPr indent="-304800" lvl="1" marL="914400">
+            <a:lvl2pPr marL="914400" lvl="1" indent="-304800">
               <a:spcBef>
                 <a:spcPts val="1600"/>
               </a:spcBef>
@@ -2448,7 +2518,7 @@
               <a:buChar char="○"/>
               <a:defRPr sz="1200"/>
             </a:lvl2pPr>
-            <a:lvl3pPr indent="-304800" lvl="2" marL="1371600">
+            <a:lvl3pPr marL="1371600" lvl="2" indent="-304800">
               <a:spcBef>
                 <a:spcPts val="1600"/>
               </a:spcBef>
@@ -2459,7 +2529,7 @@
               <a:buChar char="■"/>
               <a:defRPr sz="1200"/>
             </a:lvl3pPr>
-            <a:lvl4pPr indent="-304800" lvl="3" marL="1828800">
+            <a:lvl4pPr marL="1828800" lvl="3" indent="-304800">
               <a:spcBef>
                 <a:spcPts val="1600"/>
               </a:spcBef>
@@ -2470,7 +2540,7 @@
               <a:buChar char="●"/>
               <a:defRPr sz="1200"/>
             </a:lvl4pPr>
-            <a:lvl5pPr indent="-304800" lvl="4" marL="2286000">
+            <a:lvl5pPr marL="2286000" lvl="4" indent="-304800">
               <a:spcBef>
                 <a:spcPts val="1600"/>
               </a:spcBef>
@@ -2481,7 +2551,7 @@
               <a:buChar char="○"/>
               <a:defRPr sz="1200"/>
             </a:lvl5pPr>
-            <a:lvl6pPr indent="-304800" lvl="5" marL="2743200">
+            <a:lvl6pPr marL="2743200" lvl="5" indent="-304800">
               <a:spcBef>
                 <a:spcPts val="1600"/>
               </a:spcBef>
@@ -2492,7 +2562,7 @@
               <a:buChar char="■"/>
               <a:defRPr sz="1200"/>
             </a:lvl6pPr>
-            <a:lvl7pPr indent="-304800" lvl="6" marL="3200400">
+            <a:lvl7pPr marL="3200400" lvl="6" indent="-304800">
               <a:spcBef>
                 <a:spcPts val="1600"/>
               </a:spcBef>
@@ -2503,7 +2573,7 @@
               <a:buChar char="●"/>
               <a:defRPr sz="1200"/>
             </a:lvl7pPr>
-            <a:lvl8pPr indent="-304800" lvl="7" marL="3657600">
+            <a:lvl8pPr marL="3657600" lvl="7" indent="-304800">
               <a:spcBef>
                 <a:spcPts val="1600"/>
               </a:spcBef>
@@ -2514,7 +2584,7 @@
               <a:buChar char="○"/>
               <a:defRPr sz="1200"/>
             </a:lvl8pPr>
-            <a:lvl9pPr indent="-304800" lvl="8" marL="4114800">
+            <a:lvl9pPr marL="4114800" lvl="8" indent="-304800">
               <a:spcBef>
                 <a:spcPts val="1600"/>
               </a:spcBef>
@@ -2526,15 +2596,19 @@
               <a:defRPr sz="1200"/>
             </a:lvl9pPr>
           </a:lstStyle>
-          <a:p/>
+          <a:p>
+            <a:endParaRPr/>
+          </a:p>
         </p:txBody>
       </p:sp>
       <p:sp>
         <p:nvSpPr>
           <p:cNvPr id="23" name="Google Shape;23;p5"/>
-          <p:cNvSpPr txBox="1"/>
+          <p:cNvSpPr txBox="1">
+            <a:spLocks noGrp="1"/>
+          </p:cNvSpPr>
           <p:nvPr>
-            <p:ph idx="2" type="body"/>
+            <p:ph type="body" idx="2"/>
           </p:nvPr>
         </p:nvSpPr>
         <p:spPr>
@@ -2547,9 +2621,9 @@
           </a:prstGeom>
         </p:spPr>
         <p:txBody>
-          <a:bodyPr anchorCtr="0" anchor="t" bIns="91425" lIns="91425" spcFirstLastPara="1" rIns="91425" wrap="square" tIns="91425"/>
+          <a:bodyPr spcFirstLastPara="1" wrap="square" lIns="91425" tIns="91425" rIns="91425" bIns="91425" anchor="t" anchorCtr="0"/>
           <a:lstStyle>
-            <a:lvl1pPr indent="-317500" lvl="0" marL="457200">
+            <a:lvl1pPr marL="457200" lvl="0" indent="-317500">
               <a:spcBef>
                 <a:spcPts val="0"/>
               </a:spcBef>
@@ -2560,7 +2634,7 @@
               <a:buChar char="●"/>
               <a:defRPr sz="1400"/>
             </a:lvl1pPr>
-            <a:lvl2pPr indent="-304800" lvl="1" marL="914400">
+            <a:lvl2pPr marL="914400" lvl="1" indent="-304800">
               <a:spcBef>
                 <a:spcPts val="1600"/>
               </a:spcBef>
@@ -2571,7 +2645,7 @@
               <a:buChar char="○"/>
               <a:defRPr sz="1200"/>
             </a:lvl2pPr>
-            <a:lvl3pPr indent="-304800" lvl="2" marL="1371600">
+            <a:lvl3pPr marL="1371600" lvl="2" indent="-304800">
               <a:spcBef>
                 <a:spcPts val="1600"/>
               </a:spcBef>
@@ -2582,7 +2656,7 @@
               <a:buChar char="■"/>
               <a:defRPr sz="1200"/>
             </a:lvl3pPr>
-            <a:lvl4pPr indent="-304800" lvl="3" marL="1828800">
+            <a:lvl4pPr marL="1828800" lvl="3" indent="-304800">
               <a:spcBef>
                 <a:spcPts val="1600"/>
               </a:spcBef>
@@ -2593,7 +2667,7 @@
               <a:buChar char="●"/>
               <a:defRPr sz="1200"/>
             </a:lvl4pPr>
-            <a:lvl5pPr indent="-304800" lvl="4" marL="2286000">
+            <a:lvl5pPr marL="2286000" lvl="4" indent="-304800">
               <a:spcBef>
                 <a:spcPts val="1600"/>
               </a:spcBef>
@@ -2604,7 +2678,7 @@
               <a:buChar char="○"/>
               <a:defRPr sz="1200"/>
             </a:lvl5pPr>
-            <a:lvl6pPr indent="-304800" lvl="5" marL="2743200">
+            <a:lvl6pPr marL="2743200" lvl="5" indent="-304800">
               <a:spcBef>
                 <a:spcPts val="1600"/>
               </a:spcBef>
@@ -2615,7 +2689,7 @@
               <a:buChar char="■"/>
               <a:defRPr sz="1200"/>
             </a:lvl6pPr>
-            <a:lvl7pPr indent="-304800" lvl="6" marL="3200400">
+            <a:lvl7pPr marL="3200400" lvl="6" indent="-304800">
               <a:spcBef>
                 <a:spcPts val="1600"/>
               </a:spcBef>
@@ -2626,7 +2700,7 @@
               <a:buChar char="●"/>
               <a:defRPr sz="1200"/>
             </a:lvl7pPr>
-            <a:lvl8pPr indent="-304800" lvl="7" marL="3657600">
+            <a:lvl8pPr marL="3657600" lvl="7" indent="-304800">
               <a:spcBef>
                 <a:spcPts val="1600"/>
               </a:spcBef>
@@ -2637,7 +2711,7 @@
               <a:buChar char="○"/>
               <a:defRPr sz="1200"/>
             </a:lvl8pPr>
-            <a:lvl9pPr indent="-304800" lvl="8" marL="4114800">
+            <a:lvl9pPr marL="4114800" lvl="8" indent="-304800">
               <a:spcBef>
                 <a:spcPts val="1600"/>
               </a:spcBef>
@@ -2649,15 +2723,19 @@
               <a:defRPr sz="1200"/>
             </a:lvl9pPr>
           </a:lstStyle>
-          <a:p/>
+          <a:p>
+            <a:endParaRPr/>
+          </a:p>
         </p:txBody>
       </p:sp>
       <p:sp>
         <p:nvSpPr>
           <p:cNvPr id="24" name="Google Shape;24;p5"/>
-          <p:cNvSpPr txBox="1"/>
+          <p:cNvSpPr txBox="1">
+            <a:spLocks noGrp="1"/>
+          </p:cNvSpPr>
           <p:nvPr>
-            <p:ph idx="12" type="sldNum"/>
+            <p:ph type="sldNum" idx="12"/>
           </p:nvPr>
         </p:nvSpPr>
         <p:spPr>
@@ -2670,7 +2748,7 @@
           </a:prstGeom>
         </p:spPr>
         <p:txBody>
-          <a:bodyPr anchorCtr="0" anchor="ctr" bIns="91425" lIns="91425" spcFirstLastPara="1" rIns="91425" wrap="square" tIns="91425">
+          <a:bodyPr spcFirstLastPara="1" wrap="square" lIns="91425" tIns="91425" rIns="91425" bIns="91425" anchor="ctr" anchorCtr="0">
             <a:noAutofit/>
           </a:bodyPr>
           <a:lstStyle>
@@ -2712,7 +2790,7 @@
             </a:lvl9pPr>
           </a:lstStyle>
           <a:p>
-            <a:pPr indent="0" lvl="0" marL="0">
+            <a:pPr marL="0" lvl="0" indent="0">
               <a:spcBef>
                 <a:spcPts val="0"/>
               </a:spcBef>
@@ -2738,11 +2816,11 @@
 </file>
 
 <file path=ppt/slideLayouts/slideLayout5.xml><?xml version="1.0" encoding="utf-8"?>
-<p:sldLayout xmlns:a="http://schemas.openxmlformats.org/drawingml/2006/main" xmlns:r="http://schemas.openxmlformats.org/officeDocument/2006/relationships" xmlns:mc="http://schemas.openxmlformats.org/markup-compatibility/2006" xmlns:mv="urn:schemas-microsoft-com:mac:vml" xmlns:p="http://schemas.openxmlformats.org/presentationml/2006/main" xmlns:c="http://schemas.openxmlformats.org/drawingml/2006/chart" xmlns:dgm="http://schemas.openxmlformats.org/drawingml/2006/diagram" xmlns:o="urn:schemas-microsoft-com:office:office" xmlns:v="urn:schemas-microsoft-com:vml" xmlns:pvml="urn:schemas-microsoft-com:office:powerpoint" xmlns:com="http://schemas.openxmlformats.org/drawingml/2006/compatibility" xmlns:p14="http://schemas.microsoft.com/office/powerpoint/2010/main" xmlns:p15="http://schemas.microsoft.com/office/powerpoint/2012/main" matchingName="Title only" type="titleOnly">
+<p:sldLayout xmlns:a="http://schemas.openxmlformats.org/drawingml/2006/main" xmlns:r="http://schemas.openxmlformats.org/officeDocument/2006/relationships" xmlns:p="http://schemas.openxmlformats.org/presentationml/2006/main" matchingName="Title only" type="titleOnly">
   <p:cSld name="TITLE_ONLY">
     <p:spTree>
       <p:nvGrpSpPr>
-        <p:cNvPr id="25" name="Shape 25"/>
+        <p:cNvPr id="1" name="Shape 25"/>
         <p:cNvGrpSpPr/>
         <p:nvPr/>
       </p:nvGrpSpPr>
@@ -2757,7 +2835,9 @@
       <p:sp>
         <p:nvSpPr>
           <p:cNvPr id="26" name="Google Shape;26;p6"/>
-          <p:cNvSpPr txBox="1"/>
+          <p:cNvSpPr txBox="1">
+            <a:spLocks noGrp="1"/>
+          </p:cNvSpPr>
           <p:nvPr>
             <p:ph type="title"/>
           </p:nvPr>
@@ -2772,7 +2852,7 @@
           </a:prstGeom>
         </p:spPr>
         <p:txBody>
-          <a:bodyPr anchorCtr="0" anchor="t" bIns="91425" lIns="91425" spcFirstLastPara="1" rIns="91425" wrap="square" tIns="91425"/>
+          <a:bodyPr spcFirstLastPara="1" wrap="square" lIns="91425" tIns="91425" rIns="91425" bIns="91425" anchor="t" anchorCtr="0"/>
           <a:lstStyle>
             <a:lvl1pPr lvl="0">
               <a:spcBef>
@@ -2874,15 +2954,19 @@
               <a:defRPr/>
             </a:lvl9pPr>
           </a:lstStyle>
-          <a:p/>
+          <a:p>
+            <a:endParaRPr/>
+          </a:p>
         </p:txBody>
       </p:sp>
       <p:sp>
         <p:nvSpPr>
           <p:cNvPr id="27" name="Google Shape;27;p6"/>
-          <p:cNvSpPr txBox="1"/>
+          <p:cNvSpPr txBox="1">
+            <a:spLocks noGrp="1"/>
+          </p:cNvSpPr>
           <p:nvPr>
-            <p:ph idx="12" type="sldNum"/>
+            <p:ph type="sldNum" idx="12"/>
           </p:nvPr>
         </p:nvSpPr>
         <p:spPr>
@@ -2895,7 +2979,7 @@
           </a:prstGeom>
         </p:spPr>
         <p:txBody>
-          <a:bodyPr anchorCtr="0" anchor="ctr" bIns="91425" lIns="91425" spcFirstLastPara="1" rIns="91425" wrap="square" tIns="91425">
+          <a:bodyPr spcFirstLastPara="1" wrap="square" lIns="91425" tIns="91425" rIns="91425" bIns="91425" anchor="ctr" anchorCtr="0">
             <a:noAutofit/>
           </a:bodyPr>
           <a:lstStyle>
@@ -2937,7 +3021,7 @@
             </a:lvl9pPr>
           </a:lstStyle>
           <a:p>
-            <a:pPr indent="0" lvl="0" marL="0">
+            <a:pPr marL="0" lvl="0" indent="0">
               <a:spcBef>
                 <a:spcPts val="0"/>
               </a:spcBef>
@@ -2963,11 +3047,11 @@
 </file>
 
 <file path=ppt/slideLayouts/slideLayout6.xml><?xml version="1.0" encoding="utf-8"?>
-<p:sldLayout xmlns:a="http://schemas.openxmlformats.org/drawingml/2006/main" xmlns:r="http://schemas.openxmlformats.org/officeDocument/2006/relationships" xmlns:mc="http://schemas.openxmlformats.org/markup-compatibility/2006" xmlns:mv="urn:schemas-microsoft-com:mac:vml" xmlns:p="http://schemas.openxmlformats.org/presentationml/2006/main" xmlns:c="http://schemas.openxmlformats.org/drawingml/2006/chart" xmlns:dgm="http://schemas.openxmlformats.org/drawingml/2006/diagram" xmlns:o="urn:schemas-microsoft-com:office:office" xmlns:v="urn:schemas-microsoft-com:vml" xmlns:pvml="urn:schemas-microsoft-com:office:powerpoint" xmlns:com="http://schemas.openxmlformats.org/drawingml/2006/compatibility" xmlns:p14="http://schemas.microsoft.com/office/powerpoint/2010/main" xmlns:p15="http://schemas.microsoft.com/office/powerpoint/2012/main" matchingName="One column text">
+<p:sldLayout xmlns:a="http://schemas.openxmlformats.org/drawingml/2006/main" xmlns:r="http://schemas.openxmlformats.org/officeDocument/2006/relationships" xmlns:p="http://schemas.openxmlformats.org/presentationml/2006/main" matchingName="One column text">
   <p:cSld name="ONE_COLUMN_TEXT">
     <p:spTree>
       <p:nvGrpSpPr>
-        <p:cNvPr id="28" name="Shape 28"/>
+        <p:cNvPr id="1" name="Shape 28"/>
         <p:cNvGrpSpPr/>
         <p:nvPr/>
       </p:nvGrpSpPr>
@@ -2982,7 +3066,9 @@
       <p:sp>
         <p:nvSpPr>
           <p:cNvPr id="29" name="Google Shape;29;p7"/>
-          <p:cNvSpPr txBox="1"/>
+          <p:cNvSpPr txBox="1">
+            <a:spLocks noGrp="1"/>
+          </p:cNvSpPr>
           <p:nvPr>
             <p:ph type="title"/>
           </p:nvPr>
@@ -2997,7 +3083,7 @@
           </a:prstGeom>
         </p:spPr>
         <p:txBody>
-          <a:bodyPr anchorCtr="0" anchor="b" bIns="91425" lIns="91425" spcFirstLastPara="1" rIns="91425" wrap="square" tIns="91425"/>
+          <a:bodyPr spcFirstLastPara="1" wrap="square" lIns="91425" tIns="91425" rIns="91425" bIns="91425" anchor="b" anchorCtr="0"/>
           <a:lstStyle>
             <a:lvl1pPr lvl="0">
               <a:spcBef>
@@ -3099,15 +3185,19 @@
               <a:defRPr sz="2400"/>
             </a:lvl9pPr>
           </a:lstStyle>
-          <a:p/>
+          <a:p>
+            <a:endParaRPr/>
+          </a:p>
         </p:txBody>
       </p:sp>
       <p:sp>
         <p:nvSpPr>
           <p:cNvPr id="30" name="Google Shape;30;p7"/>
-          <p:cNvSpPr txBox="1"/>
+          <p:cNvSpPr txBox="1">
+            <a:spLocks noGrp="1"/>
+          </p:cNvSpPr>
           <p:nvPr>
-            <p:ph idx="1" type="body"/>
+            <p:ph type="body" idx="1"/>
           </p:nvPr>
         </p:nvSpPr>
         <p:spPr>
@@ -3120,9 +3210,9 @@
           </a:prstGeom>
         </p:spPr>
         <p:txBody>
-          <a:bodyPr anchorCtr="0" anchor="t" bIns="91425" lIns="91425" spcFirstLastPara="1" rIns="91425" wrap="square" tIns="91425"/>
+          <a:bodyPr spcFirstLastPara="1" wrap="square" lIns="91425" tIns="91425" rIns="91425" bIns="91425" anchor="t" anchorCtr="0"/>
           <a:lstStyle>
-            <a:lvl1pPr indent="-304800" lvl="0" marL="457200">
+            <a:lvl1pPr marL="457200" lvl="0" indent="-304800">
               <a:spcBef>
                 <a:spcPts val="0"/>
               </a:spcBef>
@@ -3133,7 +3223,7 @@
               <a:buChar char="●"/>
               <a:defRPr sz="1200"/>
             </a:lvl1pPr>
-            <a:lvl2pPr indent="-304800" lvl="1" marL="914400">
+            <a:lvl2pPr marL="914400" lvl="1" indent="-304800">
               <a:spcBef>
                 <a:spcPts val="1600"/>
               </a:spcBef>
@@ -3144,7 +3234,7 @@
               <a:buChar char="○"/>
               <a:defRPr sz="1200"/>
             </a:lvl2pPr>
-            <a:lvl3pPr indent="-304800" lvl="2" marL="1371600">
+            <a:lvl3pPr marL="1371600" lvl="2" indent="-304800">
               <a:spcBef>
                 <a:spcPts val="1600"/>
               </a:spcBef>
@@ -3155,7 +3245,7 @@
               <a:buChar char="■"/>
               <a:defRPr sz="1200"/>
             </a:lvl3pPr>
-            <a:lvl4pPr indent="-304800" lvl="3" marL="1828800">
+            <a:lvl4pPr marL="1828800" lvl="3" indent="-304800">
               <a:spcBef>
                 <a:spcPts val="1600"/>
               </a:spcBef>
@@ -3166,7 +3256,7 @@
               <a:buChar char="●"/>
               <a:defRPr sz="1200"/>
             </a:lvl4pPr>
-            <a:lvl5pPr indent="-304800" lvl="4" marL="2286000">
+            <a:lvl5pPr marL="2286000" lvl="4" indent="-304800">
               <a:spcBef>
                 <a:spcPts val="1600"/>
               </a:spcBef>
@@ -3177,7 +3267,7 @@
               <a:buChar char="○"/>
               <a:defRPr sz="1200"/>
             </a:lvl5pPr>
-            <a:lvl6pPr indent="-304800" lvl="5" marL="2743200">
+            <a:lvl6pPr marL="2743200" lvl="5" indent="-304800">
               <a:spcBef>
                 <a:spcPts val="1600"/>
               </a:spcBef>
@@ -3188,7 +3278,7 @@
               <a:buChar char="■"/>
               <a:defRPr sz="1200"/>
             </a:lvl6pPr>
-            <a:lvl7pPr indent="-304800" lvl="6" marL="3200400">
+            <a:lvl7pPr marL="3200400" lvl="6" indent="-304800">
               <a:spcBef>
                 <a:spcPts val="1600"/>
               </a:spcBef>
@@ -3199,7 +3289,7 @@
               <a:buChar char="●"/>
               <a:defRPr sz="1200"/>
             </a:lvl7pPr>
-            <a:lvl8pPr indent="-304800" lvl="7" marL="3657600">
+            <a:lvl8pPr marL="3657600" lvl="7" indent="-304800">
               <a:spcBef>
                 <a:spcPts val="1600"/>
               </a:spcBef>
@@ -3210,7 +3300,7 @@
               <a:buChar char="○"/>
               <a:defRPr sz="1200"/>
             </a:lvl8pPr>
-            <a:lvl9pPr indent="-304800" lvl="8" marL="4114800">
+            <a:lvl9pPr marL="4114800" lvl="8" indent="-304800">
               <a:spcBef>
                 <a:spcPts val="1600"/>
               </a:spcBef>
@@ -3222,15 +3312,19 @@
               <a:defRPr sz="1200"/>
             </a:lvl9pPr>
           </a:lstStyle>
-          <a:p/>
+          <a:p>
+            <a:endParaRPr/>
+          </a:p>
         </p:txBody>
       </p:sp>
       <p:sp>
         <p:nvSpPr>
           <p:cNvPr id="31" name="Google Shape;31;p7"/>
-          <p:cNvSpPr txBox="1"/>
+          <p:cNvSpPr txBox="1">
+            <a:spLocks noGrp="1"/>
+          </p:cNvSpPr>
           <p:nvPr>
-            <p:ph idx="12" type="sldNum"/>
+            <p:ph type="sldNum" idx="12"/>
           </p:nvPr>
         </p:nvSpPr>
         <p:spPr>
@@ -3243,7 +3337,7 @@
           </a:prstGeom>
         </p:spPr>
         <p:txBody>
-          <a:bodyPr anchorCtr="0" anchor="ctr" bIns="91425" lIns="91425" spcFirstLastPara="1" rIns="91425" wrap="square" tIns="91425">
+          <a:bodyPr spcFirstLastPara="1" wrap="square" lIns="91425" tIns="91425" rIns="91425" bIns="91425" anchor="ctr" anchorCtr="0">
             <a:noAutofit/>
           </a:bodyPr>
           <a:lstStyle>
@@ -3285,7 +3379,7 @@
             </a:lvl9pPr>
           </a:lstStyle>
           <a:p>
-            <a:pPr indent="0" lvl="0" marL="0">
+            <a:pPr marL="0" lvl="0" indent="0">
               <a:spcBef>
                 <a:spcPts val="0"/>
               </a:spcBef>
@@ -3311,11 +3405,11 @@
 </file>
 
 <file path=ppt/slideLayouts/slideLayout7.xml><?xml version="1.0" encoding="utf-8"?>
-<p:sldLayout xmlns:a="http://schemas.openxmlformats.org/drawingml/2006/main" xmlns:r="http://schemas.openxmlformats.org/officeDocument/2006/relationships" xmlns:mc="http://schemas.openxmlformats.org/markup-compatibility/2006" xmlns:mv="urn:schemas-microsoft-com:mac:vml" xmlns:p="http://schemas.openxmlformats.org/presentationml/2006/main" xmlns:c="http://schemas.openxmlformats.org/drawingml/2006/chart" xmlns:dgm="http://schemas.openxmlformats.org/drawingml/2006/diagram" xmlns:o="urn:schemas-microsoft-com:office:office" xmlns:v="urn:schemas-microsoft-com:vml" xmlns:pvml="urn:schemas-microsoft-com:office:powerpoint" xmlns:com="http://schemas.openxmlformats.org/drawingml/2006/compatibility" xmlns:p14="http://schemas.microsoft.com/office/powerpoint/2010/main" xmlns:p15="http://schemas.microsoft.com/office/powerpoint/2012/main" matchingName="Main point">
+<p:sldLayout xmlns:a="http://schemas.openxmlformats.org/drawingml/2006/main" xmlns:r="http://schemas.openxmlformats.org/officeDocument/2006/relationships" xmlns:p="http://schemas.openxmlformats.org/presentationml/2006/main" matchingName="Main point">
   <p:cSld name="MAIN_POINT">
     <p:spTree>
       <p:nvGrpSpPr>
-        <p:cNvPr id="32" name="Shape 32"/>
+        <p:cNvPr id="1" name="Shape 32"/>
         <p:cNvGrpSpPr/>
         <p:nvPr/>
       </p:nvGrpSpPr>
@@ -3330,7 +3424,9 @@
       <p:sp>
         <p:nvSpPr>
           <p:cNvPr id="33" name="Google Shape;33;p8"/>
-          <p:cNvSpPr txBox="1"/>
+          <p:cNvSpPr txBox="1">
+            <a:spLocks noGrp="1"/>
+          </p:cNvSpPr>
           <p:nvPr>
             <p:ph type="title"/>
           </p:nvPr>
@@ -3345,7 +3441,7 @@
           </a:prstGeom>
         </p:spPr>
         <p:txBody>
-          <a:bodyPr anchorCtr="0" anchor="ctr" bIns="91425" lIns="91425" spcFirstLastPara="1" rIns="91425" wrap="square" tIns="91425"/>
+          <a:bodyPr spcFirstLastPara="1" wrap="square" lIns="91425" tIns="91425" rIns="91425" bIns="91425" anchor="ctr" anchorCtr="0"/>
           <a:lstStyle>
             <a:lvl1pPr lvl="0">
               <a:spcBef>
@@ -3447,15 +3543,19 @@
               <a:defRPr sz="4800"/>
             </a:lvl9pPr>
           </a:lstStyle>
-          <a:p/>
+          <a:p>
+            <a:endParaRPr/>
+          </a:p>
         </p:txBody>
       </p:sp>
       <p:sp>
         <p:nvSpPr>
           <p:cNvPr id="34" name="Google Shape;34;p8"/>
-          <p:cNvSpPr txBox="1"/>
+          <p:cNvSpPr txBox="1">
+            <a:spLocks noGrp="1"/>
+          </p:cNvSpPr>
           <p:nvPr>
-            <p:ph idx="12" type="sldNum"/>
+            <p:ph type="sldNum" idx="12"/>
           </p:nvPr>
         </p:nvSpPr>
         <p:spPr>
@@ -3468,7 +3568,7 @@
           </a:prstGeom>
         </p:spPr>
         <p:txBody>
-          <a:bodyPr anchorCtr="0" anchor="ctr" bIns="91425" lIns="91425" spcFirstLastPara="1" rIns="91425" wrap="square" tIns="91425">
+          <a:bodyPr spcFirstLastPara="1" wrap="square" lIns="91425" tIns="91425" rIns="91425" bIns="91425" anchor="ctr" anchorCtr="0">
             <a:noAutofit/>
           </a:bodyPr>
           <a:lstStyle>
@@ -3510,7 +3610,7 @@
             </a:lvl9pPr>
           </a:lstStyle>
           <a:p>
-            <a:pPr indent="0" lvl="0" marL="0">
+            <a:pPr marL="0" lvl="0" indent="0">
               <a:spcBef>
                 <a:spcPts val="0"/>
               </a:spcBef>
@@ -3536,11 +3636,11 @@
 </file>
 
 <file path=ppt/slideLayouts/slideLayout8.xml><?xml version="1.0" encoding="utf-8"?>
-<p:sldLayout xmlns:a="http://schemas.openxmlformats.org/drawingml/2006/main" xmlns:r="http://schemas.openxmlformats.org/officeDocument/2006/relationships" xmlns:mc="http://schemas.openxmlformats.org/markup-compatibility/2006" xmlns:mv="urn:schemas-microsoft-com:mac:vml" xmlns:p="http://schemas.openxmlformats.org/presentationml/2006/main" xmlns:c="http://schemas.openxmlformats.org/drawingml/2006/chart" xmlns:dgm="http://schemas.openxmlformats.org/drawingml/2006/diagram" xmlns:o="urn:schemas-microsoft-com:office:office" xmlns:v="urn:schemas-microsoft-com:vml" xmlns:pvml="urn:schemas-microsoft-com:office:powerpoint" xmlns:com="http://schemas.openxmlformats.org/drawingml/2006/compatibility" xmlns:p14="http://schemas.microsoft.com/office/powerpoint/2010/main" xmlns:p15="http://schemas.microsoft.com/office/powerpoint/2012/main" matchingName="Section title and description">
+<p:sldLayout xmlns:a="http://schemas.openxmlformats.org/drawingml/2006/main" xmlns:r="http://schemas.openxmlformats.org/officeDocument/2006/relationships" xmlns:p="http://schemas.openxmlformats.org/presentationml/2006/main" matchingName="Section title and description">
   <p:cSld name="SECTION_TITLE_AND_DESCRIPTION">
     <p:spTree>
       <p:nvGrpSpPr>
-        <p:cNvPr id="35" name="Shape 35"/>
+        <p:cNvPr id="1" name="Shape 35"/>
         <p:cNvGrpSpPr/>
         <p:nvPr/>
       </p:nvGrpSpPr>
@@ -3574,23 +3674,20 @@
           </a:ln>
         </p:spPr>
         <p:txBody>
-          <a:bodyPr anchorCtr="0" anchor="ctr" bIns="91425" lIns="91425" spcFirstLastPara="1" rIns="91425" wrap="square" tIns="91425">
+          <a:bodyPr spcFirstLastPara="1" wrap="square" lIns="91425" tIns="91425" rIns="91425" bIns="91425" anchor="ctr" anchorCtr="0">
             <a:noAutofit/>
           </a:bodyPr>
           <a:lstStyle/>
           <a:p>
-            <a:pPr indent="0" lvl="0" marL="0">
-              <a:spcBef>
-                <a:spcPts val="0"/>
-              </a:spcBef>
-              <a:spcAft>
-                <a:spcPts val="0"/>
-              </a:spcAft>
-              <a:buNone/>
-            </a:pPr>
-            <a:r>
-              <a:t/>
-            </a:r>
+            <a:pPr marL="0" lvl="0" indent="0">
+              <a:spcBef>
+                <a:spcPts val="0"/>
+              </a:spcBef>
+              <a:spcAft>
+                <a:spcPts val="0"/>
+              </a:spcAft>
+              <a:buNone/>
+            </a:pPr>
             <a:endParaRPr/>
           </a:p>
         </p:txBody>
@@ -3598,7 +3695,9 @@
       <p:sp>
         <p:nvSpPr>
           <p:cNvPr id="37" name="Google Shape;37;p9"/>
-          <p:cNvSpPr txBox="1"/>
+          <p:cNvSpPr txBox="1">
+            <a:spLocks noGrp="1"/>
+          </p:cNvSpPr>
           <p:nvPr>
             <p:ph type="title"/>
           </p:nvPr>
@@ -3613,7 +3712,7 @@
           </a:prstGeom>
         </p:spPr>
         <p:txBody>
-          <a:bodyPr anchorCtr="0" anchor="b" bIns="91425" lIns="91425" spcFirstLastPara="1" rIns="91425" wrap="square" tIns="91425"/>
+          <a:bodyPr spcFirstLastPara="1" wrap="square" lIns="91425" tIns="91425" rIns="91425" bIns="91425" anchor="b" anchorCtr="0"/>
           <a:lstStyle>
             <a:lvl1pPr lvl="0" algn="ctr">
               <a:spcBef>
@@ -3715,15 +3814,19 @@
               <a:defRPr sz="4200"/>
             </a:lvl9pPr>
           </a:lstStyle>
-          <a:p/>
+          <a:p>
+            <a:endParaRPr/>
+          </a:p>
         </p:txBody>
       </p:sp>
       <p:sp>
         <p:nvSpPr>
           <p:cNvPr id="38" name="Google Shape;38;p9"/>
-          <p:cNvSpPr txBox="1"/>
+          <p:cNvSpPr txBox="1">
+            <a:spLocks noGrp="1"/>
+          </p:cNvSpPr>
           <p:nvPr>
-            <p:ph idx="1" type="subTitle"/>
+            <p:ph type="subTitle" idx="1"/>
           </p:nvPr>
         </p:nvSpPr>
         <p:spPr>
@@ -3736,7 +3839,7 @@
           </a:prstGeom>
         </p:spPr>
         <p:txBody>
-          <a:bodyPr anchorCtr="0" anchor="t" bIns="91425" lIns="91425" spcFirstLastPara="1" rIns="91425" wrap="square" tIns="91425"/>
+          <a:bodyPr spcFirstLastPara="1" wrap="square" lIns="91425" tIns="91425" rIns="91425" bIns="91425" anchor="t" anchorCtr="0"/>
           <a:lstStyle>
             <a:lvl1pPr lvl="0" algn="ctr">
               <a:lnSpc>
@@ -3865,15 +3968,19 @@
               <a:defRPr sz="2100"/>
             </a:lvl9pPr>
           </a:lstStyle>
-          <a:p/>
+          <a:p>
+            <a:endParaRPr/>
+          </a:p>
         </p:txBody>
       </p:sp>
       <p:sp>
         <p:nvSpPr>
           <p:cNvPr id="39" name="Google Shape;39;p9"/>
-          <p:cNvSpPr txBox="1"/>
+          <p:cNvSpPr txBox="1">
+            <a:spLocks noGrp="1"/>
+          </p:cNvSpPr>
           <p:nvPr>
-            <p:ph idx="2" type="body"/>
+            <p:ph type="body" idx="2"/>
           </p:nvPr>
         </p:nvSpPr>
         <p:spPr>
@@ -3886,9 +3993,9 @@
           </a:prstGeom>
         </p:spPr>
         <p:txBody>
-          <a:bodyPr anchorCtr="0" anchor="ctr" bIns="91425" lIns="91425" spcFirstLastPara="1" rIns="91425" wrap="square" tIns="91425"/>
+          <a:bodyPr spcFirstLastPara="1" wrap="square" lIns="91425" tIns="91425" rIns="91425" bIns="91425" anchor="ctr" anchorCtr="0"/>
           <a:lstStyle>
-            <a:lvl1pPr indent="-342900" lvl="0" marL="457200">
+            <a:lvl1pPr marL="457200" lvl="0" indent="-342900">
               <a:spcBef>
                 <a:spcPts val="0"/>
               </a:spcBef>
@@ -3899,7 +4006,7 @@
               <a:buChar char="●"/>
               <a:defRPr/>
             </a:lvl1pPr>
-            <a:lvl2pPr indent="-317500" lvl="1" marL="914400">
+            <a:lvl2pPr marL="914400" lvl="1" indent="-317500">
               <a:spcBef>
                 <a:spcPts val="1600"/>
               </a:spcBef>
@@ -3910,7 +4017,7 @@
               <a:buChar char="○"/>
               <a:defRPr/>
             </a:lvl2pPr>
-            <a:lvl3pPr indent="-317500" lvl="2" marL="1371600">
+            <a:lvl3pPr marL="1371600" lvl="2" indent="-317500">
               <a:spcBef>
                 <a:spcPts val="1600"/>
               </a:spcBef>
@@ -3921,7 +4028,7 @@
               <a:buChar char="■"/>
               <a:defRPr/>
             </a:lvl3pPr>
-            <a:lvl4pPr indent="-317500" lvl="3" marL="1828800">
+            <a:lvl4pPr marL="1828800" lvl="3" indent="-317500">
               <a:spcBef>
                 <a:spcPts val="1600"/>
               </a:spcBef>
@@ -3932,7 +4039,7 @@
               <a:buChar char="●"/>
               <a:defRPr/>
             </a:lvl4pPr>
-            <a:lvl5pPr indent="-317500" lvl="4" marL="2286000">
+            <a:lvl5pPr marL="2286000" lvl="4" indent="-317500">
               <a:spcBef>
                 <a:spcPts val="1600"/>
               </a:spcBef>
@@ -3943,7 +4050,7 @@
               <a:buChar char="○"/>
               <a:defRPr/>
             </a:lvl5pPr>
-            <a:lvl6pPr indent="-317500" lvl="5" marL="2743200">
+            <a:lvl6pPr marL="2743200" lvl="5" indent="-317500">
               <a:spcBef>
                 <a:spcPts val="1600"/>
               </a:spcBef>
@@ -3954,7 +4061,7 @@
               <a:buChar char="■"/>
               <a:defRPr/>
             </a:lvl6pPr>
-            <a:lvl7pPr indent="-317500" lvl="6" marL="3200400">
+            <a:lvl7pPr marL="3200400" lvl="6" indent="-317500">
               <a:spcBef>
                 <a:spcPts val="1600"/>
               </a:spcBef>
@@ -3965,7 +4072,7 @@
               <a:buChar char="●"/>
               <a:defRPr/>
             </a:lvl7pPr>
-            <a:lvl8pPr indent="-317500" lvl="7" marL="3657600">
+            <a:lvl8pPr marL="3657600" lvl="7" indent="-317500">
               <a:spcBef>
                 <a:spcPts val="1600"/>
               </a:spcBef>
@@ -3976,7 +4083,7 @@
               <a:buChar char="○"/>
               <a:defRPr/>
             </a:lvl8pPr>
-            <a:lvl9pPr indent="-317500" lvl="8" marL="4114800">
+            <a:lvl9pPr marL="4114800" lvl="8" indent="-317500">
               <a:spcBef>
                 <a:spcPts val="1600"/>
               </a:spcBef>
@@ -3988,15 +4095,19 @@
               <a:defRPr/>
             </a:lvl9pPr>
           </a:lstStyle>
-          <a:p/>
+          <a:p>
+            <a:endParaRPr/>
+          </a:p>
         </p:txBody>
       </p:sp>
       <p:sp>
         <p:nvSpPr>
           <p:cNvPr id="40" name="Google Shape;40;p9"/>
-          <p:cNvSpPr txBox="1"/>
+          <p:cNvSpPr txBox="1">
+            <a:spLocks noGrp="1"/>
+          </p:cNvSpPr>
           <p:nvPr>
-            <p:ph idx="12" type="sldNum"/>
+            <p:ph type="sldNum" idx="12"/>
           </p:nvPr>
         </p:nvSpPr>
         <p:spPr>
@@ -4009,7 +4120,7 @@
           </a:prstGeom>
         </p:spPr>
         <p:txBody>
-          <a:bodyPr anchorCtr="0" anchor="ctr" bIns="91425" lIns="91425" spcFirstLastPara="1" rIns="91425" wrap="square" tIns="91425">
+          <a:bodyPr spcFirstLastPara="1" wrap="square" lIns="91425" tIns="91425" rIns="91425" bIns="91425" anchor="ctr" anchorCtr="0">
             <a:noAutofit/>
           </a:bodyPr>
           <a:lstStyle>
@@ -4051,7 +4162,7 @@
             </a:lvl9pPr>
           </a:lstStyle>
           <a:p>
-            <a:pPr indent="0" lvl="0" marL="0">
+            <a:pPr marL="0" lvl="0" indent="0">
               <a:spcBef>
                 <a:spcPts val="0"/>
               </a:spcBef>
@@ -4077,11 +4188,11 @@
 </file>
 
 <file path=ppt/slideLayouts/slideLayout9.xml><?xml version="1.0" encoding="utf-8"?>
-<p:sldLayout xmlns:a="http://schemas.openxmlformats.org/drawingml/2006/main" xmlns:r="http://schemas.openxmlformats.org/officeDocument/2006/relationships" xmlns:mc="http://schemas.openxmlformats.org/markup-compatibility/2006" xmlns:mv="urn:schemas-microsoft-com:mac:vml" xmlns:p="http://schemas.openxmlformats.org/presentationml/2006/main" xmlns:c="http://schemas.openxmlformats.org/drawingml/2006/chart" xmlns:dgm="http://schemas.openxmlformats.org/drawingml/2006/diagram" xmlns:o="urn:schemas-microsoft-com:office:office" xmlns:v="urn:schemas-microsoft-com:vml" xmlns:pvml="urn:schemas-microsoft-com:office:powerpoint" xmlns:com="http://schemas.openxmlformats.org/drawingml/2006/compatibility" xmlns:p14="http://schemas.microsoft.com/office/powerpoint/2010/main" xmlns:p15="http://schemas.microsoft.com/office/powerpoint/2012/main" matchingName="Caption">
+<p:sldLayout xmlns:a="http://schemas.openxmlformats.org/drawingml/2006/main" xmlns:r="http://schemas.openxmlformats.org/officeDocument/2006/relationships" xmlns:p="http://schemas.openxmlformats.org/presentationml/2006/main" matchingName="Caption">
   <p:cSld name="CAPTION_ONLY">
     <p:spTree>
       <p:nvGrpSpPr>
-        <p:cNvPr id="41" name="Shape 41"/>
+        <p:cNvPr id="1" name="Shape 41"/>
         <p:cNvGrpSpPr/>
         <p:nvPr/>
       </p:nvGrpSpPr>
@@ -4096,9 +4207,11 @@
       <p:sp>
         <p:nvSpPr>
           <p:cNvPr id="42" name="Google Shape;42;p10"/>
-          <p:cNvSpPr txBox="1"/>
+          <p:cNvSpPr txBox="1">
+            <a:spLocks noGrp="1"/>
+          </p:cNvSpPr>
           <p:nvPr>
-            <p:ph idx="1" type="body"/>
+            <p:ph type="body" idx="1"/>
           </p:nvPr>
         </p:nvSpPr>
         <p:spPr>
@@ -4111,9 +4224,9 @@
           </a:prstGeom>
         </p:spPr>
         <p:txBody>
-          <a:bodyPr anchorCtr="0" anchor="ctr" bIns="91425" lIns="91425" spcFirstLastPara="1" rIns="91425" wrap="square" tIns="91425"/>
+          <a:bodyPr spcFirstLastPara="1" wrap="square" lIns="91425" tIns="91425" rIns="91425" bIns="91425" anchor="ctr" anchorCtr="0"/>
           <a:lstStyle>
-            <a:lvl1pPr indent="-228600" lvl="0" marL="457200">
+            <a:lvl1pPr marL="457200" lvl="0" indent="-228600">
               <a:lnSpc>
                 <a:spcPct val="100000"/>
               </a:lnSpc>
@@ -4128,15 +4241,19 @@
               <a:defRPr/>
             </a:lvl1pPr>
           </a:lstStyle>
-          <a:p/>
+          <a:p>
+            <a:endParaRPr/>
+          </a:p>
         </p:txBody>
       </p:sp>
       <p:sp>
         <p:nvSpPr>
           <p:cNvPr id="43" name="Google Shape;43;p10"/>
-          <p:cNvSpPr txBox="1"/>
+          <p:cNvSpPr txBox="1">
+            <a:spLocks noGrp="1"/>
+          </p:cNvSpPr>
           <p:nvPr>
-            <p:ph idx="12" type="sldNum"/>
+            <p:ph type="sldNum" idx="12"/>
           </p:nvPr>
         </p:nvSpPr>
         <p:spPr>
@@ -4149,7 +4266,7 @@
           </a:prstGeom>
         </p:spPr>
         <p:txBody>
-          <a:bodyPr anchorCtr="0" anchor="ctr" bIns="91425" lIns="91425" spcFirstLastPara="1" rIns="91425" wrap="square" tIns="91425">
+          <a:bodyPr spcFirstLastPara="1" wrap="square" lIns="91425" tIns="91425" rIns="91425" bIns="91425" anchor="ctr" anchorCtr="0">
             <a:noAutofit/>
           </a:bodyPr>
           <a:lstStyle>
@@ -4191,7 +4308,7 @@
             </a:lvl9pPr>
           </a:lstStyle>
           <a:p>
-            <a:pPr indent="0" lvl="0" marL="0">
+            <a:pPr marL="0" lvl="0" indent="0">
               <a:spcBef>
                 <a:spcPts val="0"/>
               </a:spcBef>
@@ -4217,18 +4334,19 @@
 </file>
 
 <file path=ppt/slideMasters/slideMaster1.xml><?xml version="1.0" encoding="utf-8"?>
-<p:sldMaster xmlns:a="http://schemas.openxmlformats.org/drawingml/2006/main" xmlns:r="http://schemas.openxmlformats.org/officeDocument/2006/relationships" xmlns:mc="http://schemas.openxmlformats.org/markup-compatibility/2006" xmlns:mv="urn:schemas-microsoft-com:mac:vml" xmlns:p="http://schemas.openxmlformats.org/presentationml/2006/main" xmlns:c="http://schemas.openxmlformats.org/drawingml/2006/chart" xmlns:dgm="http://schemas.openxmlformats.org/drawingml/2006/diagram" xmlns:o="urn:schemas-microsoft-com:office:office" xmlns:v="urn:schemas-microsoft-com:vml" xmlns:pvml="urn:schemas-microsoft-com:office:powerpoint" xmlns:com="http://schemas.openxmlformats.org/drawingml/2006/compatibility" xmlns:p14="http://schemas.microsoft.com/office/powerpoint/2010/main" xmlns:p15="http://schemas.microsoft.com/office/powerpoint/2012/main">
+<p:sldMaster xmlns:a="http://schemas.openxmlformats.org/drawingml/2006/main" xmlns:r="http://schemas.openxmlformats.org/officeDocument/2006/relationships" xmlns:p="http://schemas.openxmlformats.org/presentationml/2006/main">
   <p:cSld name="simple-light-2">
     <p:bg>
       <p:bgPr>
         <a:solidFill>
           <a:schemeClr val="lt1"/>
         </a:solidFill>
+        <a:effectLst/>
       </p:bgPr>
     </p:bg>
     <p:spTree>
       <p:nvGrpSpPr>
-        <p:cNvPr id="5" name="Shape 5"/>
+        <p:cNvPr id="1" name="Shape 5"/>
         <p:cNvGrpSpPr/>
         <p:nvPr/>
       </p:nvGrpSpPr>
@@ -4243,7 +4361,9 @@
       <p:sp>
         <p:nvSpPr>
           <p:cNvPr id="6" name="Google Shape;6;p1"/>
-          <p:cNvSpPr txBox="1"/>
+          <p:cNvSpPr txBox="1">
+            <a:spLocks noGrp="1"/>
+          </p:cNvSpPr>
           <p:nvPr>
             <p:ph type="title"/>
           </p:nvPr>
@@ -4262,7 +4382,7 @@
           </a:ln>
         </p:spPr>
         <p:txBody>
-          <a:bodyPr anchorCtr="0" anchor="t" bIns="91425" lIns="91425" spcFirstLastPara="1" rIns="91425" wrap="square" tIns="91425"/>
+          <a:bodyPr spcFirstLastPara="1" wrap="square" lIns="91425" tIns="91425" rIns="91425" bIns="91425" anchor="t" anchorCtr="0"/>
           <a:lstStyle>
             <a:lvl1pPr lvl="0">
               <a:spcBef>
@@ -4427,15 +4547,19 @@
               </a:defRPr>
             </a:lvl9pPr>
           </a:lstStyle>
-          <a:p/>
+          <a:p>
+            <a:endParaRPr/>
+          </a:p>
         </p:txBody>
       </p:sp>
       <p:sp>
         <p:nvSpPr>
           <p:cNvPr id="7" name="Google Shape;7;p1"/>
-          <p:cNvSpPr txBox="1"/>
+          <p:cNvSpPr txBox="1">
+            <a:spLocks noGrp="1"/>
+          </p:cNvSpPr>
           <p:nvPr>
-            <p:ph idx="1" type="body"/>
+            <p:ph type="body" idx="1"/>
           </p:nvPr>
         </p:nvSpPr>
         <p:spPr>
@@ -4452,9 +4576,9 @@
           </a:ln>
         </p:spPr>
         <p:txBody>
-          <a:bodyPr anchorCtr="0" anchor="t" bIns="91425" lIns="91425" spcFirstLastPara="1" rIns="91425" wrap="square" tIns="91425"/>
+          <a:bodyPr spcFirstLastPara="1" wrap="square" lIns="91425" tIns="91425" rIns="91425" bIns="91425" anchor="t" anchorCtr="0"/>
           <a:lstStyle>
-            <a:lvl1pPr indent="-342900" lvl="0" marL="457200">
+            <a:lvl1pPr marL="457200" lvl="0" indent="-342900">
               <a:lnSpc>
                 <a:spcPct val="115000"/>
               </a:lnSpc>
@@ -4475,7 +4599,7 @@
                 </a:solidFill>
               </a:defRPr>
             </a:lvl1pPr>
-            <a:lvl2pPr indent="-317500" lvl="1" marL="914400">
+            <a:lvl2pPr marL="914400" lvl="1" indent="-317500">
               <a:lnSpc>
                 <a:spcPct val="115000"/>
               </a:lnSpc>
@@ -4496,7 +4620,7 @@
                 </a:solidFill>
               </a:defRPr>
             </a:lvl2pPr>
-            <a:lvl3pPr indent="-317500" lvl="2" marL="1371600">
+            <a:lvl3pPr marL="1371600" lvl="2" indent="-317500">
               <a:lnSpc>
                 <a:spcPct val="115000"/>
               </a:lnSpc>
@@ -4517,7 +4641,7 @@
                 </a:solidFill>
               </a:defRPr>
             </a:lvl3pPr>
-            <a:lvl4pPr indent="-317500" lvl="3" marL="1828800">
+            <a:lvl4pPr marL="1828800" lvl="3" indent="-317500">
               <a:lnSpc>
                 <a:spcPct val="115000"/>
               </a:lnSpc>
@@ -4538,7 +4662,7 @@
                 </a:solidFill>
               </a:defRPr>
             </a:lvl4pPr>
-            <a:lvl5pPr indent="-317500" lvl="4" marL="2286000">
+            <a:lvl5pPr marL="2286000" lvl="4" indent="-317500">
               <a:lnSpc>
                 <a:spcPct val="115000"/>
               </a:lnSpc>
@@ -4559,7 +4683,7 @@
                 </a:solidFill>
               </a:defRPr>
             </a:lvl5pPr>
-            <a:lvl6pPr indent="-317500" lvl="5" marL="2743200">
+            <a:lvl6pPr marL="2743200" lvl="5" indent="-317500">
               <a:lnSpc>
                 <a:spcPct val="115000"/>
               </a:lnSpc>
@@ -4580,7 +4704,7 @@
                 </a:solidFill>
               </a:defRPr>
             </a:lvl6pPr>
-            <a:lvl7pPr indent="-317500" lvl="6" marL="3200400">
+            <a:lvl7pPr marL="3200400" lvl="6" indent="-317500">
               <a:lnSpc>
                 <a:spcPct val="115000"/>
               </a:lnSpc>
@@ -4601,7 +4725,7 @@
                 </a:solidFill>
               </a:defRPr>
             </a:lvl7pPr>
-            <a:lvl8pPr indent="-317500" lvl="7" marL="3657600">
+            <a:lvl8pPr marL="3657600" lvl="7" indent="-317500">
               <a:lnSpc>
                 <a:spcPct val="115000"/>
               </a:lnSpc>
@@ -4622,7 +4746,7 @@
                 </a:solidFill>
               </a:defRPr>
             </a:lvl8pPr>
-            <a:lvl9pPr indent="-317500" lvl="8" marL="4114800">
+            <a:lvl9pPr marL="4114800" lvl="8" indent="-317500">
               <a:lnSpc>
                 <a:spcPct val="115000"/>
               </a:lnSpc>
@@ -4644,15 +4768,19 @@
               </a:defRPr>
             </a:lvl9pPr>
           </a:lstStyle>
-          <a:p/>
+          <a:p>
+            <a:endParaRPr/>
+          </a:p>
         </p:txBody>
       </p:sp>
       <p:sp>
         <p:nvSpPr>
           <p:cNvPr id="8" name="Google Shape;8;p1"/>
-          <p:cNvSpPr txBox="1"/>
+          <p:cNvSpPr txBox="1">
+            <a:spLocks noGrp="1"/>
+          </p:cNvSpPr>
           <p:nvPr>
-            <p:ph idx="12" type="sldNum"/>
+            <p:ph type="sldNum" idx="12"/>
           </p:nvPr>
         </p:nvSpPr>
         <p:spPr>
@@ -4669,7 +4797,7 @@
           </a:ln>
         </p:spPr>
         <p:txBody>
-          <a:bodyPr anchorCtr="0" anchor="ctr" bIns="91425" lIns="91425" spcFirstLastPara="1" rIns="91425" wrap="square" tIns="91425">
+          <a:bodyPr spcFirstLastPara="1" wrap="square" lIns="91425" tIns="91425" rIns="91425" bIns="91425" anchor="ctr" anchorCtr="0">
             <a:noAutofit/>
           </a:bodyPr>
           <a:lstStyle>
@@ -4747,7 +4875,7 @@
             </a:lvl9pPr>
           </a:lstStyle>
           <a:p>
-            <a:pPr indent="0" lvl="0" marL="0">
+            <a:pPr marL="0" lvl="0" indent="0">
               <a:spcBef>
                 <a:spcPts val="0"/>
               </a:spcBef>
@@ -4766,7 +4894,7 @@
       </p:sp>
     </p:spTree>
   </p:cSld>
-  <p:clrMap accent1="accent1" accent2="accent2" accent3="accent3" accent4="accent4" accent5="accent5" accent6="accent6" bg1="lt1" bg2="dk2" tx1="dk1" tx2="lt2" folHlink="folHlink" hlink="hlink"/>
+  <p:clrMap bg1="lt1" tx1="dk1" bg2="dk2" tx2="lt2" accent1="accent1" accent2="accent2" accent3="accent3" accent4="accent4" accent5="accent5" accent6="accent6" hlink="hlink" folHlink="folHlink"/>
   <p:sldLayoutIdLst>
     <p:sldLayoutId id="2147483648" r:id="rId1"/>
     <p:sldLayoutId id="2147483649" r:id="rId2"/>
@@ -4780,10 +4908,10 @@
     <p:sldLayoutId id="2147483657" r:id="rId10"/>
     <p:sldLayoutId id="2147483658" r:id="rId11"/>
   </p:sldLayoutIdLst>
-  <p:hf dt="0" ftr="0" hdr="0" sldNum="0"/>
+  <p:hf sldNum="0" hdr="0" ftr="0" dt="0"/>
   <p:txStyles>
     <p:titleStyle>
-      <a:defPPr lvl="0" marR="0" rtl="0" algn="l">
+      <a:defPPr marR="0" lvl="0" algn="l" rtl="0">
         <a:lnSpc>
           <a:spcPct val="100000"/>
         </a:lnSpc>
@@ -4794,7 +4922,7 @@
           <a:spcPts val="0"/>
         </a:spcAft>
       </a:defPPr>
-      <a:lvl1pPr lvl="0" marR="0" rtl="0" algn="l">
+      <a:lvl1pPr marR="0" lvl="0" algn="l" rtl="0">
         <a:lnSpc>
           <a:spcPct val="100000"/>
         </a:lnSpc>
@@ -4808,7 +4936,7 @@
           <a:srgbClr val="000000"/>
         </a:buClr>
         <a:buFont typeface="Arial"/>
-        <a:defRPr b="0" i="0" sz="1400" u="none" cap="none" strike="noStrike">
+        <a:defRPr sz="1400" b="0" i="0" u="none" strike="noStrike" cap="none">
           <a:solidFill>
             <a:srgbClr val="000000"/>
           </a:solidFill>
@@ -4818,7 +4946,7 @@
           <a:sym typeface="Arial"/>
         </a:defRPr>
       </a:lvl1pPr>
-      <a:lvl2pPr lvl="1" marR="0" rtl="0" algn="l">
+      <a:lvl2pPr marR="0" lvl="1" algn="l" rtl="0">
         <a:lnSpc>
           <a:spcPct val="100000"/>
         </a:lnSpc>
@@ -4832,7 +4960,7 @@
           <a:srgbClr val="000000"/>
         </a:buClr>
         <a:buFont typeface="Arial"/>
-        <a:defRPr b="0" i="0" sz="1400" u="none" cap="none" strike="noStrike">
+        <a:defRPr sz="1400" b="0" i="0" u="none" strike="noStrike" cap="none">
           <a:solidFill>
             <a:srgbClr val="000000"/>
           </a:solidFill>
@@ -4842,7 +4970,7 @@
           <a:sym typeface="Arial"/>
         </a:defRPr>
       </a:lvl2pPr>
-      <a:lvl3pPr lvl="2" marR="0" rtl="0" algn="l">
+      <a:lvl3pPr marR="0" lvl="2" algn="l" rtl="0">
         <a:lnSpc>
           <a:spcPct val="100000"/>
         </a:lnSpc>
@@ -4856,7 +4984,7 @@
           <a:srgbClr val="000000"/>
         </a:buClr>
         <a:buFont typeface="Arial"/>
-        <a:defRPr b="0" i="0" sz="1400" u="none" cap="none" strike="noStrike">
+        <a:defRPr sz="1400" b="0" i="0" u="none" strike="noStrike" cap="none">
           <a:solidFill>
             <a:srgbClr val="000000"/>
           </a:solidFill>
@@ -4866,7 +4994,7 @@
           <a:sym typeface="Arial"/>
         </a:defRPr>
       </a:lvl3pPr>
-      <a:lvl4pPr lvl="3" marR="0" rtl="0" algn="l">
+      <a:lvl4pPr marR="0" lvl="3" algn="l" rtl="0">
         <a:lnSpc>
           <a:spcPct val="100000"/>
         </a:lnSpc>
@@ -4880,7 +5008,7 @@
           <a:srgbClr val="000000"/>
         </a:buClr>
         <a:buFont typeface="Arial"/>
-        <a:defRPr b="0" i="0" sz="1400" u="none" cap="none" strike="noStrike">
+        <a:defRPr sz="1400" b="0" i="0" u="none" strike="noStrike" cap="none">
           <a:solidFill>
             <a:srgbClr val="000000"/>
           </a:solidFill>
@@ -4890,7 +5018,7 @@
           <a:sym typeface="Arial"/>
         </a:defRPr>
       </a:lvl4pPr>
-      <a:lvl5pPr lvl="4" marR="0" rtl="0" algn="l">
+      <a:lvl5pPr marR="0" lvl="4" algn="l" rtl="0">
         <a:lnSpc>
           <a:spcPct val="100000"/>
         </a:lnSpc>
@@ -4904,7 +5032,7 @@
           <a:srgbClr val="000000"/>
         </a:buClr>
         <a:buFont typeface="Arial"/>
-        <a:defRPr b="0" i="0" sz="1400" u="none" cap="none" strike="noStrike">
+        <a:defRPr sz="1400" b="0" i="0" u="none" strike="noStrike" cap="none">
           <a:solidFill>
             <a:srgbClr val="000000"/>
           </a:solidFill>
@@ -4914,7 +5042,7 @@
           <a:sym typeface="Arial"/>
         </a:defRPr>
       </a:lvl5pPr>
-      <a:lvl6pPr lvl="5" marR="0" rtl="0" algn="l">
+      <a:lvl6pPr marR="0" lvl="5" algn="l" rtl="0">
         <a:lnSpc>
           <a:spcPct val="100000"/>
         </a:lnSpc>
@@ -4928,7 +5056,7 @@
           <a:srgbClr val="000000"/>
         </a:buClr>
         <a:buFont typeface="Arial"/>
-        <a:defRPr b="0" i="0" sz="1400" u="none" cap="none" strike="noStrike">
+        <a:defRPr sz="1400" b="0" i="0" u="none" strike="noStrike" cap="none">
           <a:solidFill>
             <a:srgbClr val="000000"/>
           </a:solidFill>
@@ -4938,7 +5066,7 @@
           <a:sym typeface="Arial"/>
         </a:defRPr>
       </a:lvl6pPr>
-      <a:lvl7pPr lvl="6" marR="0" rtl="0" algn="l">
+      <a:lvl7pPr marR="0" lvl="6" algn="l" rtl="0">
         <a:lnSpc>
           <a:spcPct val="100000"/>
         </a:lnSpc>
@@ -4952,7 +5080,7 @@
           <a:srgbClr val="000000"/>
         </a:buClr>
         <a:buFont typeface="Arial"/>
-        <a:defRPr b="0" i="0" sz="1400" u="none" cap="none" strike="noStrike">
+        <a:defRPr sz="1400" b="0" i="0" u="none" strike="noStrike" cap="none">
           <a:solidFill>
             <a:srgbClr val="000000"/>
           </a:solidFill>
@@ -4962,7 +5090,7 @@
           <a:sym typeface="Arial"/>
         </a:defRPr>
       </a:lvl7pPr>
-      <a:lvl8pPr lvl="7" marR="0" rtl="0" algn="l">
+      <a:lvl8pPr marR="0" lvl="7" algn="l" rtl="0">
         <a:lnSpc>
           <a:spcPct val="100000"/>
         </a:lnSpc>
@@ -4976,7 +5104,7 @@
           <a:srgbClr val="000000"/>
         </a:buClr>
         <a:buFont typeface="Arial"/>
-        <a:defRPr b="0" i="0" sz="1400" u="none" cap="none" strike="noStrike">
+        <a:defRPr sz="1400" b="0" i="0" u="none" strike="noStrike" cap="none">
           <a:solidFill>
             <a:srgbClr val="000000"/>
           </a:solidFill>
@@ -4986,7 +5114,7 @@
           <a:sym typeface="Arial"/>
         </a:defRPr>
       </a:lvl8pPr>
-      <a:lvl9pPr lvl="8" marR="0" rtl="0" algn="l">
+      <a:lvl9pPr marR="0" lvl="8" algn="l" rtl="0">
         <a:lnSpc>
           <a:spcPct val="100000"/>
         </a:lnSpc>
@@ -5000,7 +5128,7 @@
           <a:srgbClr val="000000"/>
         </a:buClr>
         <a:buFont typeface="Arial"/>
-        <a:defRPr b="0" i="0" sz="1400" u="none" cap="none" strike="noStrike">
+        <a:defRPr sz="1400" b="0" i="0" u="none" strike="noStrike" cap="none">
           <a:solidFill>
             <a:srgbClr val="000000"/>
           </a:solidFill>
@@ -5012,7 +5140,7 @@
       </a:lvl9pPr>
     </p:titleStyle>
     <p:bodyStyle>
-      <a:defPPr lvl="0" marR="0" rtl="0" algn="l">
+      <a:defPPr marR="0" lvl="0" algn="l" rtl="0">
         <a:lnSpc>
           <a:spcPct val="100000"/>
         </a:lnSpc>
@@ -5023,7 +5151,7 @@
           <a:spcPts val="0"/>
         </a:spcAft>
       </a:defPPr>
-      <a:lvl1pPr lvl="0" marR="0" rtl="0" algn="l">
+      <a:lvl1pPr marR="0" lvl="0" algn="l" rtl="0">
         <a:lnSpc>
           <a:spcPct val="100000"/>
         </a:lnSpc>
@@ -5037,7 +5165,7 @@
           <a:srgbClr val="000000"/>
         </a:buClr>
         <a:buFont typeface="Arial"/>
-        <a:defRPr b="0" i="0" sz="1400" u="none" cap="none" strike="noStrike">
+        <a:defRPr sz="1400" b="0" i="0" u="none" strike="noStrike" cap="none">
           <a:solidFill>
             <a:srgbClr val="000000"/>
           </a:solidFill>
@@ -5047,7 +5175,7 @@
           <a:sym typeface="Arial"/>
         </a:defRPr>
       </a:lvl1pPr>
-      <a:lvl2pPr lvl="1" marR="0" rtl="0" algn="l">
+      <a:lvl2pPr marR="0" lvl="1" algn="l" rtl="0">
         <a:lnSpc>
           <a:spcPct val="100000"/>
         </a:lnSpc>
@@ -5061,7 +5189,7 @@
           <a:srgbClr val="000000"/>
         </a:buClr>
         <a:buFont typeface="Arial"/>
-        <a:defRPr b="0" i="0" sz="1400" u="none" cap="none" strike="noStrike">
+        <a:defRPr sz="1400" b="0" i="0" u="none" strike="noStrike" cap="none">
           <a:solidFill>
             <a:srgbClr val="000000"/>
           </a:solidFill>
@@ -5071,7 +5199,7 @@
           <a:sym typeface="Arial"/>
         </a:defRPr>
       </a:lvl2pPr>
-      <a:lvl3pPr lvl="2" marR="0" rtl="0" algn="l">
+      <a:lvl3pPr marR="0" lvl="2" algn="l" rtl="0">
         <a:lnSpc>
           <a:spcPct val="100000"/>
         </a:lnSpc>
@@ -5085,7 +5213,7 @@
           <a:srgbClr val="000000"/>
         </a:buClr>
         <a:buFont typeface="Arial"/>
-        <a:defRPr b="0" i="0" sz="1400" u="none" cap="none" strike="noStrike">
+        <a:defRPr sz="1400" b="0" i="0" u="none" strike="noStrike" cap="none">
           <a:solidFill>
             <a:srgbClr val="000000"/>
           </a:solidFill>
@@ -5095,7 +5223,7 @@
           <a:sym typeface="Arial"/>
         </a:defRPr>
       </a:lvl3pPr>
-      <a:lvl4pPr lvl="3" marR="0" rtl="0" algn="l">
+      <a:lvl4pPr marR="0" lvl="3" algn="l" rtl="0">
         <a:lnSpc>
           <a:spcPct val="100000"/>
         </a:lnSpc>
@@ -5109,7 +5237,7 @@
           <a:srgbClr val="000000"/>
         </a:buClr>
         <a:buFont typeface="Arial"/>
-        <a:defRPr b="0" i="0" sz="1400" u="none" cap="none" strike="noStrike">
+        <a:defRPr sz="1400" b="0" i="0" u="none" strike="noStrike" cap="none">
           <a:solidFill>
             <a:srgbClr val="000000"/>
           </a:solidFill>
@@ -5119,7 +5247,7 @@
           <a:sym typeface="Arial"/>
         </a:defRPr>
       </a:lvl4pPr>
-      <a:lvl5pPr lvl="4" marR="0" rtl="0" algn="l">
+      <a:lvl5pPr marR="0" lvl="4" algn="l" rtl="0">
         <a:lnSpc>
           <a:spcPct val="100000"/>
         </a:lnSpc>
@@ -5133,7 +5261,7 @@
           <a:srgbClr val="000000"/>
         </a:buClr>
         <a:buFont typeface="Arial"/>
-        <a:defRPr b="0" i="0" sz="1400" u="none" cap="none" strike="noStrike">
+        <a:defRPr sz="1400" b="0" i="0" u="none" strike="noStrike" cap="none">
           <a:solidFill>
             <a:srgbClr val="000000"/>
           </a:solidFill>
@@ -5143,7 +5271,7 @@
           <a:sym typeface="Arial"/>
         </a:defRPr>
       </a:lvl5pPr>
-      <a:lvl6pPr lvl="5" marR="0" rtl="0" algn="l">
+      <a:lvl6pPr marR="0" lvl="5" algn="l" rtl="0">
         <a:lnSpc>
           <a:spcPct val="100000"/>
         </a:lnSpc>
@@ -5157,7 +5285,7 @@
           <a:srgbClr val="000000"/>
         </a:buClr>
         <a:buFont typeface="Arial"/>
-        <a:defRPr b="0" i="0" sz="1400" u="none" cap="none" strike="noStrike">
+        <a:defRPr sz="1400" b="0" i="0" u="none" strike="noStrike" cap="none">
           <a:solidFill>
             <a:srgbClr val="000000"/>
           </a:solidFill>
@@ -5167,7 +5295,7 @@
           <a:sym typeface="Arial"/>
         </a:defRPr>
       </a:lvl6pPr>
-      <a:lvl7pPr lvl="6" marR="0" rtl="0" algn="l">
+      <a:lvl7pPr marR="0" lvl="6" algn="l" rtl="0">
         <a:lnSpc>
           <a:spcPct val="100000"/>
         </a:lnSpc>
@@ -5181,7 +5309,7 @@
           <a:srgbClr val="000000"/>
         </a:buClr>
         <a:buFont typeface="Arial"/>
-        <a:defRPr b="0" i="0" sz="1400" u="none" cap="none" strike="noStrike">
+        <a:defRPr sz="1400" b="0" i="0" u="none" strike="noStrike" cap="none">
           <a:solidFill>
             <a:srgbClr val="000000"/>
           </a:solidFill>
@@ -5191,7 +5319,7 @@
           <a:sym typeface="Arial"/>
         </a:defRPr>
       </a:lvl7pPr>
-      <a:lvl8pPr lvl="7" marR="0" rtl="0" algn="l">
+      <a:lvl8pPr marR="0" lvl="7" algn="l" rtl="0">
         <a:lnSpc>
           <a:spcPct val="100000"/>
         </a:lnSpc>
@@ -5205,7 +5333,7 @@
           <a:srgbClr val="000000"/>
         </a:buClr>
         <a:buFont typeface="Arial"/>
-        <a:defRPr b="0" i="0" sz="1400" u="none" cap="none" strike="noStrike">
+        <a:defRPr sz="1400" b="0" i="0" u="none" strike="noStrike" cap="none">
           <a:solidFill>
             <a:srgbClr val="000000"/>
           </a:solidFill>
@@ -5215,7 +5343,7 @@
           <a:sym typeface="Arial"/>
         </a:defRPr>
       </a:lvl8pPr>
-      <a:lvl9pPr lvl="8" marR="0" rtl="0" algn="l">
+      <a:lvl9pPr marR="0" lvl="8" algn="l" rtl="0">
         <a:lnSpc>
           <a:spcPct val="100000"/>
         </a:lnSpc>
@@ -5229,7 +5357,7 @@
           <a:srgbClr val="000000"/>
         </a:buClr>
         <a:buFont typeface="Arial"/>
-        <a:defRPr b="0" i="0" sz="1400" u="none" cap="none" strike="noStrike">
+        <a:defRPr sz="1400" b="0" i="0" u="none" strike="noStrike" cap="none">
           <a:solidFill>
             <a:srgbClr val="000000"/>
           </a:solidFill>
@@ -5241,7 +5369,7 @@
       </a:lvl9pPr>
     </p:bodyStyle>
     <p:otherStyle>
-      <a:defPPr lvl="0" marR="0" rtl="0" algn="l">
+      <a:defPPr marR="0" lvl="0" algn="l" rtl="0">
         <a:lnSpc>
           <a:spcPct val="100000"/>
         </a:lnSpc>
@@ -5252,7 +5380,7 @@
           <a:spcPts val="0"/>
         </a:spcAft>
       </a:defPPr>
-      <a:lvl1pPr lvl="0" marR="0" rtl="0" algn="l">
+      <a:lvl1pPr marR="0" lvl="0" algn="l" rtl="0">
         <a:lnSpc>
           <a:spcPct val="100000"/>
         </a:lnSpc>
@@ -5266,7 +5394,7 @@
           <a:srgbClr val="000000"/>
         </a:buClr>
         <a:buFont typeface="Arial"/>
-        <a:defRPr b="0" i="0" sz="1400" u="none" cap="none" strike="noStrike">
+        <a:defRPr sz="1400" b="0" i="0" u="none" strike="noStrike" cap="none">
           <a:solidFill>
             <a:srgbClr val="000000"/>
           </a:solidFill>
@@ -5276,7 +5404,7 @@
           <a:sym typeface="Arial"/>
         </a:defRPr>
       </a:lvl1pPr>
-      <a:lvl2pPr lvl="1" marR="0" rtl="0" algn="l">
+      <a:lvl2pPr marR="0" lvl="1" algn="l" rtl="0">
         <a:lnSpc>
           <a:spcPct val="100000"/>
         </a:lnSpc>
@@ -5290,7 +5418,7 @@
           <a:srgbClr val="000000"/>
         </a:buClr>
         <a:buFont typeface="Arial"/>
-        <a:defRPr b="0" i="0" sz="1400" u="none" cap="none" strike="noStrike">
+        <a:defRPr sz="1400" b="0" i="0" u="none" strike="noStrike" cap="none">
           <a:solidFill>
             <a:srgbClr val="000000"/>
           </a:solidFill>
@@ -5300,7 +5428,7 @@
           <a:sym typeface="Arial"/>
         </a:defRPr>
       </a:lvl2pPr>
-      <a:lvl3pPr lvl="2" marR="0" rtl="0" algn="l">
+      <a:lvl3pPr marR="0" lvl="2" algn="l" rtl="0">
         <a:lnSpc>
           <a:spcPct val="100000"/>
         </a:lnSpc>
@@ -5314,7 +5442,7 @@
           <a:srgbClr val="000000"/>
         </a:buClr>
         <a:buFont typeface="Arial"/>
-        <a:defRPr b="0" i="0" sz="1400" u="none" cap="none" strike="noStrike">
+        <a:defRPr sz="1400" b="0" i="0" u="none" strike="noStrike" cap="none">
           <a:solidFill>
             <a:srgbClr val="000000"/>
           </a:solidFill>
@@ -5324,7 +5452,7 @@
           <a:sym typeface="Arial"/>
         </a:defRPr>
       </a:lvl3pPr>
-      <a:lvl4pPr lvl="3" marR="0" rtl="0" algn="l">
+      <a:lvl4pPr marR="0" lvl="3" algn="l" rtl="0">
         <a:lnSpc>
           <a:spcPct val="100000"/>
         </a:lnSpc>
@@ -5338,7 +5466,7 @@
           <a:srgbClr val="000000"/>
         </a:buClr>
         <a:buFont typeface="Arial"/>
-        <a:defRPr b="0" i="0" sz="1400" u="none" cap="none" strike="noStrike">
+        <a:defRPr sz="1400" b="0" i="0" u="none" strike="noStrike" cap="none">
           <a:solidFill>
             <a:srgbClr val="000000"/>
           </a:solidFill>
@@ -5348,7 +5476,7 @@
           <a:sym typeface="Arial"/>
         </a:defRPr>
       </a:lvl4pPr>
-      <a:lvl5pPr lvl="4" marR="0" rtl="0" algn="l">
+      <a:lvl5pPr marR="0" lvl="4" algn="l" rtl="0">
         <a:lnSpc>
           <a:spcPct val="100000"/>
         </a:lnSpc>
@@ -5362,7 +5490,7 @@
           <a:srgbClr val="000000"/>
         </a:buClr>
         <a:buFont typeface="Arial"/>
-        <a:defRPr b="0" i="0" sz="1400" u="none" cap="none" strike="noStrike">
+        <a:defRPr sz="1400" b="0" i="0" u="none" strike="noStrike" cap="none">
           <a:solidFill>
             <a:srgbClr val="000000"/>
           </a:solidFill>
@@ -5372,7 +5500,7 @@
           <a:sym typeface="Arial"/>
         </a:defRPr>
       </a:lvl5pPr>
-      <a:lvl6pPr lvl="5" marR="0" rtl="0" algn="l">
+      <a:lvl6pPr marR="0" lvl="5" algn="l" rtl="0">
         <a:lnSpc>
           <a:spcPct val="100000"/>
         </a:lnSpc>
@@ -5386,7 +5514,7 @@
           <a:srgbClr val="000000"/>
         </a:buClr>
         <a:buFont typeface="Arial"/>
-        <a:defRPr b="0" i="0" sz="1400" u="none" cap="none" strike="noStrike">
+        <a:defRPr sz="1400" b="0" i="0" u="none" strike="noStrike" cap="none">
           <a:solidFill>
             <a:srgbClr val="000000"/>
           </a:solidFill>
@@ -5396,7 +5524,7 @@
           <a:sym typeface="Arial"/>
         </a:defRPr>
       </a:lvl6pPr>
-      <a:lvl7pPr lvl="6" marR="0" rtl="0" algn="l">
+      <a:lvl7pPr marR="0" lvl="6" algn="l" rtl="0">
         <a:lnSpc>
           <a:spcPct val="100000"/>
         </a:lnSpc>
@@ -5410,7 +5538,7 @@
           <a:srgbClr val="000000"/>
         </a:buClr>
         <a:buFont typeface="Arial"/>
-        <a:defRPr b="0" i="0" sz="1400" u="none" cap="none" strike="noStrike">
+        <a:defRPr sz="1400" b="0" i="0" u="none" strike="noStrike" cap="none">
           <a:solidFill>
             <a:srgbClr val="000000"/>
           </a:solidFill>
@@ -5420,7 +5548,7 @@
           <a:sym typeface="Arial"/>
         </a:defRPr>
       </a:lvl7pPr>
-      <a:lvl8pPr lvl="7" marR="0" rtl="0" algn="l">
+      <a:lvl8pPr marR="0" lvl="7" algn="l" rtl="0">
         <a:lnSpc>
           <a:spcPct val="100000"/>
         </a:lnSpc>
@@ -5434,7 +5562,7 @@
           <a:srgbClr val="000000"/>
         </a:buClr>
         <a:buFont typeface="Arial"/>
-        <a:defRPr b="0" i="0" sz="1400" u="none" cap="none" strike="noStrike">
+        <a:defRPr sz="1400" b="0" i="0" u="none" strike="noStrike" cap="none">
           <a:solidFill>
             <a:srgbClr val="000000"/>
           </a:solidFill>
@@ -5444,7 +5572,7 @@
           <a:sym typeface="Arial"/>
         </a:defRPr>
       </a:lvl8pPr>
-      <a:lvl9pPr lvl="8" marR="0" rtl="0" algn="l">
+      <a:lvl9pPr marR="0" lvl="8" algn="l" rtl="0">
         <a:lnSpc>
           <a:spcPct val="100000"/>
         </a:lnSpc>
@@ -5458,7 +5586,7 @@
           <a:srgbClr val="000000"/>
         </a:buClr>
         <a:buFont typeface="Arial"/>
-        <a:defRPr b="0" i="0" sz="1400" u="none" cap="none" strike="noStrike">
+        <a:defRPr sz="1400" b="0" i="0" u="none" strike="noStrike" cap="none">
           <a:solidFill>
             <a:srgbClr val="000000"/>
           </a:solidFill>
@@ -5474,11 +5602,11 @@
 </file>
 
 <file path=ppt/slides/slide1.xml><?xml version="1.0" encoding="utf-8"?>
-<p:sld xmlns:a="http://schemas.openxmlformats.org/drawingml/2006/main" xmlns:r="http://schemas.openxmlformats.org/officeDocument/2006/relationships" xmlns:mc="http://schemas.openxmlformats.org/markup-compatibility/2006" xmlns:mv="urn:schemas-microsoft-com:mac:vml" xmlns:p="http://schemas.openxmlformats.org/presentationml/2006/main" xmlns:c="http://schemas.openxmlformats.org/drawingml/2006/chart" xmlns:dgm="http://schemas.openxmlformats.org/drawingml/2006/diagram" xmlns:o="urn:schemas-microsoft-com:office:office" xmlns:v="urn:schemas-microsoft-com:vml" xmlns:pvml="urn:schemas-microsoft-com:office:powerpoint" xmlns:com="http://schemas.openxmlformats.org/drawingml/2006/compatibility" xmlns:p14="http://schemas.microsoft.com/office/powerpoint/2010/main" xmlns:p15="http://schemas.microsoft.com/office/powerpoint/2012/main">
+<p:sld xmlns:a="http://schemas.openxmlformats.org/drawingml/2006/main" xmlns:r="http://schemas.openxmlformats.org/officeDocument/2006/relationships" xmlns:p="http://schemas.openxmlformats.org/presentationml/2006/main">
   <p:cSld>
     <p:spTree>
       <p:nvGrpSpPr>
-        <p:cNvPr id="53" name="Shape 53"/>
+        <p:cNvPr id="1" name="Shape 53"/>
         <p:cNvGrpSpPr/>
         <p:nvPr/>
       </p:nvGrpSpPr>
@@ -5510,36 +5638,36 @@
           </a:ln>
         </p:spPr>
         <p:txBody>
-          <a:bodyPr anchorCtr="0" anchor="ctr" bIns="91425" lIns="91425" spcFirstLastPara="1" rIns="91425" wrap="square" tIns="91425">
+          <a:bodyPr spcFirstLastPara="1" wrap="square" lIns="91425" tIns="91425" rIns="91425" bIns="91425" anchor="ctr" anchorCtr="0">
             <a:noAutofit/>
           </a:bodyPr>
           <a:lstStyle/>
           <a:p>
-            <a:pPr indent="0" lvl="0" marL="0" rtl="0">
-              <a:spcBef>
-                <a:spcPts val="0"/>
-              </a:spcBef>
-              <a:spcAft>
-                <a:spcPts val="0"/>
-              </a:spcAft>
-              <a:buNone/>
-            </a:pPr>
-            <a:r>
-              <a:rPr lang="en" sz="800">
+            <a:pPr marL="0" lvl="0" indent="0" rtl="0">
+              <a:spcBef>
+                <a:spcPts val="0"/>
+              </a:spcBef>
+              <a:spcAft>
+                <a:spcPts val="0"/>
+              </a:spcAft>
+              <a:buNone/>
+            </a:pPr>
+            <a:r>
+              <a:rPr lang="en" sz="800" dirty="0">
                 <a:solidFill>
                   <a:schemeClr val="dk1"/>
                 </a:solidFill>
               </a:rPr>
               <a:t>Python Basics</a:t>
             </a:r>
-            <a:endParaRPr sz="800">
-              <a:solidFill>
-                <a:schemeClr val="dk1"/>
-              </a:solidFill>
-            </a:endParaRPr>
-          </a:p>
-          <a:p>
-            <a:pPr indent="-279400" lvl="0" marL="457200" rtl="0">
+            <a:endParaRPr sz="800" dirty="0">
+              <a:solidFill>
+                <a:schemeClr val="dk1"/>
+              </a:solidFill>
+            </a:endParaRPr>
+          </a:p>
+          <a:p>
+            <a:pPr marL="457200" lvl="0" indent="-279400" rtl="0">
               <a:spcBef>
                 <a:spcPts val="0"/>
               </a:spcBef>
@@ -5553,21 +5681,21 @@
               <a:buChar char="➔"/>
             </a:pPr>
             <a:r>
-              <a:rPr lang="en" sz="800">
+              <a:rPr lang="en" sz="800" dirty="0">
                 <a:solidFill>
                   <a:schemeClr val="dk1"/>
                 </a:solidFill>
               </a:rPr>
               <a:t> Basic Definitions</a:t>
             </a:r>
-            <a:endParaRPr sz="800">
-              <a:solidFill>
-                <a:schemeClr val="dk1"/>
-              </a:solidFill>
-            </a:endParaRPr>
-          </a:p>
-          <a:p>
-            <a:pPr indent="-279400" lvl="1" marL="914400" rtl="0">
+            <a:endParaRPr sz="800" dirty="0">
+              <a:solidFill>
+                <a:schemeClr val="dk1"/>
+              </a:solidFill>
+            </a:endParaRPr>
+          </a:p>
+          <a:p>
+            <a:pPr marL="914400" lvl="1" indent="-279400" rtl="0">
               <a:spcBef>
                 <a:spcPts val="0"/>
               </a:spcBef>
@@ -5581,7 +5709,7 @@
               <a:buChar char="◆"/>
             </a:pPr>
             <a:r>
-              <a:rPr b="1" lang="en" sz="800">
+              <a:rPr lang="en" sz="800" b="1" dirty="0">
                 <a:solidFill>
                   <a:schemeClr val="dk1"/>
                 </a:solidFill>
@@ -5589,21 +5717,21 @@
               <a:t>Executive Bugs:</a:t>
             </a:r>
             <a:r>
-              <a:rPr lang="en" sz="800">
+              <a:rPr lang="en" sz="800" dirty="0">
                 <a:solidFill>
                   <a:schemeClr val="dk1"/>
                 </a:solidFill>
               </a:rPr>
               <a:t> executing, can’t legally carry out one of our instructions</a:t>
             </a:r>
-            <a:endParaRPr sz="800">
-              <a:solidFill>
-                <a:schemeClr val="dk1"/>
-              </a:solidFill>
-            </a:endParaRPr>
-          </a:p>
-          <a:p>
-            <a:pPr indent="-279400" lvl="1" marL="914400" rtl="0">
+            <a:endParaRPr sz="800" dirty="0">
+              <a:solidFill>
+                <a:schemeClr val="dk1"/>
+              </a:solidFill>
+            </a:endParaRPr>
+          </a:p>
+          <a:p>
+            <a:pPr marL="914400" lvl="1" indent="-279400" rtl="0">
               <a:spcBef>
                 <a:spcPts val="0"/>
               </a:spcBef>
@@ -5617,7 +5745,7 @@
               <a:buChar char="◆"/>
             </a:pPr>
             <a:r>
-              <a:rPr b="1" lang="en" sz="800">
+              <a:rPr lang="en" sz="800" b="1" dirty="0">
                 <a:solidFill>
                   <a:schemeClr val="dk1"/>
                 </a:solidFill>
@@ -5625,21 +5753,29 @@
               <a:t>Intent bug:</a:t>
             </a:r>
             <a:r>
-              <a:rPr lang="en" sz="800">
-                <a:solidFill>
-                  <a:schemeClr val="dk1"/>
-                </a:solidFill>
-              </a:rPr>
-              <a:t> program executes but doesn’t return the expected results</a:t>
-            </a:r>
-            <a:endParaRPr sz="800">
-              <a:solidFill>
-                <a:schemeClr val="dk1"/>
-              </a:solidFill>
-            </a:endParaRPr>
-          </a:p>
-          <a:p>
-            <a:pPr indent="-279400" lvl="0" marL="457200" rtl="0">
+              <a:rPr lang="en" sz="800" dirty="0">
+                <a:solidFill>
+                  <a:schemeClr val="dk1"/>
+                </a:solidFill>
+              </a:rPr>
+              <a:t> program executes but doesn’t return the </a:t>
+            </a:r>
+            <a:r>
+              <a:rPr lang="en" sz="800">
+                <a:solidFill>
+                  <a:schemeClr val="dk1"/>
+                </a:solidFill>
+              </a:rPr>
+              <a:t>expected results </a:t>
+            </a:r>
+            <a:endParaRPr sz="800" dirty="0">
+              <a:solidFill>
+                <a:schemeClr val="dk1"/>
+              </a:solidFill>
+            </a:endParaRPr>
+          </a:p>
+          <a:p>
+            <a:pPr marL="457200" lvl="0" indent="-279400" rtl="0">
               <a:spcBef>
                 <a:spcPts val="0"/>
               </a:spcBef>
@@ -5653,21 +5789,21 @@
               <a:buChar char="➔"/>
             </a:pPr>
             <a:r>
-              <a:rPr lang="en" sz="800">
+              <a:rPr lang="en" sz="800" dirty="0">
                 <a:solidFill>
                   <a:schemeClr val="dk1"/>
                 </a:solidFill>
               </a:rPr>
               <a:t>Iterations and Functions</a:t>
             </a:r>
-            <a:endParaRPr sz="800">
-              <a:solidFill>
-                <a:schemeClr val="dk1"/>
-              </a:solidFill>
-            </a:endParaRPr>
-          </a:p>
-          <a:p>
-            <a:pPr indent="-279400" lvl="1" marL="914400" rtl="0">
+            <a:endParaRPr sz="800" dirty="0">
+              <a:solidFill>
+                <a:schemeClr val="dk1"/>
+              </a:solidFill>
+            </a:endParaRPr>
+          </a:p>
+          <a:p>
+            <a:pPr marL="914400" lvl="1" indent="-279400" rtl="0">
               <a:spcBef>
                 <a:spcPts val="0"/>
               </a:spcBef>
@@ -5681,21 +5817,21 @@
               <a:buChar char="◆"/>
             </a:pPr>
             <a:r>
-              <a:rPr lang="en" sz="800">
+              <a:rPr lang="en" sz="800" dirty="0">
                 <a:solidFill>
                   <a:schemeClr val="dk1"/>
                 </a:solidFill>
               </a:rPr>
               <a:t>While loop</a:t>
             </a:r>
-            <a:endParaRPr sz="800">
-              <a:solidFill>
-                <a:schemeClr val="dk1"/>
-              </a:solidFill>
-            </a:endParaRPr>
-          </a:p>
-          <a:p>
-            <a:pPr indent="-279400" lvl="2" marL="1371600" rtl="0">
+            <a:endParaRPr sz="800" dirty="0">
+              <a:solidFill>
+                <a:schemeClr val="dk1"/>
+              </a:solidFill>
+            </a:endParaRPr>
+          </a:p>
+          <a:p>
+            <a:pPr marL="1371600" lvl="2" indent="-279400" rtl="0">
               <a:spcBef>
                 <a:spcPts val="0"/>
               </a:spcBef>
@@ -5709,117 +5845,117 @@
               <a:buChar char="●"/>
             </a:pPr>
             <a:r>
-              <a:rPr lang="en" sz="800">
+              <a:rPr lang="en" sz="800" dirty="0">
                 <a:solidFill>
                   <a:schemeClr val="dk1"/>
                 </a:solidFill>
               </a:rPr>
               <a:t>While test_expression:</a:t>
             </a:r>
-            <a:endParaRPr sz="800">
-              <a:solidFill>
-                <a:schemeClr val="dk1"/>
-              </a:solidFill>
-            </a:endParaRPr>
-          </a:p>
-          <a:p>
-            <a:pPr indent="0" lvl="0" marL="1371600" rtl="0">
-              <a:spcBef>
-                <a:spcPts val="0"/>
-              </a:spcBef>
-              <a:spcAft>
-                <a:spcPts val="0"/>
-              </a:spcAft>
-              <a:buNone/>
-            </a:pPr>
-            <a:r>
-              <a:rPr lang="en" sz="800">
+            <a:endParaRPr sz="800" dirty="0">
+              <a:solidFill>
+                <a:schemeClr val="dk1"/>
+              </a:solidFill>
+            </a:endParaRPr>
+          </a:p>
+          <a:p>
+            <a:pPr marL="1371600" lvl="0" indent="0" rtl="0">
+              <a:spcBef>
+                <a:spcPts val="0"/>
+              </a:spcBef>
+              <a:spcAft>
+                <a:spcPts val="0"/>
+              </a:spcAft>
+              <a:buNone/>
+            </a:pPr>
+            <a:r>
+              <a:rPr lang="en" sz="800" dirty="0">
                 <a:solidFill>
                   <a:schemeClr val="dk1"/>
                 </a:solidFill>
               </a:rPr>
               <a:t>	spam=0</a:t>
             </a:r>
-            <a:endParaRPr sz="800">
-              <a:solidFill>
-                <a:schemeClr val="dk1"/>
-              </a:solidFill>
-            </a:endParaRPr>
-          </a:p>
-          <a:p>
-            <a:pPr indent="0" lvl="0" marL="1371600" rtl="0">
-              <a:spcBef>
-                <a:spcPts val="0"/>
-              </a:spcBef>
-              <a:spcAft>
-                <a:spcPts val="0"/>
-              </a:spcAft>
-              <a:buNone/>
-            </a:pPr>
-            <a:r>
-              <a:rPr lang="en" sz="800">
+            <a:endParaRPr sz="800" dirty="0">
+              <a:solidFill>
+                <a:schemeClr val="dk1"/>
+              </a:solidFill>
+            </a:endParaRPr>
+          </a:p>
+          <a:p>
+            <a:pPr marL="1371600" lvl="0" indent="0" rtl="0">
+              <a:spcBef>
+                <a:spcPts val="0"/>
+              </a:spcBef>
+              <a:spcAft>
+                <a:spcPts val="0"/>
+              </a:spcAft>
+              <a:buNone/>
+            </a:pPr>
+            <a:r>
+              <a:rPr lang="en" sz="800" dirty="0">
                 <a:solidFill>
                   <a:schemeClr val="dk1"/>
                 </a:solidFill>
               </a:rPr>
               <a:t>	While spam&lt;5:</a:t>
             </a:r>
-            <a:endParaRPr sz="800">
-              <a:solidFill>
-                <a:schemeClr val="dk1"/>
-              </a:solidFill>
-            </a:endParaRPr>
-          </a:p>
-          <a:p>
-            <a:pPr indent="0" lvl="0" marL="1371600" rtl="0">
-              <a:spcBef>
-                <a:spcPts val="0"/>
-              </a:spcBef>
-              <a:spcAft>
-                <a:spcPts val="0"/>
-              </a:spcAft>
-              <a:buNone/>
-            </a:pPr>
-            <a:r>
-              <a:rPr lang="en" sz="800">
+            <a:endParaRPr sz="800" dirty="0">
+              <a:solidFill>
+                <a:schemeClr val="dk1"/>
+              </a:solidFill>
+            </a:endParaRPr>
+          </a:p>
+          <a:p>
+            <a:pPr marL="1371600" lvl="0" indent="0" rtl="0">
+              <a:spcBef>
+                <a:spcPts val="0"/>
+              </a:spcBef>
+              <a:spcAft>
+                <a:spcPts val="0"/>
+              </a:spcAft>
+              <a:buNone/>
+            </a:pPr>
+            <a:r>
+              <a:rPr lang="en" sz="800" dirty="0">
                 <a:solidFill>
                   <a:schemeClr val="dk1"/>
                 </a:solidFill>
               </a:rPr>
               <a:t>		print(“Hi”)</a:t>
             </a:r>
-            <a:endParaRPr sz="800">
-              <a:solidFill>
-                <a:schemeClr val="dk1"/>
-              </a:solidFill>
-            </a:endParaRPr>
-          </a:p>
-          <a:p>
-            <a:pPr indent="0" lvl="0" marL="1371600" rtl="0">
-              <a:spcBef>
-                <a:spcPts val="0"/>
-              </a:spcBef>
-              <a:spcAft>
-                <a:spcPts val="0"/>
-              </a:spcAft>
-              <a:buNone/>
-            </a:pPr>
-            <a:r>
-              <a:rPr lang="en" sz="800">
+            <a:endParaRPr sz="800" dirty="0">
+              <a:solidFill>
+                <a:schemeClr val="dk1"/>
+              </a:solidFill>
+            </a:endParaRPr>
+          </a:p>
+          <a:p>
+            <a:pPr marL="1371600" lvl="0" indent="0" rtl="0">
+              <a:spcBef>
+                <a:spcPts val="0"/>
+              </a:spcBef>
+              <a:spcAft>
+                <a:spcPts val="0"/>
+              </a:spcAft>
+              <a:buNone/>
+            </a:pPr>
+            <a:r>
+              <a:rPr lang="en" sz="800" dirty="0">
                 <a:solidFill>
                   <a:schemeClr val="dk1"/>
                 </a:solidFill>
               </a:rPr>
               <a:t>		spam=spam+1</a:t>
             </a:r>
-            <a:endParaRPr sz="800">
-              <a:solidFill>
-                <a:schemeClr val="dk1"/>
-              </a:solidFill>
-            </a:endParaRPr>
-          </a:p>
-          <a:p>
-            <a:pPr indent="-279400" lvl="0" marL="1371600" rtl="0">
+            <a:endParaRPr sz="800" dirty="0">
+              <a:solidFill>
+                <a:schemeClr val="dk1"/>
+              </a:solidFill>
+            </a:endParaRPr>
+          </a:p>
+          <a:p>
+            <a:pPr marL="1371600" lvl="0" indent="-279400" rtl="0">
               <a:spcBef>
                 <a:spcPts val="0"/>
               </a:spcBef>
@@ -5833,21 +5969,21 @@
               <a:buChar char="●"/>
             </a:pPr>
             <a:r>
-              <a:rPr lang="en" sz="800">
+              <a:rPr lang="en" sz="800" dirty="0">
                 <a:solidFill>
                   <a:schemeClr val="dk1"/>
                 </a:solidFill>
               </a:rPr>
               <a:t>“Body_of_while” can be a single statement or a set of statements</a:t>
             </a:r>
-            <a:endParaRPr sz="800">
-              <a:solidFill>
-                <a:schemeClr val="dk1"/>
-              </a:solidFill>
-            </a:endParaRPr>
-          </a:p>
-          <a:p>
-            <a:pPr indent="-279400" lvl="1" marL="914400" rtl="0">
+            <a:endParaRPr sz="800" dirty="0">
+              <a:solidFill>
+                <a:schemeClr val="dk1"/>
+              </a:solidFill>
+            </a:endParaRPr>
+          </a:p>
+          <a:p>
+            <a:pPr marL="914400" lvl="1" indent="-279400" rtl="0">
               <a:spcBef>
                 <a:spcPts val="0"/>
               </a:spcBef>
@@ -5861,21 +5997,21 @@
               <a:buChar char="◆"/>
             </a:pPr>
             <a:r>
-              <a:rPr lang="en" sz="800">
+              <a:rPr lang="en" sz="800" dirty="0">
                 <a:solidFill>
                   <a:schemeClr val="dk1"/>
                 </a:solidFill>
               </a:rPr>
               <a:t>For loop</a:t>
             </a:r>
-            <a:endParaRPr sz="800">
-              <a:solidFill>
-                <a:schemeClr val="dk1"/>
-              </a:solidFill>
-            </a:endParaRPr>
-          </a:p>
-          <a:p>
-            <a:pPr indent="-279400" lvl="2" marL="1371600" rtl="0">
+            <a:endParaRPr sz="800" dirty="0">
+              <a:solidFill>
+                <a:schemeClr val="dk1"/>
+              </a:solidFill>
+            </a:endParaRPr>
+          </a:p>
+          <a:p>
+            <a:pPr marL="1371600" lvl="2" indent="-279400" rtl="0">
               <a:spcBef>
                 <a:spcPts val="0"/>
               </a:spcBef>
@@ -5889,165 +6025,165 @@
               <a:buChar char="●"/>
             </a:pPr>
             <a:r>
-              <a:rPr lang="en" sz="800">
+              <a:rPr lang="en" sz="800" dirty="0">
                 <a:solidFill>
                   <a:schemeClr val="dk1"/>
                 </a:solidFill>
               </a:rPr>
               <a:t>for i in range(10):</a:t>
             </a:r>
-            <a:endParaRPr sz="800">
-              <a:solidFill>
-                <a:schemeClr val="dk1"/>
-              </a:solidFill>
-            </a:endParaRPr>
-          </a:p>
-          <a:p>
-            <a:pPr indent="0" lvl="0" marL="1371600" rtl="0">
-              <a:spcBef>
-                <a:spcPts val="0"/>
-              </a:spcBef>
-              <a:spcAft>
-                <a:spcPts val="0"/>
-              </a:spcAft>
-              <a:buNone/>
-            </a:pPr>
-            <a:r>
-              <a:rPr lang="en" sz="800">
+            <a:endParaRPr sz="800" dirty="0">
+              <a:solidFill>
+                <a:schemeClr val="dk1"/>
+              </a:solidFill>
+            </a:endParaRPr>
+          </a:p>
+          <a:p>
+            <a:pPr marL="1371600" lvl="0" indent="0" rtl="0">
+              <a:spcBef>
+                <a:spcPts val="0"/>
+              </a:spcBef>
+              <a:spcAft>
+                <a:spcPts val="0"/>
+              </a:spcAft>
+              <a:buNone/>
+            </a:pPr>
+            <a:r>
+              <a:rPr lang="en" sz="800" dirty="0">
                 <a:solidFill>
                   <a:schemeClr val="dk1"/>
                 </a:solidFill>
               </a:rPr>
               <a:t>    pres=input("Which U.S. president was born on July 4? " )</a:t>
             </a:r>
-            <a:endParaRPr sz="800">
-              <a:solidFill>
-                <a:schemeClr val="dk1"/>
-              </a:solidFill>
-            </a:endParaRPr>
-          </a:p>
-          <a:p>
-            <a:pPr indent="0" lvl="0" marL="1371600" rtl="0">
-              <a:spcBef>
-                <a:spcPts val="0"/>
-              </a:spcBef>
-              <a:spcAft>
-                <a:spcPts val="0"/>
-              </a:spcAft>
-              <a:buNone/>
-            </a:pPr>
-            <a:r>
-              <a:rPr lang="en" sz="800">
+            <a:endParaRPr sz="800" dirty="0">
+              <a:solidFill>
+                <a:schemeClr val="dk1"/>
+              </a:solidFill>
+            </a:endParaRPr>
+          </a:p>
+          <a:p>
+            <a:pPr marL="1371600" lvl="0" indent="0" rtl="0">
+              <a:spcBef>
+                <a:spcPts val="0"/>
+              </a:spcBef>
+              <a:spcAft>
+                <a:spcPts val="0"/>
+              </a:spcAft>
+              <a:buNone/>
+            </a:pPr>
+            <a:r>
+              <a:rPr lang="en" sz="800" dirty="0">
                 <a:solidFill>
                   <a:schemeClr val="dk1"/>
                 </a:solidFill>
               </a:rPr>
               <a:t>    if pres=="Calvin Coolidge":</a:t>
             </a:r>
-            <a:endParaRPr sz="800">
-              <a:solidFill>
-                <a:schemeClr val="dk1"/>
-              </a:solidFill>
-            </a:endParaRPr>
-          </a:p>
-          <a:p>
-            <a:pPr indent="0" lvl="0" marL="1371600" rtl="0">
-              <a:spcBef>
-                <a:spcPts val="0"/>
-              </a:spcBef>
-              <a:spcAft>
-                <a:spcPts val="0"/>
-              </a:spcAft>
-              <a:buNone/>
-            </a:pPr>
-            <a:r>
-              <a:rPr lang="en" sz="800">
+            <a:endParaRPr sz="800" dirty="0">
+              <a:solidFill>
+                <a:schemeClr val="dk1"/>
+              </a:solidFill>
+            </a:endParaRPr>
+          </a:p>
+          <a:p>
+            <a:pPr marL="1371600" lvl="0" indent="0" rtl="0">
+              <a:spcBef>
+                <a:spcPts val="0"/>
+              </a:spcBef>
+              <a:spcAft>
+                <a:spcPts val="0"/>
+              </a:spcAft>
+              <a:buNone/>
+            </a:pPr>
+            <a:r>
+              <a:rPr lang="en" sz="800" dirty="0">
                 <a:solidFill>
                   <a:schemeClr val="dk1"/>
                 </a:solidFill>
               </a:rPr>
               <a:t>        print("That is correct!")</a:t>
             </a:r>
-            <a:endParaRPr sz="800">
-              <a:solidFill>
-                <a:schemeClr val="dk1"/>
-              </a:solidFill>
-            </a:endParaRPr>
-          </a:p>
-          <a:p>
-            <a:pPr indent="0" lvl="0" marL="1371600" rtl="0">
-              <a:spcBef>
-                <a:spcPts val="0"/>
-              </a:spcBef>
-              <a:spcAft>
-                <a:spcPts val="0"/>
-              </a:spcAft>
-              <a:buNone/>
-            </a:pPr>
-            <a:r>
-              <a:rPr lang="en" sz="800">
+            <a:endParaRPr sz="800" dirty="0">
+              <a:solidFill>
+                <a:schemeClr val="dk1"/>
+              </a:solidFill>
+            </a:endParaRPr>
+          </a:p>
+          <a:p>
+            <a:pPr marL="1371600" lvl="0" indent="0" rtl="0">
+              <a:spcBef>
+                <a:spcPts val="0"/>
+              </a:spcBef>
+              <a:spcAft>
+                <a:spcPts val="0"/>
+              </a:spcAft>
+              <a:buNone/>
+            </a:pPr>
+            <a:r>
+              <a:rPr lang="en" sz="800" dirty="0">
                 <a:solidFill>
                   <a:schemeClr val="dk1"/>
                 </a:solidFill>
               </a:rPr>
               <a:t>        break</a:t>
             </a:r>
-            <a:endParaRPr sz="800">
-              <a:solidFill>
-                <a:schemeClr val="dk1"/>
-              </a:solidFill>
-            </a:endParaRPr>
-          </a:p>
-          <a:p>
-            <a:pPr indent="0" lvl="0" marL="1371600" rtl="0">
-              <a:spcBef>
-                <a:spcPts val="0"/>
-              </a:spcBef>
-              <a:spcAft>
-                <a:spcPts val="0"/>
-              </a:spcAft>
-              <a:buNone/>
-            </a:pPr>
-            <a:r>
-              <a:rPr lang="en" sz="800">
+            <a:endParaRPr sz="800" dirty="0">
+              <a:solidFill>
+                <a:schemeClr val="dk1"/>
+              </a:solidFill>
+            </a:endParaRPr>
+          </a:p>
+          <a:p>
+            <a:pPr marL="1371600" lvl="0" indent="0" rtl="0">
+              <a:spcBef>
+                <a:spcPts val="0"/>
+              </a:spcBef>
+              <a:spcAft>
+                <a:spcPts val="0"/>
+              </a:spcAft>
+              <a:buNone/>
+            </a:pPr>
+            <a:r>
+              <a:rPr lang="en" sz="800" dirty="0">
                 <a:solidFill>
                   <a:schemeClr val="dk1"/>
                 </a:solidFill>
               </a:rPr>
               <a:t>    else:</a:t>
             </a:r>
-            <a:endParaRPr sz="800">
-              <a:solidFill>
-                <a:schemeClr val="dk1"/>
-              </a:solidFill>
-            </a:endParaRPr>
-          </a:p>
-          <a:p>
-            <a:pPr indent="0" lvl="0" marL="1371600" rtl="0">
-              <a:spcBef>
-                <a:spcPts val="0"/>
-              </a:spcBef>
-              <a:spcAft>
-                <a:spcPts val="0"/>
-              </a:spcAft>
-              <a:buNone/>
-            </a:pPr>
-            <a:r>
-              <a:rPr lang="en" sz="800">
+            <a:endParaRPr sz="800" dirty="0">
+              <a:solidFill>
+                <a:schemeClr val="dk1"/>
+              </a:solidFill>
+            </a:endParaRPr>
+          </a:p>
+          <a:p>
+            <a:pPr marL="1371600" lvl="0" indent="0" rtl="0">
+              <a:spcBef>
+                <a:spcPts val="0"/>
+              </a:spcBef>
+              <a:spcAft>
+                <a:spcPts val="0"/>
+              </a:spcAft>
+              <a:buNone/>
+            </a:pPr>
+            <a:r>
+              <a:rPr lang="en" sz="800" dirty="0">
                 <a:solidFill>
                   <a:schemeClr val="dk1"/>
                 </a:solidFill>
               </a:rPr>
               <a:t>        print("Nope, try again!")</a:t>
             </a:r>
-            <a:endParaRPr sz="800">
-              <a:solidFill>
-                <a:schemeClr val="dk1"/>
-              </a:solidFill>
-            </a:endParaRPr>
-          </a:p>
-          <a:p>
-            <a:pPr indent="-279400" lvl="0" marL="914400" rtl="0">
+            <a:endParaRPr sz="800" dirty="0">
+              <a:solidFill>
+                <a:schemeClr val="dk1"/>
+              </a:solidFill>
+            </a:endParaRPr>
+          </a:p>
+          <a:p>
+            <a:pPr marL="914400" lvl="0" indent="-279400" rtl="0">
               <a:spcBef>
                 <a:spcPts val="0"/>
               </a:spcBef>
@@ -6061,21 +6197,21 @@
               <a:buChar char="●"/>
             </a:pPr>
             <a:r>
-              <a:rPr lang="en" sz="800">
+              <a:rPr lang="en" sz="800" dirty="0">
                 <a:solidFill>
                   <a:schemeClr val="dk1"/>
                 </a:solidFill>
               </a:rPr>
               <a:t>range(start, stop, step)</a:t>
             </a:r>
-            <a:endParaRPr sz="800">
-              <a:solidFill>
-                <a:schemeClr val="dk1"/>
-              </a:solidFill>
-            </a:endParaRPr>
-          </a:p>
-          <a:p>
-            <a:pPr indent="-279400" lvl="0" marL="914400" rtl="0">
+            <a:endParaRPr sz="800" dirty="0">
+              <a:solidFill>
+                <a:schemeClr val="dk1"/>
+              </a:solidFill>
+            </a:endParaRPr>
+          </a:p>
+          <a:p>
+            <a:pPr marL="914400" lvl="0" indent="-279400" rtl="0">
               <a:spcBef>
                 <a:spcPts val="0"/>
               </a:spcBef>
@@ -6089,21 +6225,21 @@
               <a:buChar char="●"/>
             </a:pPr>
             <a:r>
-              <a:rPr lang="en" sz="800">
+              <a:rPr lang="en" sz="800" dirty="0">
                 <a:solidFill>
                   <a:schemeClr val="dk1"/>
                 </a:solidFill>
               </a:rPr>
               <a:t>Function: a set of statements that performs a specific task and can be executed by calling the name of the function</a:t>
             </a:r>
-            <a:endParaRPr sz="800">
-              <a:solidFill>
-                <a:schemeClr val="dk1"/>
-              </a:solidFill>
-            </a:endParaRPr>
-          </a:p>
-          <a:p>
-            <a:pPr indent="-279400" lvl="0" marL="914400" rtl="0">
+            <a:endParaRPr sz="800" dirty="0">
+              <a:solidFill>
+                <a:schemeClr val="dk1"/>
+              </a:solidFill>
+            </a:endParaRPr>
+          </a:p>
+          <a:p>
+            <a:pPr marL="914400" lvl="0" indent="-279400" rtl="0">
               <a:spcBef>
                 <a:spcPts val="0"/>
               </a:spcBef>
@@ -6117,21 +6253,21 @@
               <a:buChar char="●"/>
             </a:pPr>
             <a:r>
-              <a:rPr lang="en" sz="800">
+              <a:rPr lang="en" sz="800" dirty="0">
                 <a:solidFill>
                   <a:schemeClr val="dk1"/>
                 </a:solidFill>
               </a:rPr>
               <a:t>Round a number in a fancy print statement to 2 decimals</a:t>
             </a:r>
-            <a:endParaRPr sz="800">
-              <a:solidFill>
-                <a:schemeClr val="dk1"/>
-              </a:solidFill>
-            </a:endParaRPr>
-          </a:p>
-          <a:p>
-            <a:pPr indent="-279400" lvl="1" marL="1371600" rtl="0">
+            <a:endParaRPr sz="800" dirty="0">
+              <a:solidFill>
+                <a:schemeClr val="dk1"/>
+              </a:solidFill>
+            </a:endParaRPr>
+          </a:p>
+          <a:p>
+            <a:pPr marL="1371600" lvl="1" indent="-279400" rtl="0">
               <a:spcBef>
                 <a:spcPts val="0"/>
               </a:spcBef>
@@ -6145,7 +6281,7 @@
               <a:buChar char="○"/>
             </a:pPr>
             <a:r>
-              <a:rPr lang="en" sz="800">
+              <a:rPr lang="en" sz="800" dirty="0">
                 <a:solidFill>
                   <a:schemeClr val="dk1"/>
                 </a:solidFill>
@@ -6153,7 +6289,7 @@
               <a:t>Print(“I’ve got {</a:t>
             </a:r>
             <a:r>
-              <a:rPr b="1" lang="en" sz="800">
+              <a:rPr lang="en" sz="800" b="1" dirty="0">
                 <a:solidFill>
                   <a:schemeClr val="dk1"/>
                 </a:solidFill>
@@ -6161,21 +6297,21 @@
               <a:t>.:2f</a:t>
             </a:r>
             <a:r>
-              <a:rPr lang="en" sz="800">
+              <a:rPr lang="en" sz="800" dirty="0">
                 <a:solidFill>
                   <a:schemeClr val="dk1"/>
                 </a:solidFill>
               </a:rPr>
               <a:t>} problems!”.format(variable))</a:t>
             </a:r>
-            <a:endParaRPr sz="800">
-              <a:solidFill>
-                <a:schemeClr val="dk1"/>
-              </a:solidFill>
-            </a:endParaRPr>
-          </a:p>
-          <a:p>
-            <a:pPr indent="-279400" lvl="0" marL="457200" rtl="0">
+            <a:endParaRPr sz="800" dirty="0">
+              <a:solidFill>
+                <a:schemeClr val="dk1"/>
+              </a:solidFill>
+            </a:endParaRPr>
+          </a:p>
+          <a:p>
+            <a:pPr marL="457200" lvl="0" indent="-279400" rtl="0">
               <a:spcBef>
                 <a:spcPts val="0"/>
               </a:spcBef>
@@ -6189,21 +6325,21 @@
               <a:buChar char="➔"/>
             </a:pPr>
             <a:r>
-              <a:rPr lang="en" sz="800">
+              <a:rPr lang="en" sz="800" dirty="0">
                 <a:solidFill>
                   <a:schemeClr val="dk1"/>
                 </a:solidFill>
               </a:rPr>
               <a:t>Creating functions</a:t>
             </a:r>
-            <a:endParaRPr sz="800">
-              <a:solidFill>
-                <a:schemeClr val="dk1"/>
-              </a:solidFill>
-            </a:endParaRPr>
-          </a:p>
-          <a:p>
-            <a:pPr indent="-279400" lvl="1" marL="914400" rtl="0">
+            <a:endParaRPr sz="800" dirty="0">
+              <a:solidFill>
+                <a:schemeClr val="dk1"/>
+              </a:solidFill>
+            </a:endParaRPr>
+          </a:p>
+          <a:p>
+            <a:pPr marL="914400" lvl="1" indent="-279400" rtl="0">
               <a:spcBef>
                 <a:spcPts val="0"/>
               </a:spcBef>
@@ -6217,7 +6353,7 @@
               <a:buChar char="◆"/>
             </a:pPr>
             <a:r>
-              <a:rPr b="1" lang="en" sz="800">
+              <a:rPr lang="en" sz="800" b="1" dirty="0">
                 <a:solidFill>
                   <a:schemeClr val="dk1"/>
                 </a:solidFill>
@@ -6225,21 +6361,21 @@
               <a:t>Def </a:t>
             </a:r>
             <a:r>
-              <a:rPr lang="en" sz="800">
+              <a:rPr lang="en" sz="800" dirty="0">
                 <a:solidFill>
                   <a:schemeClr val="dk1"/>
                 </a:solidFill>
               </a:rPr>
               <a:t>sample_function(argument(s))</a:t>
             </a:r>
-            <a:endParaRPr sz="800">
-              <a:solidFill>
-                <a:schemeClr val="dk1"/>
-              </a:solidFill>
-            </a:endParaRPr>
-          </a:p>
-          <a:p>
-            <a:pPr indent="-279400" lvl="2" marL="1371600" rtl="0">
+            <a:endParaRPr sz="800" dirty="0">
+              <a:solidFill>
+                <a:schemeClr val="dk1"/>
+              </a:solidFill>
+            </a:endParaRPr>
+          </a:p>
+          <a:p>
+            <a:pPr marL="1371600" lvl="2" indent="-279400" rtl="0">
               <a:spcBef>
                 <a:spcPts val="0"/>
               </a:spcBef>
@@ -6253,21 +6389,21 @@
               <a:buChar char="●"/>
             </a:pPr>
             <a:r>
-              <a:rPr lang="en" sz="800">
+              <a:rPr lang="en" sz="800" dirty="0">
                 <a:solidFill>
                   <a:schemeClr val="dk1"/>
                 </a:solidFill>
               </a:rPr>
               <a:t>Body goes here</a:t>
             </a:r>
-            <a:endParaRPr sz="800">
-              <a:solidFill>
-                <a:schemeClr val="dk1"/>
-              </a:solidFill>
-            </a:endParaRPr>
-          </a:p>
-          <a:p>
-            <a:pPr indent="-279400" lvl="2" marL="1371600" rtl="0">
+            <a:endParaRPr sz="800" dirty="0">
+              <a:solidFill>
+                <a:schemeClr val="dk1"/>
+              </a:solidFill>
+            </a:endParaRPr>
+          </a:p>
+          <a:p>
+            <a:pPr marL="1371600" lvl="2" indent="-279400" rtl="0">
               <a:spcBef>
                 <a:spcPts val="0"/>
               </a:spcBef>
@@ -6281,7 +6417,7 @@
               <a:buChar char="●"/>
             </a:pPr>
             <a:r>
-              <a:rPr b="1" lang="en" sz="800">
+              <a:rPr lang="en" sz="800" b="1" dirty="0">
                 <a:solidFill>
                   <a:schemeClr val="dk1"/>
                 </a:solidFill>
@@ -6289,21 +6425,21 @@
               <a:t>Return </a:t>
             </a:r>
             <a:r>
-              <a:rPr lang="en" sz="800">
+              <a:rPr lang="en" sz="800" dirty="0">
                 <a:solidFill>
                   <a:schemeClr val="dk1"/>
                 </a:solidFill>
               </a:rPr>
               <a:t>{variable goes here}</a:t>
             </a:r>
-            <a:endParaRPr sz="800">
-              <a:solidFill>
-                <a:schemeClr val="dk1"/>
-              </a:solidFill>
-            </a:endParaRPr>
-          </a:p>
-          <a:p>
-            <a:pPr indent="-279400" lvl="0" marL="457200" rtl="0">
+            <a:endParaRPr sz="800" dirty="0">
+              <a:solidFill>
+                <a:schemeClr val="dk1"/>
+              </a:solidFill>
+            </a:endParaRPr>
+          </a:p>
+          <a:p>
+            <a:pPr marL="457200" lvl="0" indent="-279400" rtl="0">
               <a:spcBef>
                 <a:spcPts val="0"/>
               </a:spcBef>
@@ -6317,21 +6453,21 @@
               <a:buChar char="➔"/>
             </a:pPr>
             <a:r>
-              <a:rPr lang="en" sz="800">
+              <a:rPr lang="en" sz="800" dirty="0">
                 <a:solidFill>
                   <a:schemeClr val="dk1"/>
                 </a:solidFill>
               </a:rPr>
               <a:t>Lists and Dictionaries</a:t>
             </a:r>
-            <a:endParaRPr sz="800">
-              <a:solidFill>
-                <a:schemeClr val="dk1"/>
-              </a:solidFill>
-            </a:endParaRPr>
-          </a:p>
-          <a:p>
-            <a:pPr indent="-279400" lvl="1" marL="914400" rtl="0">
+            <a:endParaRPr sz="800" dirty="0">
+              <a:solidFill>
+                <a:schemeClr val="dk1"/>
+              </a:solidFill>
+            </a:endParaRPr>
+          </a:p>
+          <a:p>
+            <a:pPr marL="914400" lvl="1" indent="-279400" rtl="0">
               <a:spcBef>
                 <a:spcPts val="0"/>
               </a:spcBef>
@@ -6345,21 +6481,21 @@
               <a:buChar char="◆"/>
             </a:pPr>
             <a:r>
-              <a:rPr lang="en" sz="800">
+              <a:rPr lang="en" sz="800" dirty="0">
                 <a:solidFill>
                   <a:schemeClr val="dk1"/>
                 </a:solidFill>
               </a:rPr>
               <a:t>List functions (in format list_name.append())</a:t>
             </a:r>
-            <a:endParaRPr sz="800">
-              <a:solidFill>
-                <a:schemeClr val="dk1"/>
-              </a:solidFill>
-            </a:endParaRPr>
-          </a:p>
-          <a:p>
-            <a:pPr indent="-279400" lvl="2" marL="1371600" rtl="0">
+            <a:endParaRPr sz="800" dirty="0">
+              <a:solidFill>
+                <a:schemeClr val="dk1"/>
+              </a:solidFill>
+            </a:endParaRPr>
+          </a:p>
+          <a:p>
+            <a:pPr marL="1371600" lvl="2" indent="-279400" rtl="0">
               <a:spcBef>
                 <a:spcPts val="0"/>
               </a:spcBef>
@@ -6373,21 +6509,21 @@
               <a:buChar char="●"/>
             </a:pPr>
             <a:r>
-              <a:rPr lang="en" sz="800">
+              <a:rPr lang="en" sz="800" dirty="0">
                 <a:solidFill>
                   <a:schemeClr val="dk1"/>
                 </a:solidFill>
               </a:rPr>
               <a:t>append():used to append an element at the very end of the list</a:t>
             </a:r>
-            <a:endParaRPr sz="800">
-              <a:solidFill>
-                <a:schemeClr val="dk1"/>
-              </a:solidFill>
-            </a:endParaRPr>
-          </a:p>
-          <a:p>
-            <a:pPr indent="-279400" lvl="2" marL="1371600" rtl="0">
+            <a:endParaRPr sz="800" dirty="0">
+              <a:solidFill>
+                <a:schemeClr val="dk1"/>
+              </a:solidFill>
+            </a:endParaRPr>
+          </a:p>
+          <a:p>
+            <a:pPr marL="1371600" lvl="2" indent="-279400" rtl="0">
               <a:spcBef>
                 <a:spcPts val="0"/>
               </a:spcBef>
@@ -6401,21 +6537,21 @@
               <a:buChar char="●"/>
             </a:pPr>
             <a:r>
-              <a:rPr lang="en" sz="800">
+              <a:rPr lang="en" sz="800" dirty="0">
                 <a:solidFill>
                   <a:schemeClr val="dk1"/>
                 </a:solidFill>
               </a:rPr>
               <a:t>insert(spot, what): used to insert at any location</a:t>
             </a:r>
-            <a:endParaRPr sz="800">
-              <a:solidFill>
-                <a:schemeClr val="dk1"/>
-              </a:solidFill>
-            </a:endParaRPr>
-          </a:p>
-          <a:p>
-            <a:pPr indent="-279400" lvl="2" marL="1371600" rtl="0">
+            <a:endParaRPr sz="800" dirty="0">
+              <a:solidFill>
+                <a:schemeClr val="dk1"/>
+              </a:solidFill>
+            </a:endParaRPr>
+          </a:p>
+          <a:p>
+            <a:pPr marL="1371600" lvl="2" indent="-279400" rtl="0">
               <a:spcBef>
                 <a:spcPts val="0"/>
               </a:spcBef>
@@ -6429,21 +6565,21 @@
               <a:buChar char="●"/>
             </a:pPr>
             <a:r>
-              <a:rPr lang="en" sz="800">
+              <a:rPr lang="en" sz="800" dirty="0">
                 <a:solidFill>
                   <a:schemeClr val="dk1"/>
                 </a:solidFill>
               </a:rPr>
               <a:t>remove(): remove a specific element from the list</a:t>
             </a:r>
-            <a:endParaRPr sz="800">
-              <a:solidFill>
-                <a:schemeClr val="dk1"/>
-              </a:solidFill>
-            </a:endParaRPr>
-          </a:p>
-          <a:p>
-            <a:pPr indent="-279400" lvl="2" marL="1371600" rtl="0">
+            <a:endParaRPr sz="800" dirty="0">
+              <a:solidFill>
+                <a:schemeClr val="dk1"/>
+              </a:solidFill>
+            </a:endParaRPr>
+          </a:p>
+          <a:p>
+            <a:pPr marL="1371600" lvl="2" indent="-279400" rtl="0">
               <a:spcBef>
                 <a:spcPts val="0"/>
               </a:spcBef>
@@ -6457,21 +6593,21 @@
               <a:buChar char="●"/>
             </a:pPr>
             <a:r>
-              <a:rPr lang="en" sz="800">
+              <a:rPr lang="en" sz="800" dirty="0">
                 <a:solidFill>
                   <a:schemeClr val="dk1"/>
                 </a:solidFill>
               </a:rPr>
               <a:t>sort(): sort the elements of a list</a:t>
             </a:r>
-            <a:endParaRPr sz="800">
-              <a:solidFill>
-                <a:schemeClr val="dk1"/>
-              </a:solidFill>
-            </a:endParaRPr>
-          </a:p>
-          <a:p>
-            <a:pPr indent="-279400" lvl="1" marL="914400" rtl="0">
+            <a:endParaRPr sz="800" dirty="0">
+              <a:solidFill>
+                <a:schemeClr val="dk1"/>
+              </a:solidFill>
+            </a:endParaRPr>
+          </a:p>
+          <a:p>
+            <a:pPr marL="914400" lvl="1" indent="-279400" rtl="0">
               <a:spcBef>
                 <a:spcPts val="0"/>
               </a:spcBef>
@@ -6485,21 +6621,21 @@
               <a:buChar char="◆"/>
             </a:pPr>
             <a:r>
-              <a:rPr lang="en" sz="800">
+              <a:rPr lang="en" sz="800" dirty="0">
                 <a:solidFill>
                   <a:schemeClr val="dk1"/>
                 </a:solidFill>
               </a:rPr>
               <a:t>List Comprehension: a one-line way to create a list from another list</a:t>
             </a:r>
-            <a:endParaRPr sz="800">
-              <a:solidFill>
-                <a:schemeClr val="dk1"/>
-              </a:solidFill>
-            </a:endParaRPr>
-          </a:p>
-          <a:p>
-            <a:pPr indent="-279400" lvl="2" marL="1371600" rtl="0">
+            <a:endParaRPr sz="800" dirty="0">
+              <a:solidFill>
+                <a:schemeClr val="dk1"/>
+              </a:solidFill>
+            </a:endParaRPr>
+          </a:p>
+          <a:p>
+            <a:pPr marL="1371600" lvl="2" indent="-279400" rtl="0">
               <a:spcBef>
                 <a:spcPts val="0"/>
               </a:spcBef>
@@ -6513,21 +6649,21 @@
               <a:buChar char="●"/>
             </a:pPr>
             <a:r>
-              <a:rPr lang="en" sz="800">
+              <a:rPr lang="en" sz="800" dirty="0">
                 <a:solidFill>
                   <a:schemeClr val="dk1"/>
                 </a:solidFill>
               </a:rPr>
               <a:t>Example: compre_list = [x+t for x in my_list]</a:t>
             </a:r>
-            <a:endParaRPr sz="800">
-              <a:solidFill>
-                <a:schemeClr val="dk1"/>
-              </a:solidFill>
-            </a:endParaRPr>
-          </a:p>
-          <a:p>
-            <a:pPr indent="-279400" lvl="2" marL="1371600" rtl="0">
+            <a:endParaRPr sz="800" dirty="0">
+              <a:solidFill>
+                <a:schemeClr val="dk1"/>
+              </a:solidFill>
+            </a:endParaRPr>
+          </a:p>
+          <a:p>
+            <a:pPr marL="1371600" lvl="2" indent="-279400" rtl="0">
               <a:spcBef>
                 <a:spcPts val="0"/>
               </a:spcBef>
@@ -6541,21 +6677,21 @@
               <a:buChar char="●"/>
             </a:pPr>
             <a:r>
-              <a:rPr lang="en" sz="800">
+              <a:rPr lang="en" sz="800" dirty="0">
                 <a:solidFill>
                   <a:schemeClr val="dk1"/>
                 </a:solidFill>
               </a:rPr>
               <a:t>List functions</a:t>
             </a:r>
-            <a:endParaRPr sz="800">
-              <a:solidFill>
-                <a:schemeClr val="dk1"/>
-              </a:solidFill>
-            </a:endParaRPr>
-          </a:p>
-          <a:p>
-            <a:pPr indent="-279400" lvl="3" marL="1828800" rtl="0">
+            <a:endParaRPr sz="800" dirty="0">
+              <a:solidFill>
+                <a:schemeClr val="dk1"/>
+              </a:solidFill>
+            </a:endParaRPr>
+          </a:p>
+          <a:p>
+            <a:pPr marL="1828800" lvl="3" indent="-279400" rtl="0">
               <a:spcBef>
                 <a:spcPts val="0"/>
               </a:spcBef>
@@ -6569,45 +6705,45 @@
               <a:buChar char="○"/>
             </a:pPr>
             <a:r>
-              <a:rPr lang="en" sz="800">
+              <a:rPr lang="en" sz="800" dirty="0">
                 <a:solidFill>
                   <a:schemeClr val="dk1"/>
                 </a:solidFill>
               </a:rPr>
               <a:t>len(list), sum(list), min(list), max(list)</a:t>
             </a:r>
-            <a:endParaRPr sz="800">
-              <a:solidFill>
-                <a:schemeClr val="dk1"/>
-              </a:solidFill>
-            </a:endParaRPr>
-          </a:p>
-          <a:p>
-            <a:pPr indent="0" lvl="0" marL="0" rtl="0">
-              <a:spcBef>
-                <a:spcPts val="0"/>
-              </a:spcBef>
-              <a:spcAft>
-                <a:spcPts val="0"/>
-              </a:spcAft>
-              <a:buNone/>
-            </a:pPr>
-            <a:r>
-              <a:rPr lang="en" sz="800">
+            <a:endParaRPr sz="800" dirty="0">
+              <a:solidFill>
+                <a:schemeClr val="dk1"/>
+              </a:solidFill>
+            </a:endParaRPr>
+          </a:p>
+          <a:p>
+            <a:pPr marL="0" lvl="0" indent="0" rtl="0">
+              <a:spcBef>
+                <a:spcPts val="0"/>
+              </a:spcBef>
+              <a:spcAft>
+                <a:spcPts val="0"/>
+              </a:spcAft>
+              <a:buNone/>
+            </a:pPr>
+            <a:r>
+              <a:rPr lang="en" sz="800" dirty="0">
                 <a:solidFill>
                   <a:schemeClr val="dk1"/>
                 </a:solidFill>
               </a:rPr>
               <a:t>NumPy</a:t>
             </a:r>
-            <a:endParaRPr sz="800">
-              <a:solidFill>
-                <a:schemeClr val="dk1"/>
-              </a:solidFill>
-            </a:endParaRPr>
-          </a:p>
-          <a:p>
-            <a:pPr indent="-279400" lvl="0" marL="457200" rtl="0">
+            <a:endParaRPr sz="800" dirty="0">
+              <a:solidFill>
+                <a:schemeClr val="dk1"/>
+              </a:solidFill>
+            </a:endParaRPr>
+          </a:p>
+          <a:p>
+            <a:pPr marL="457200" lvl="0" indent="-279400" rtl="0">
               <a:spcBef>
                 <a:spcPts val="0"/>
               </a:spcBef>
@@ -6621,45 +6757,45 @@
               <a:buChar char="➔"/>
             </a:pPr>
             <a:r>
-              <a:rPr lang="en" sz="800">
+              <a:rPr lang="en" sz="800" dirty="0">
                 <a:solidFill>
                   <a:schemeClr val="dk1"/>
                 </a:solidFill>
               </a:rPr>
               <a:t>Lists v. NumPy</a:t>
             </a:r>
-            <a:endParaRPr sz="800">
-              <a:solidFill>
-                <a:schemeClr val="dk1"/>
-              </a:solidFill>
-            </a:endParaRPr>
-          </a:p>
-          <a:p>
-            <a:pPr indent="0" lvl="0" marL="457200" rtl="0">
-              <a:spcBef>
-                <a:spcPts val="0"/>
-              </a:spcBef>
-              <a:spcAft>
-                <a:spcPts val="0"/>
-              </a:spcAft>
-              <a:buNone/>
-            </a:pPr>
-            <a:r>
-              <a:rPr lang="en" sz="800">
+            <a:endParaRPr sz="800" dirty="0">
+              <a:solidFill>
+                <a:schemeClr val="dk1"/>
+              </a:solidFill>
+            </a:endParaRPr>
+          </a:p>
+          <a:p>
+            <a:pPr marL="457200" lvl="0" indent="0" rtl="0">
+              <a:spcBef>
+                <a:spcPts val="0"/>
+              </a:spcBef>
+              <a:spcAft>
+                <a:spcPts val="0"/>
+              </a:spcAft>
+              <a:buNone/>
+            </a:pPr>
+            <a:r>
+              <a:rPr lang="en" sz="800" dirty="0">
                 <a:solidFill>
                   <a:schemeClr val="dk1"/>
                 </a:solidFill>
               </a:rPr>
               <a:t>Lists</a:t>
             </a:r>
-            <a:endParaRPr sz="800">
-              <a:solidFill>
-                <a:schemeClr val="dk1"/>
-              </a:solidFill>
-            </a:endParaRPr>
-          </a:p>
-          <a:p>
-            <a:pPr indent="-279400" lvl="1" marL="914400" rtl="0">
+            <a:endParaRPr sz="800" dirty="0">
+              <a:solidFill>
+                <a:schemeClr val="dk1"/>
+              </a:solidFill>
+            </a:endParaRPr>
+          </a:p>
+          <a:p>
+            <a:pPr marL="914400" lvl="1" indent="-279400" rtl="0">
               <a:spcBef>
                 <a:spcPts val="0"/>
               </a:spcBef>
@@ -6673,21 +6809,21 @@
               <a:buChar char="◆"/>
             </a:pPr>
             <a:r>
-              <a:rPr lang="en" sz="800">
+              <a:rPr lang="en" sz="800" dirty="0">
                 <a:solidFill>
                   <a:schemeClr val="dk1"/>
                 </a:solidFill>
               </a:rPr>
               <a:t>Useful for heterogeneous lists, inefficient for homogenous data</a:t>
             </a:r>
-            <a:endParaRPr sz="800">
-              <a:solidFill>
-                <a:schemeClr val="dk1"/>
-              </a:solidFill>
-            </a:endParaRPr>
-          </a:p>
-          <a:p>
-            <a:pPr indent="-279400" lvl="1" marL="914400" rtl="0">
+            <a:endParaRPr sz="800" dirty="0">
+              <a:solidFill>
+                <a:schemeClr val="dk1"/>
+              </a:solidFill>
+            </a:endParaRPr>
+          </a:p>
+          <a:p>
+            <a:pPr marL="914400" lvl="1" indent="-279400" rtl="0">
               <a:spcBef>
                 <a:spcPts val="0"/>
               </a:spcBef>
@@ -6701,45 +6837,45 @@
               <a:buChar char="◆"/>
             </a:pPr>
             <a:r>
-              <a:rPr lang="en" sz="800">
+              <a:rPr lang="en" sz="800" dirty="0">
                 <a:solidFill>
                   <a:schemeClr val="dk1"/>
                 </a:solidFill>
               </a:rPr>
               <a:t>Not contiguous memory allocation which would help time efficiency</a:t>
             </a:r>
-            <a:endParaRPr sz="800">
-              <a:solidFill>
-                <a:schemeClr val="dk1"/>
-              </a:solidFill>
-            </a:endParaRPr>
-          </a:p>
-          <a:p>
-            <a:pPr indent="0" lvl="0" marL="0" rtl="0">
-              <a:spcBef>
-                <a:spcPts val="0"/>
-              </a:spcBef>
-              <a:spcAft>
-                <a:spcPts val="0"/>
-              </a:spcAft>
-              <a:buNone/>
-            </a:pPr>
-            <a:r>
-              <a:rPr lang="en" sz="800">
+            <a:endParaRPr sz="800" dirty="0">
+              <a:solidFill>
+                <a:schemeClr val="dk1"/>
+              </a:solidFill>
+            </a:endParaRPr>
+          </a:p>
+          <a:p>
+            <a:pPr marL="0" lvl="0" indent="0" rtl="0">
+              <a:spcBef>
+                <a:spcPts val="0"/>
+              </a:spcBef>
+              <a:spcAft>
+                <a:spcPts val="0"/>
+              </a:spcAft>
+              <a:buNone/>
+            </a:pPr>
+            <a:r>
+              <a:rPr lang="en" sz="800" dirty="0">
                 <a:solidFill>
                   <a:schemeClr val="dk1"/>
                 </a:solidFill>
               </a:rPr>
               <a:t>	NumPy</a:t>
             </a:r>
-            <a:endParaRPr sz="800">
-              <a:solidFill>
-                <a:schemeClr val="dk1"/>
-              </a:solidFill>
-            </a:endParaRPr>
-          </a:p>
-          <a:p>
-            <a:pPr indent="-279400" lvl="1" marL="914400" rtl="0">
+            <a:endParaRPr sz="800" dirty="0">
+              <a:solidFill>
+                <a:schemeClr val="dk1"/>
+              </a:solidFill>
+            </a:endParaRPr>
+          </a:p>
+          <a:p>
+            <a:pPr marL="914400" lvl="1" indent="-279400" rtl="0">
               <a:spcBef>
                 <a:spcPts val="0"/>
               </a:spcBef>
@@ -6753,21 +6889,21 @@
               <a:buChar char="◆"/>
             </a:pPr>
             <a:r>
-              <a:rPr lang="en" sz="800">
+              <a:rPr lang="en" sz="800" dirty="0">
                 <a:solidFill>
                   <a:schemeClr val="dk1"/>
                 </a:solidFill>
               </a:rPr>
               <a:t>Efficiently store and operate on data arrays</a:t>
             </a:r>
-            <a:endParaRPr sz="800">
-              <a:solidFill>
-                <a:schemeClr val="dk1"/>
-              </a:solidFill>
-            </a:endParaRPr>
-          </a:p>
-          <a:p>
-            <a:pPr indent="-279400" lvl="1" marL="914400" rtl="0">
+            <a:endParaRPr sz="800" dirty="0">
+              <a:solidFill>
+                <a:schemeClr val="dk1"/>
+              </a:solidFill>
+            </a:endParaRPr>
+          </a:p>
+          <a:p>
+            <a:pPr marL="914400" lvl="1" indent="-279400" rtl="0">
               <a:spcBef>
                 <a:spcPts val="0"/>
               </a:spcBef>
@@ -6781,21 +6917,21 @@
               <a:buChar char="◆"/>
             </a:pPr>
             <a:r>
-              <a:rPr lang="en" sz="800">
+              <a:rPr lang="en" sz="800" dirty="0">
                 <a:solidFill>
                   <a:schemeClr val="dk1"/>
                 </a:solidFill>
               </a:rPr>
               <a:t>Need to include “import numpy as np”</a:t>
             </a:r>
-            <a:endParaRPr sz="800">
-              <a:solidFill>
-                <a:schemeClr val="dk1"/>
-              </a:solidFill>
-            </a:endParaRPr>
-          </a:p>
-          <a:p>
-            <a:pPr indent="-279400" lvl="0" marL="457200" rtl="0">
+            <a:endParaRPr sz="800" dirty="0">
+              <a:solidFill>
+                <a:schemeClr val="dk1"/>
+              </a:solidFill>
+            </a:endParaRPr>
+          </a:p>
+          <a:p>
+            <a:pPr marL="457200" lvl="0" indent="-279400" rtl="0">
               <a:spcBef>
                 <a:spcPts val="0"/>
               </a:spcBef>
@@ -6809,21 +6945,21 @@
               <a:buChar char="➔"/>
             </a:pPr>
             <a:r>
-              <a:rPr lang="en" sz="800">
+              <a:rPr lang="en" sz="800" dirty="0">
                 <a:solidFill>
                   <a:schemeClr val="dk1"/>
                 </a:solidFill>
               </a:rPr>
               <a:t>Create NumPy Arrays</a:t>
             </a:r>
-            <a:endParaRPr sz="800">
-              <a:solidFill>
-                <a:schemeClr val="dk1"/>
-              </a:solidFill>
-            </a:endParaRPr>
-          </a:p>
-          <a:p>
-            <a:pPr indent="-279400" lvl="1" marL="914400" rtl="0">
+            <a:endParaRPr sz="800" dirty="0">
+              <a:solidFill>
+                <a:schemeClr val="dk1"/>
+              </a:solidFill>
+            </a:endParaRPr>
+          </a:p>
+          <a:p>
+            <a:pPr marL="914400" lvl="1" indent="-279400" rtl="0">
               <a:spcBef>
                 <a:spcPts val="0"/>
               </a:spcBef>
@@ -6837,7 +6973,7 @@
               <a:buChar char="◆"/>
             </a:pPr>
             <a:r>
-              <a:rPr lang="en" sz="800">
+              <a:rPr lang="en" sz="800" dirty="0">
                 <a:solidFill>
                   <a:schemeClr val="dk1"/>
                 </a:solidFill>
@@ -6845,7 +6981,7 @@
               <a:t>From list: np.array(</a:t>
             </a:r>
             <a:r>
-              <a:rPr b="1" lang="en" sz="800">
+              <a:rPr lang="en" sz="800" b="1" dirty="0">
                 <a:solidFill>
                   <a:schemeClr val="dk1"/>
                 </a:solidFill>
@@ -6853,7 +6989,7 @@
               <a:t>[</a:t>
             </a:r>
             <a:r>
-              <a:rPr lang="en" sz="800">
+              <a:rPr lang="en" sz="800" dirty="0">
                 <a:solidFill>
                   <a:schemeClr val="dk1"/>
                 </a:solidFill>
@@ -6861,7 +6997,7 @@
               <a:t>list_name</a:t>
             </a:r>
             <a:r>
-              <a:rPr lang="en" sz="800">
+              <a:rPr lang="en" sz="800" dirty="0">
                 <a:solidFill>
                   <a:srgbClr val="0000FF"/>
                 </a:solidFill>
@@ -6869,7 +7005,7 @@
               <a:t>, dtype=int</a:t>
             </a:r>
             <a:r>
-              <a:rPr b="1" lang="en" sz="800">
+              <a:rPr lang="en" sz="800" b="1" dirty="0">
                 <a:solidFill>
                   <a:schemeClr val="dk1"/>
                 </a:solidFill>
@@ -6877,7 +7013,7 @@
               <a:t>]</a:t>
             </a:r>
             <a:r>
-              <a:rPr lang="en" sz="800">
+              <a:rPr lang="en" sz="800" dirty="0">
                 <a:solidFill>
                   <a:schemeClr val="dk1"/>
                 </a:solidFill>
@@ -6885,21 +7021,21 @@
               <a:t>)       </a:t>
             </a:r>
             <a:r>
-              <a:rPr i="1" lang="en" sz="800">
+              <a:rPr lang="en" sz="800" i="1" dirty="0">
                 <a:solidFill>
                   <a:srgbClr val="0000FF"/>
                 </a:solidFill>
               </a:rPr>
               <a:t>blue is optional to force d type</a:t>
             </a:r>
-            <a:endParaRPr i="1" sz="800">
+            <a:endParaRPr sz="800" i="1" dirty="0">
               <a:solidFill>
                 <a:srgbClr val="0000FF"/>
               </a:solidFill>
             </a:endParaRPr>
           </a:p>
           <a:p>
-            <a:pPr indent="-279400" lvl="1" marL="914400" rtl="0">
+            <a:pPr marL="914400" lvl="1" indent="-279400" rtl="0">
               <a:spcBef>
                 <a:spcPts val="0"/>
               </a:spcBef>
@@ -6913,21 +7049,21 @@
               <a:buChar char="◆"/>
             </a:pPr>
             <a:r>
-              <a:rPr lang="en" sz="800">
+              <a:rPr lang="en" sz="800" dirty="0">
                 <a:solidFill>
                   <a:schemeClr val="dk1"/>
                 </a:solidFill>
               </a:rPr>
               <a:t>np.zeros(5) will create an array of 5 zeros</a:t>
             </a:r>
-            <a:endParaRPr sz="800">
-              <a:solidFill>
-                <a:schemeClr val="dk1"/>
-              </a:solidFill>
-            </a:endParaRPr>
-          </a:p>
-          <a:p>
-            <a:pPr indent="-279400" lvl="1" marL="914400" rtl="0">
+            <a:endParaRPr sz="800" dirty="0">
+              <a:solidFill>
+                <a:schemeClr val="dk1"/>
+              </a:solidFill>
+            </a:endParaRPr>
+          </a:p>
+          <a:p>
+            <a:pPr marL="914400" lvl="1" indent="-279400" rtl="0">
               <a:spcBef>
                 <a:spcPts val="0"/>
               </a:spcBef>
@@ -6941,21 +7077,21 @@
               <a:buChar char="◆"/>
             </a:pPr>
             <a:r>
-              <a:rPr lang="en" sz="800">
+              <a:rPr lang="en" sz="800" dirty="0">
                 <a:solidFill>
                   <a:schemeClr val="dk1"/>
                 </a:solidFill>
               </a:rPr>
               <a:t>np.full(5, 3.14) will create an array of pi 5 times</a:t>
             </a:r>
-            <a:endParaRPr sz="800">
-              <a:solidFill>
-                <a:schemeClr val="dk1"/>
-              </a:solidFill>
-            </a:endParaRPr>
-          </a:p>
-          <a:p>
-            <a:pPr indent="-279400" lvl="1" marL="914400" rtl="0">
+            <a:endParaRPr sz="800" dirty="0">
+              <a:solidFill>
+                <a:schemeClr val="dk1"/>
+              </a:solidFill>
+            </a:endParaRPr>
+          </a:p>
+          <a:p>
+            <a:pPr marL="914400" lvl="1" indent="-279400" rtl="0">
               <a:spcBef>
                 <a:spcPts val="0"/>
               </a:spcBef>
@@ -6969,21 +7105,21 @@
               <a:buChar char="◆"/>
             </a:pPr>
             <a:r>
-              <a:rPr lang="en" sz="800">
+              <a:rPr lang="en" sz="800" dirty="0">
                 <a:solidFill>
                   <a:schemeClr val="dk1"/>
                 </a:solidFill>
               </a:rPr>
               <a:t>np.arange(10,25,5) will create the array ([10, 15, 20])</a:t>
             </a:r>
-            <a:endParaRPr sz="800">
-              <a:solidFill>
-                <a:schemeClr val="dk1"/>
-              </a:solidFill>
-            </a:endParaRPr>
-          </a:p>
-          <a:p>
-            <a:pPr indent="-279400" lvl="0" marL="457200" rtl="0">
+            <a:endParaRPr sz="800" dirty="0">
+              <a:solidFill>
+                <a:schemeClr val="dk1"/>
+              </a:solidFill>
+            </a:endParaRPr>
+          </a:p>
+          <a:p>
+            <a:pPr marL="457200" lvl="0" indent="-279400" rtl="0">
               <a:spcBef>
                 <a:spcPts val="0"/>
               </a:spcBef>
@@ -6997,21 +7133,21 @@
               <a:buChar char="➔"/>
             </a:pPr>
             <a:r>
-              <a:rPr lang="en" sz="800">
+              <a:rPr lang="en" sz="800" dirty="0">
                 <a:solidFill>
                   <a:schemeClr val="dk1"/>
                 </a:solidFill>
               </a:rPr>
               <a:t>Slicing/Masking 2D NumPy arrays</a:t>
             </a:r>
-            <a:endParaRPr sz="800">
-              <a:solidFill>
-                <a:schemeClr val="dk1"/>
-              </a:solidFill>
-            </a:endParaRPr>
-          </a:p>
-          <a:p>
-            <a:pPr indent="-279400" lvl="1" marL="914400" rtl="0">
+            <a:endParaRPr sz="800" dirty="0">
+              <a:solidFill>
+                <a:schemeClr val="dk1"/>
+              </a:solidFill>
+            </a:endParaRPr>
+          </a:p>
+          <a:p>
+            <a:pPr marL="914400" lvl="1" indent="-279400" rtl="0">
               <a:spcBef>
                 <a:spcPts val="0"/>
               </a:spcBef>
@@ -7025,21 +7161,21 @@
               <a:buChar char="◆"/>
             </a:pPr>
             <a:r>
-              <a:rPr lang="en" sz="800">
+              <a:rPr lang="en" sz="800" dirty="0">
                 <a:solidFill>
                   <a:schemeClr val="dk1"/>
                 </a:solidFill>
               </a:rPr>
               <a:t>array_name[array_name&lt;7] returns all values less than 7</a:t>
             </a:r>
-            <a:endParaRPr sz="800">
-              <a:solidFill>
-                <a:schemeClr val="dk1"/>
-              </a:solidFill>
-            </a:endParaRPr>
-          </a:p>
-          <a:p>
-            <a:pPr indent="-279400" lvl="1" marL="914400" rtl="0">
+            <a:endParaRPr sz="800" dirty="0">
+              <a:solidFill>
+                <a:schemeClr val="dk1"/>
+              </a:solidFill>
+            </a:endParaRPr>
+          </a:p>
+          <a:p>
+            <a:pPr marL="914400" lvl="1" indent="-279400" rtl="0">
               <a:spcBef>
                 <a:spcPts val="0"/>
               </a:spcBef>
@@ -7053,21 +7189,21 @@
               <a:buChar char="◆"/>
             </a:pPr>
             <a:r>
-              <a:rPr lang="en" sz="800">
+              <a:rPr lang="en" sz="800" dirty="0">
                 <a:solidFill>
                   <a:schemeClr val="dk1"/>
                 </a:solidFill>
               </a:rPr>
               <a:t>Ndarray slices are SEGMENTS not copies</a:t>
             </a:r>
-            <a:endParaRPr sz="800">
-              <a:solidFill>
-                <a:schemeClr val="dk1"/>
-              </a:solidFill>
-            </a:endParaRPr>
-          </a:p>
-          <a:p>
-            <a:pPr indent="-279400" lvl="2" marL="1371600" rtl="0">
+            <a:endParaRPr sz="800" dirty="0">
+              <a:solidFill>
+                <a:schemeClr val="dk1"/>
+              </a:solidFill>
+            </a:endParaRPr>
+          </a:p>
+          <a:p>
+            <a:pPr marL="1371600" lvl="2" indent="-279400" rtl="0">
               <a:spcBef>
                 <a:spcPts val="0"/>
               </a:spcBef>
@@ -7081,21 +7217,21 @@
               <a:buChar char="●"/>
             </a:pPr>
             <a:r>
-              <a:rPr lang="en" sz="800">
+              <a:rPr lang="en" sz="800" dirty="0">
                 <a:solidFill>
                   <a:schemeClr val="dk1"/>
                 </a:solidFill>
               </a:rPr>
               <a:t>When we use slice notation it returns a segment of the original. Change one, change both! Unlike list</a:t>
             </a:r>
-            <a:endParaRPr sz="800">
-              <a:solidFill>
-                <a:schemeClr val="dk1"/>
-              </a:solidFill>
-            </a:endParaRPr>
-          </a:p>
-          <a:p>
-            <a:pPr indent="-279400" lvl="1" marL="914400" rtl="0">
+            <a:endParaRPr sz="800" dirty="0">
+              <a:solidFill>
+                <a:schemeClr val="dk1"/>
+              </a:solidFill>
+            </a:endParaRPr>
+          </a:p>
+          <a:p>
+            <a:pPr marL="914400" lvl="1" indent="-279400" rtl="0">
               <a:spcBef>
                 <a:spcPts val="0"/>
               </a:spcBef>
@@ -7109,86 +7245,86 @@
               <a:buChar char="◆"/>
             </a:pPr>
             <a:r>
-              <a:rPr lang="en" sz="800">
+              <a:rPr lang="en" sz="800" dirty="0">
                 <a:solidFill>
                   <a:schemeClr val="dk1"/>
                 </a:solidFill>
               </a:rPr>
               <a:t>Let’s say we have array, called 2Darray:</a:t>
             </a:r>
-            <a:endParaRPr sz="800">
-              <a:solidFill>
-                <a:schemeClr val="dk1"/>
-              </a:solidFill>
-            </a:endParaRPr>
-          </a:p>
-          <a:p>
-            <a:pPr indent="0" lvl="0" marL="1371600" rtl="0">
-              <a:spcBef>
-                <a:spcPts val="0"/>
-              </a:spcBef>
-              <a:spcAft>
-                <a:spcPts val="0"/>
-              </a:spcAft>
-              <a:buNone/>
-            </a:pPr>
-            <a:r>
-              <a:rPr lang="en" sz="800">
+            <a:endParaRPr sz="800" dirty="0">
+              <a:solidFill>
+                <a:schemeClr val="dk1"/>
+              </a:solidFill>
+            </a:endParaRPr>
+          </a:p>
+          <a:p>
+            <a:pPr marL="1371600" lvl="0" indent="0" rtl="0">
+              <a:spcBef>
+                <a:spcPts val="0"/>
+              </a:spcBef>
+              <a:spcAft>
+                <a:spcPts val="0"/>
+              </a:spcAft>
+              <a:buNone/>
+            </a:pPr>
+            <a:r>
+              <a:rPr lang="en" sz="800" dirty="0">
                 <a:solidFill>
                   <a:schemeClr val="dk1"/>
                 </a:solidFill>
               </a:rPr>
               <a:t>1    2    3</a:t>
             </a:r>
-            <a:endParaRPr sz="800">
-              <a:solidFill>
-                <a:schemeClr val="dk1"/>
-              </a:solidFill>
-            </a:endParaRPr>
-          </a:p>
-          <a:p>
-            <a:pPr indent="0" lvl="0" marL="1371600" rtl="0">
-              <a:spcBef>
-                <a:spcPts val="0"/>
-              </a:spcBef>
-              <a:spcAft>
-                <a:spcPts val="0"/>
-              </a:spcAft>
-              <a:buNone/>
-            </a:pPr>
-            <a:r>
-              <a:rPr lang="en" sz="800">
+            <a:endParaRPr sz="800" dirty="0">
+              <a:solidFill>
+                <a:schemeClr val="dk1"/>
+              </a:solidFill>
+            </a:endParaRPr>
+          </a:p>
+          <a:p>
+            <a:pPr marL="1371600" lvl="0" indent="0" rtl="0">
+              <a:spcBef>
+                <a:spcPts val="0"/>
+              </a:spcBef>
+              <a:spcAft>
+                <a:spcPts val="0"/>
+              </a:spcAft>
+              <a:buNone/>
+            </a:pPr>
+            <a:r>
+              <a:rPr lang="en" sz="800" dirty="0">
                 <a:solidFill>
                   <a:schemeClr val="dk1"/>
                 </a:solidFill>
               </a:rPr>
               <a:t>4    5    6</a:t>
             </a:r>
-            <a:endParaRPr sz="800">
-              <a:solidFill>
-                <a:schemeClr val="dk1"/>
-              </a:solidFill>
-            </a:endParaRPr>
-          </a:p>
-          <a:p>
-            <a:pPr indent="0" lvl="0" marL="1371600" rtl="0">
-              <a:spcBef>
-                <a:spcPts val="0"/>
-              </a:spcBef>
-              <a:spcAft>
-                <a:spcPts val="0"/>
-              </a:spcAft>
-              <a:buNone/>
-            </a:pPr>
-            <a:r>
-              <a:rPr lang="en" sz="800">
+            <a:endParaRPr sz="800" dirty="0">
+              <a:solidFill>
+                <a:schemeClr val="dk1"/>
+              </a:solidFill>
+            </a:endParaRPr>
+          </a:p>
+          <a:p>
+            <a:pPr marL="1371600" lvl="0" indent="0" rtl="0">
+              <a:spcBef>
+                <a:spcPts val="0"/>
+              </a:spcBef>
+              <a:spcAft>
+                <a:spcPts val="0"/>
+              </a:spcAft>
+              <a:buNone/>
+            </a:pPr>
+            <a:r>
+              <a:rPr lang="en" sz="800" dirty="0">
                 <a:solidFill>
                   <a:schemeClr val="dk1"/>
                 </a:solidFill>
               </a:rPr>
               <a:t>7    8    9</a:t>
             </a:r>
-            <a:endParaRPr sz="800">
+            <a:endParaRPr sz="800" dirty="0">
               <a:solidFill>
                 <a:schemeClr val="dk1"/>
               </a:solidFill>
@@ -7216,23 +7352,20 @@
           </a:ln>
         </p:spPr>
         <p:txBody>
-          <a:bodyPr anchorCtr="0" anchor="ctr" bIns="91425" lIns="91425" spcFirstLastPara="1" rIns="91425" wrap="square" tIns="91425">
+          <a:bodyPr spcFirstLastPara="1" wrap="square" lIns="91425" tIns="91425" rIns="91425" bIns="91425" anchor="ctr" anchorCtr="0">
             <a:noAutofit/>
           </a:bodyPr>
           <a:lstStyle/>
           <a:p>
-            <a:pPr indent="0" lvl="0" marL="1371600" rtl="0">
-              <a:spcBef>
-                <a:spcPts val="0"/>
-              </a:spcBef>
-              <a:spcAft>
-                <a:spcPts val="0"/>
-              </a:spcAft>
-              <a:buNone/>
-            </a:pPr>
-            <a:r>
-              <a:t/>
-            </a:r>
+            <a:pPr marL="1371600" lvl="0" indent="0" rtl="0">
+              <a:spcBef>
+                <a:spcPts val="0"/>
+              </a:spcBef>
+              <a:spcAft>
+                <a:spcPts val="0"/>
+              </a:spcAft>
+              <a:buNone/>
+            </a:pPr>
             <a:endParaRPr sz="800">
               <a:solidFill>
                 <a:schemeClr val="dk1"/>
@@ -7240,7 +7373,7 @@
             </a:endParaRPr>
           </a:p>
           <a:p>
-            <a:pPr indent="-279400" lvl="1" marL="914400" rtl="0">
+            <a:pPr marL="914400" lvl="1" indent="-279400" rtl="0">
               <a:spcBef>
                 <a:spcPts val="0"/>
               </a:spcBef>
@@ -7268,7 +7401,7 @@
             </a:endParaRPr>
           </a:p>
           <a:p>
-            <a:pPr indent="-279400" lvl="1" marL="914400" rtl="0">
+            <a:pPr marL="914400" lvl="1" indent="-279400" rtl="0">
               <a:spcBef>
                 <a:spcPts val="0"/>
               </a:spcBef>
@@ -7296,7 +7429,7 @@
             </a:endParaRPr>
           </a:p>
           <a:p>
-            <a:pPr indent="0" lvl="0" marL="1371600" rtl="0">
+            <a:pPr marL="1371600" lvl="0" indent="0" rtl="0">
               <a:spcBef>
                 <a:spcPts val="0"/>
               </a:spcBef>
@@ -7320,7 +7453,7 @@
             </a:endParaRPr>
           </a:p>
           <a:p>
-            <a:pPr indent="0" lvl="0" marL="1371600" rtl="0">
+            <a:pPr marL="1371600" lvl="0" indent="0" rtl="0">
               <a:spcBef>
                 <a:spcPts val="0"/>
               </a:spcBef>
@@ -7344,7 +7477,7 @@
             </a:endParaRPr>
           </a:p>
           <a:p>
-            <a:pPr indent="0" lvl="0" marL="1371600" rtl="0">
+            <a:pPr marL="1371600" lvl="0" indent="0" rtl="0">
               <a:spcBef>
                 <a:spcPts val="0"/>
               </a:spcBef>
@@ -7368,7 +7501,7 @@
             </a:endParaRPr>
           </a:p>
           <a:p>
-            <a:pPr indent="-279400" lvl="1" marL="914400" rtl="0">
+            <a:pPr marL="914400" lvl="1" indent="-279400" rtl="0">
               <a:spcBef>
                 <a:spcPts val="0"/>
               </a:spcBef>
@@ -7396,7 +7529,7 @@
             </a:endParaRPr>
           </a:p>
           <a:p>
-            <a:pPr indent="0" lvl="0" marL="1371600" rtl="0">
+            <a:pPr marL="1371600" lvl="0" indent="0" rtl="0">
               <a:spcBef>
                 <a:spcPts val="0"/>
               </a:spcBef>
@@ -7420,7 +7553,7 @@
             </a:endParaRPr>
           </a:p>
           <a:p>
-            <a:pPr indent="-279400" lvl="0" marL="457200" rtl="0">
+            <a:pPr marL="457200" lvl="0" indent="-279400" rtl="0">
               <a:spcBef>
                 <a:spcPts val="0"/>
               </a:spcBef>
@@ -7448,7 +7581,7 @@
             </a:endParaRPr>
           </a:p>
           <a:p>
-            <a:pPr indent="-279400" lvl="1" marL="914400" rtl="0">
+            <a:pPr marL="914400" lvl="1" indent="-279400" rtl="0">
               <a:spcBef>
                 <a:spcPts val="0"/>
               </a:spcBef>
@@ -7476,7 +7609,7 @@
             </a:endParaRPr>
           </a:p>
           <a:p>
-            <a:pPr indent="-279400" lvl="1" marL="914400" rtl="0">
+            <a:pPr marL="914400" lvl="1" indent="-279400" rtl="0">
               <a:spcBef>
                 <a:spcPts val="0"/>
               </a:spcBef>
@@ -7504,7 +7637,7 @@
             </a:endParaRPr>
           </a:p>
           <a:p>
-            <a:pPr indent="-279400" lvl="1" marL="914400" rtl="0">
+            <a:pPr marL="914400" lvl="1" indent="-279400" rtl="0">
               <a:spcBef>
                 <a:spcPts val="0"/>
               </a:spcBef>
@@ -7532,7 +7665,7 @@
             </a:endParaRPr>
           </a:p>
           <a:p>
-            <a:pPr indent="-279400" lvl="1" marL="914400" rtl="0">
+            <a:pPr marL="914400" lvl="1" indent="-279400" rtl="0">
               <a:spcBef>
                 <a:spcPts val="0"/>
               </a:spcBef>
@@ -7546,7 +7679,7 @@
               <a:buChar char="◆"/>
             </a:pPr>
             <a:r>
-              <a:rPr i="1" lang="en" sz="800">
+              <a:rPr lang="en" sz="800" i="1">
                 <a:solidFill>
                   <a:schemeClr val="dk1"/>
                 </a:solidFill>
@@ -7568,7 +7701,7 @@
             </a:endParaRPr>
           </a:p>
           <a:p>
-            <a:pPr indent="-279400" lvl="1" marL="914400" rtl="0">
+            <a:pPr marL="914400" lvl="1" indent="-279400" rtl="0">
               <a:spcBef>
                 <a:spcPts val="0"/>
               </a:spcBef>
@@ -7589,14 +7722,14 @@
               </a:rPr>
               <a:t>np.argsort() ⇒ returns the indices that would sort an array</a:t>
             </a:r>
-            <a:endParaRPr b="1" sz="800">
-              <a:solidFill>
-                <a:schemeClr val="dk1"/>
-              </a:solidFill>
-            </a:endParaRPr>
-          </a:p>
-          <a:p>
-            <a:pPr indent="-279400" lvl="0" marL="457200" rtl="0">
+            <a:endParaRPr sz="800" b="1">
+              <a:solidFill>
+                <a:schemeClr val="dk1"/>
+              </a:solidFill>
+            </a:endParaRPr>
+          </a:p>
+          <a:p>
+            <a:pPr marL="457200" lvl="0" indent="-279400" rtl="0">
               <a:spcBef>
                 <a:spcPts val="0"/>
               </a:spcBef>
@@ -7624,7 +7757,7 @@
             </a:endParaRPr>
           </a:p>
           <a:p>
-            <a:pPr indent="-279400" lvl="1" marL="914400" rtl="0">
+            <a:pPr marL="914400" lvl="1" indent="-279400" rtl="0">
               <a:spcBef>
                 <a:spcPts val="0"/>
               </a:spcBef>
@@ -7652,7 +7785,7 @@
             </a:endParaRPr>
           </a:p>
           <a:p>
-            <a:pPr indent="-279400" lvl="1" marL="914400" rtl="0">
+            <a:pPr marL="914400" lvl="1" indent="-279400" rtl="0">
               <a:spcBef>
                 <a:spcPts val="0"/>
               </a:spcBef>
@@ -7680,7 +7813,7 @@
             </a:endParaRPr>
           </a:p>
           <a:p>
-            <a:pPr indent="-279400" lvl="1" marL="914400" rtl="0">
+            <a:pPr marL="914400" lvl="1" indent="-279400" rtl="0">
               <a:spcBef>
                 <a:spcPts val="0"/>
               </a:spcBef>
@@ -7708,7 +7841,7 @@
             </a:endParaRPr>
           </a:p>
           <a:p>
-            <a:pPr indent="-279400" lvl="2" marL="1371600" rtl="0">
+            <a:pPr marL="1371600" lvl="2" indent="-279400" rtl="0">
               <a:spcBef>
                 <a:spcPts val="0"/>
               </a:spcBef>
@@ -7736,7 +7869,7 @@
             </a:endParaRPr>
           </a:p>
           <a:p>
-            <a:pPr indent="-279400" lvl="2" marL="1371600" rtl="0">
+            <a:pPr marL="1371600" lvl="2" indent="-279400" rtl="0">
               <a:spcBef>
                 <a:spcPts val="0"/>
               </a:spcBef>
@@ -7764,7 +7897,7 @@
             </a:endParaRPr>
           </a:p>
           <a:p>
-            <a:pPr indent="-279400" lvl="2" marL="1371600" rtl="0">
+            <a:pPr marL="1371600" lvl="2" indent="-279400" rtl="0">
               <a:spcBef>
                 <a:spcPts val="0"/>
               </a:spcBef>
@@ -7792,7 +7925,7 @@
             </a:endParaRPr>
           </a:p>
           <a:p>
-            <a:pPr indent="-279400" lvl="2" marL="1371600" rtl="0">
+            <a:pPr marL="1371600" lvl="2" indent="-279400" rtl="0">
               <a:spcBef>
                 <a:spcPts val="0"/>
               </a:spcBef>
@@ -7820,7 +7953,7 @@
             </a:endParaRPr>
           </a:p>
           <a:p>
-            <a:pPr indent="-279400" lvl="2" marL="1371600" rtl="0">
+            <a:pPr marL="1371600" lvl="2" indent="-279400" rtl="0">
               <a:spcBef>
                 <a:spcPts val="0"/>
               </a:spcBef>
@@ -7848,7 +7981,7 @@
             </a:endParaRPr>
           </a:p>
           <a:p>
-            <a:pPr indent="-279400" lvl="2" marL="1371600" rtl="0">
+            <a:pPr marL="1371600" lvl="2" indent="-279400" rtl="0">
               <a:spcBef>
                 <a:spcPts val="0"/>
               </a:spcBef>
@@ -7876,7 +8009,7 @@
             </a:endParaRPr>
           </a:p>
           <a:p>
-            <a:pPr indent="-279400" lvl="2" marL="1371600" rtl="0">
+            <a:pPr marL="1371600" lvl="2" indent="-279400" rtl="0">
               <a:spcBef>
                 <a:spcPts val="0"/>
               </a:spcBef>
@@ -7904,7 +8037,7 @@
             </a:endParaRPr>
           </a:p>
           <a:p>
-            <a:pPr indent="-279400" lvl="2" marL="1371600" rtl="0">
+            <a:pPr marL="1371600" lvl="2" indent="-279400" rtl="0">
               <a:spcBef>
                 <a:spcPts val="0"/>
               </a:spcBef>
@@ -7932,7 +8065,7 @@
             </a:endParaRPr>
           </a:p>
           <a:p>
-            <a:pPr indent="-279400" lvl="2" marL="1371600" rtl="0">
+            <a:pPr marL="1371600" lvl="2" indent="-279400" rtl="0">
               <a:spcBef>
                 <a:spcPts val="0"/>
               </a:spcBef>
@@ -7960,7 +8093,7 @@
             </a:endParaRPr>
           </a:p>
           <a:p>
-            <a:pPr indent="-279400" lvl="2" marL="1371600" rtl="0">
+            <a:pPr marL="1371600" lvl="2" indent="-279400" rtl="0">
               <a:spcBef>
                 <a:spcPts val="0"/>
               </a:spcBef>
@@ -7988,7 +8121,7 @@
             </a:endParaRPr>
           </a:p>
           <a:p>
-            <a:pPr indent="-279400" lvl="0" marL="457200" rtl="0">
+            <a:pPr marL="457200" lvl="0" indent="-279400" rtl="0">
               <a:spcBef>
                 <a:spcPts val="0"/>
               </a:spcBef>
@@ -8016,7 +8149,7 @@
             </a:endParaRPr>
           </a:p>
           <a:p>
-            <a:pPr indent="-279400" lvl="0" marL="457200" rtl="0">
+            <a:pPr marL="457200" lvl="0" indent="-279400" rtl="0">
               <a:spcBef>
                 <a:spcPts val="0"/>
               </a:spcBef>
@@ -8044,7 +8177,7 @@
             </a:endParaRPr>
           </a:p>
           <a:p>
-            <a:pPr indent="-279400" lvl="1" marL="914400" rtl="0">
+            <a:pPr marL="914400" lvl="1" indent="-279400" rtl="0">
               <a:spcBef>
                 <a:spcPts val="0"/>
               </a:spcBef>
@@ -8072,7 +8205,7 @@
             </a:endParaRPr>
           </a:p>
           <a:p>
-            <a:pPr indent="-279400" lvl="1" marL="914400" rtl="0">
+            <a:pPr marL="914400" lvl="1" indent="-279400" rtl="0">
               <a:spcBef>
                 <a:spcPts val="0"/>
               </a:spcBef>
@@ -8100,7 +8233,7 @@
             </a:endParaRPr>
           </a:p>
           <a:p>
-            <a:pPr indent="-279400" lvl="1" marL="914400" rtl="0">
+            <a:pPr marL="914400" lvl="1" indent="-279400" rtl="0">
               <a:spcBef>
                 <a:spcPts val="0"/>
               </a:spcBef>
@@ -8128,7 +8261,7 @@
             </a:endParaRPr>
           </a:p>
           <a:p>
-            <a:pPr indent="-279400" lvl="1" marL="914400" rtl="0">
+            <a:pPr marL="914400" lvl="1" indent="-279400" rtl="0">
               <a:spcBef>
                 <a:spcPts val="0"/>
               </a:spcBef>
@@ -8150,21 +8283,21 @@
               <a:t>Examples</a:t>
             </a:r>
             <a:r>
-              <a:rPr i="1" lang="en" sz="800">
+              <a:rPr lang="en" sz="800" i="1">
                 <a:solidFill>
                   <a:schemeClr val="dk1"/>
                 </a:solidFill>
               </a:rPr>
               <a:t> (Array Comparison)</a:t>
             </a:r>
-            <a:endParaRPr i="1" sz="800">
-              <a:solidFill>
-                <a:schemeClr val="dk1"/>
-              </a:solidFill>
-            </a:endParaRPr>
-          </a:p>
-          <a:p>
-            <a:pPr indent="-279400" lvl="2" marL="1371600" rtl="0">
+            <a:endParaRPr sz="800" i="1">
+              <a:solidFill>
+                <a:schemeClr val="dk1"/>
+              </a:solidFill>
+            </a:endParaRPr>
+          </a:p>
+          <a:p>
+            <a:pPr marL="1371600" lvl="2" indent="-279400" rtl="0">
               <a:spcBef>
                 <a:spcPts val="0"/>
               </a:spcBef>
@@ -8192,7 +8325,7 @@
             </a:endParaRPr>
           </a:p>
           <a:p>
-            <a:pPr indent="-279400" lvl="3" marL="1828800" rtl="0">
+            <a:pPr marL="1828800" lvl="3" indent="-279400" rtl="0">
               <a:spcBef>
                 <a:spcPts val="0"/>
               </a:spcBef>
@@ -8220,7 +8353,7 @@
             </a:endParaRPr>
           </a:p>
           <a:p>
-            <a:pPr indent="-279400" lvl="2" marL="1371600" rtl="0">
+            <a:pPr marL="1371600" lvl="2" indent="-279400" rtl="0">
               <a:spcBef>
                 <a:spcPts val="0"/>
               </a:spcBef>
@@ -8248,7 +8381,7 @@
             </a:endParaRPr>
           </a:p>
           <a:p>
-            <a:pPr indent="-279400" lvl="3" marL="1828800" rtl="0">
+            <a:pPr marL="1828800" lvl="3" indent="-279400" rtl="0">
               <a:spcBef>
                 <a:spcPts val="0"/>
               </a:spcBef>
@@ -8279,7 +8412,7 @@
             </a:endParaRPr>
           </a:p>
           <a:p>
-            <a:pPr indent="-279400" lvl="0" marL="457200" rtl="0">
+            <a:pPr marL="457200" lvl="0" indent="-279400" rtl="0">
               <a:spcBef>
                 <a:spcPts val="0"/>
               </a:spcBef>
@@ -8307,7 +8440,7 @@
             </a:endParaRPr>
           </a:p>
           <a:p>
-            <a:pPr indent="-279400" lvl="1" marL="914400" rtl="0">
+            <a:pPr marL="914400" lvl="1" indent="-279400" rtl="0">
               <a:spcBef>
                 <a:spcPts val="0"/>
               </a:spcBef>
@@ -8335,7 +8468,7 @@
             </a:endParaRPr>
           </a:p>
           <a:p>
-            <a:pPr indent="-279400" lvl="1" marL="914400" rtl="0">
+            <a:pPr marL="914400" lvl="1" indent="-279400" rtl="0">
               <a:spcBef>
                 <a:spcPts val="0"/>
               </a:spcBef>
@@ -8363,7 +8496,7 @@
             </a:endParaRPr>
           </a:p>
           <a:p>
-            <a:pPr indent="-279400" lvl="1" marL="914400" rtl="0">
+            <a:pPr marL="914400" lvl="1" indent="-279400" rtl="0">
               <a:spcBef>
                 <a:spcPts val="0"/>
               </a:spcBef>
@@ -8391,7 +8524,7 @@
             </a:endParaRPr>
           </a:p>
           <a:p>
-            <a:pPr indent="-279400" lvl="1" marL="914400" rtl="0">
+            <a:pPr marL="914400" lvl="1" indent="-279400" rtl="0">
               <a:spcBef>
                 <a:spcPts val="0"/>
               </a:spcBef>
@@ -8419,7 +8552,7 @@
             </a:endParaRPr>
           </a:p>
           <a:p>
-            <a:pPr indent="-279400" lvl="3" marL="1828800" rtl="0">
+            <a:pPr marL="1828800" lvl="3" indent="-279400" rtl="0">
               <a:spcBef>
                 <a:spcPts val="0"/>
               </a:spcBef>
@@ -8447,7 +8580,7 @@
             </a:endParaRPr>
           </a:p>
           <a:p>
-            <a:pPr indent="0" lvl="0" marL="0" rtl="0">
+            <a:pPr marL="0" lvl="0" indent="0" rtl="0">
               <a:spcBef>
                 <a:spcPts val="0"/>
               </a:spcBef>
@@ -8471,7 +8604,7 @@
             </a:endParaRPr>
           </a:p>
           <a:p>
-            <a:pPr indent="-279400" lvl="0" marL="457200" rtl="0">
+            <a:pPr marL="457200" lvl="0" indent="-279400" rtl="0">
               <a:spcBef>
                 <a:spcPts val="0"/>
               </a:spcBef>
@@ -8499,7 +8632,7 @@
             </a:endParaRPr>
           </a:p>
           <a:p>
-            <a:pPr indent="-279400" lvl="1" marL="914400" rtl="0">
+            <a:pPr marL="914400" lvl="1" indent="-279400" rtl="0">
               <a:spcBef>
                 <a:spcPts val="0"/>
               </a:spcBef>
@@ -8527,7 +8660,7 @@
             </a:endParaRPr>
           </a:p>
           <a:p>
-            <a:pPr indent="-279400" lvl="1" marL="914400" rtl="0">
+            <a:pPr marL="914400" lvl="1" indent="-279400" rtl="0">
               <a:spcBef>
                 <a:spcPts val="0"/>
               </a:spcBef>
@@ -8555,7 +8688,7 @@
             </a:endParaRPr>
           </a:p>
           <a:p>
-            <a:pPr indent="-279400" lvl="2" marL="1371600" rtl="0">
+            <a:pPr marL="1371600" lvl="2" indent="-279400" rtl="0">
               <a:spcBef>
                 <a:spcPts val="0"/>
               </a:spcBef>
@@ -8583,7 +8716,7 @@
             </a:endParaRPr>
           </a:p>
           <a:p>
-            <a:pPr indent="-279400" lvl="0" marL="457200" rtl="0">
+            <a:pPr marL="457200" lvl="0" indent="-279400" rtl="0">
               <a:spcBef>
                 <a:spcPts val="0"/>
               </a:spcBef>
@@ -8611,7 +8744,7 @@
             </a:endParaRPr>
           </a:p>
           <a:p>
-            <a:pPr indent="-279400" lvl="1" marL="914400" rtl="0">
+            <a:pPr marL="914400" lvl="1" indent="-279400" rtl="0">
               <a:spcBef>
                 <a:spcPts val="0"/>
               </a:spcBef>
@@ -8639,7 +8772,7 @@
             </a:endParaRPr>
           </a:p>
           <a:p>
-            <a:pPr indent="-279400" lvl="1" marL="914400" rtl="0">
+            <a:pPr marL="914400" lvl="1" indent="-279400" rtl="0">
               <a:spcBef>
                 <a:spcPts val="0"/>
               </a:spcBef>
@@ -8661,7 +8794,7 @@
               <a:t>athletes_data[‘Class’]==’FR’ will return a </a:t>
             </a:r>
             <a:r>
-              <a:rPr b="1" lang="en" sz="800">
+              <a:rPr lang="en" sz="800" b="1">
                 <a:solidFill>
                   <a:schemeClr val="dk1"/>
                 </a:solidFill>
@@ -8683,7 +8816,7 @@
             </a:endParaRPr>
           </a:p>
           <a:p>
-            <a:pPr indent="-279400" lvl="2" marL="1371600" rtl="0">
+            <a:pPr marL="1371600" lvl="2" indent="-279400" rtl="0">
               <a:spcBef>
                 <a:spcPts val="0"/>
               </a:spcBef>
@@ -8711,7 +8844,7 @@
             </a:endParaRPr>
           </a:p>
           <a:p>
-            <a:pPr indent="-279400" lvl="1" marL="914400" rtl="0">
+            <a:pPr marL="914400" lvl="1" indent="-279400" rtl="0">
               <a:spcBef>
                 <a:spcPts val="0"/>
               </a:spcBef>
@@ -8739,7 +8872,7 @@
             </a:endParaRPr>
           </a:p>
           <a:p>
-            <a:pPr indent="-279400" lvl="1" marL="914400" rtl="0">
+            <a:pPr marL="914400" lvl="1" indent="-279400" rtl="0">
               <a:spcBef>
                 <a:spcPts val="0"/>
               </a:spcBef>
@@ -8753,21 +8886,21 @@
               <a:buChar char="◆"/>
             </a:pPr>
             <a:r>
-              <a:rPr b="1" lang="en" sz="800">
+              <a:rPr lang="en" sz="800" b="1">
                 <a:solidFill>
                   <a:schemeClr val="dk1"/>
                 </a:solidFill>
               </a:rPr>
               <a:t>Have to use iloc or loc when slicing/masking a dataframe</a:t>
             </a:r>
-            <a:endParaRPr b="1" sz="800">
-              <a:solidFill>
-                <a:schemeClr val="dk1"/>
-              </a:solidFill>
-            </a:endParaRPr>
-          </a:p>
-          <a:p>
-            <a:pPr indent="-279400" lvl="2" marL="1371600" rtl="0">
+            <a:endParaRPr sz="800" b="1">
+              <a:solidFill>
+                <a:schemeClr val="dk1"/>
+              </a:solidFill>
+            </a:endParaRPr>
+          </a:p>
+          <a:p>
+            <a:pPr marL="1371600" lvl="2" indent="-279400" rtl="0">
               <a:spcBef>
                 <a:spcPts val="0"/>
               </a:spcBef>
@@ -8795,7 +8928,7 @@
             </a:endParaRPr>
           </a:p>
           <a:p>
-            <a:pPr indent="-279400" lvl="2" marL="1371600" rtl="0">
+            <a:pPr marL="1371600" lvl="2" indent="-279400" rtl="0">
               <a:spcBef>
                 <a:spcPts val="0"/>
               </a:spcBef>
@@ -8823,7 +8956,7 @@
             </a:endParaRPr>
           </a:p>
           <a:p>
-            <a:pPr indent="-279400" lvl="0" marL="457200" rtl="0">
+            <a:pPr marL="457200" lvl="0" indent="-279400" rtl="0">
               <a:spcBef>
                 <a:spcPts val="0"/>
               </a:spcBef>
@@ -8851,7 +8984,7 @@
             </a:endParaRPr>
           </a:p>
           <a:p>
-            <a:pPr indent="-279400" lvl="1" marL="914400" rtl="0">
+            <a:pPr marL="914400" lvl="1" indent="-279400" rtl="0">
               <a:spcBef>
                 <a:spcPts val="0"/>
               </a:spcBef>
@@ -8879,18 +9012,15 @@
             </a:endParaRPr>
           </a:p>
           <a:p>
-            <a:pPr indent="0" lvl="0" marL="0" rtl="0">
-              <a:spcBef>
-                <a:spcPts val="0"/>
-              </a:spcBef>
-              <a:spcAft>
-                <a:spcPts val="0"/>
-              </a:spcAft>
-              <a:buNone/>
-            </a:pPr>
-            <a:r>
-              <a:t/>
-            </a:r>
+            <a:pPr marL="0" lvl="0" indent="0" rtl="0">
+              <a:spcBef>
+                <a:spcPts val="0"/>
+              </a:spcBef>
+              <a:spcAft>
+                <a:spcPts val="0"/>
+              </a:spcAft>
+              <a:buNone/>
+            </a:pPr>
             <a:endParaRPr sz="800">
               <a:solidFill>
                 <a:schemeClr val="dk1"/>
@@ -8908,11 +9038,11 @@
 </file>
 
 <file path=ppt/slides/slide2.xml><?xml version="1.0" encoding="utf-8"?>
-<p:sld xmlns:a="http://schemas.openxmlformats.org/drawingml/2006/main" xmlns:r="http://schemas.openxmlformats.org/officeDocument/2006/relationships" xmlns:mc="http://schemas.openxmlformats.org/markup-compatibility/2006" xmlns:mv="urn:schemas-microsoft-com:mac:vml" xmlns:p="http://schemas.openxmlformats.org/presentationml/2006/main" xmlns:c="http://schemas.openxmlformats.org/drawingml/2006/chart" xmlns:dgm="http://schemas.openxmlformats.org/drawingml/2006/diagram" xmlns:o="urn:schemas-microsoft-com:office:office" xmlns:v="urn:schemas-microsoft-com:vml" xmlns:pvml="urn:schemas-microsoft-com:office:powerpoint" xmlns:com="http://schemas.openxmlformats.org/drawingml/2006/compatibility" xmlns:p14="http://schemas.microsoft.com/office/powerpoint/2010/main" xmlns:p15="http://schemas.microsoft.com/office/powerpoint/2012/main">
+<p:sld xmlns:a="http://schemas.openxmlformats.org/drawingml/2006/main" xmlns:r="http://schemas.openxmlformats.org/officeDocument/2006/relationships" xmlns:p="http://schemas.openxmlformats.org/presentationml/2006/main">
   <p:cSld>
     <p:spTree>
       <p:nvGrpSpPr>
-        <p:cNvPr id="59" name="Shape 59"/>
+        <p:cNvPr id="1" name="Shape 59"/>
         <p:cNvGrpSpPr/>
         <p:nvPr/>
       </p:nvGrpSpPr>
@@ -8944,23 +9074,20 @@
           </a:ln>
         </p:spPr>
         <p:txBody>
-          <a:bodyPr anchorCtr="0" anchor="ctr" bIns="91425" lIns="91425" spcFirstLastPara="1" rIns="91425" wrap="square" tIns="91425">
+          <a:bodyPr spcFirstLastPara="1" wrap="square" lIns="91425" tIns="91425" rIns="91425" bIns="91425" anchor="ctr" anchorCtr="0">
             <a:noAutofit/>
           </a:bodyPr>
           <a:lstStyle/>
           <a:p>
-            <a:pPr indent="0" lvl="0" marL="0" rtl="0">
-              <a:spcBef>
-                <a:spcPts val="0"/>
-              </a:spcBef>
-              <a:spcAft>
-                <a:spcPts val="0"/>
-              </a:spcAft>
-              <a:buNone/>
-            </a:pPr>
-            <a:r>
-              <a:t/>
-            </a:r>
+            <a:pPr marL="0" lvl="0" indent="0" rtl="0">
+              <a:spcBef>
+                <a:spcPts val="0"/>
+              </a:spcBef>
+              <a:spcAft>
+                <a:spcPts val="0"/>
+              </a:spcAft>
+              <a:buNone/>
+            </a:pPr>
             <a:endParaRPr sz="800">
               <a:solidFill>
                 <a:schemeClr val="dk1"/>
@@ -8968,7 +9095,7 @@
             </a:endParaRPr>
           </a:p>
           <a:p>
-            <a:pPr indent="-279400" lvl="1" marL="914400" rtl="0">
+            <a:pPr marL="914400" lvl="1" indent="-279400" rtl="0">
               <a:spcBef>
                 <a:spcPts val="0"/>
               </a:spcBef>
@@ -8996,7 +9123,7 @@
             </a:endParaRPr>
           </a:p>
           <a:p>
-            <a:pPr indent="-279400" lvl="2" marL="1371600" rtl="0">
+            <a:pPr marL="1371600" lvl="2" indent="-279400" rtl="0">
               <a:spcBef>
                 <a:spcPts val="0"/>
               </a:spcBef>
@@ -9024,7 +9151,7 @@
             </a:endParaRPr>
           </a:p>
           <a:p>
-            <a:pPr indent="-279400" lvl="2" marL="1371600" rtl="0">
+            <a:pPr marL="1371600" lvl="2" indent="-279400" rtl="0">
               <a:spcBef>
                 <a:spcPts val="0"/>
               </a:spcBef>
@@ -9052,7 +9179,7 @@
             </a:endParaRPr>
           </a:p>
           <a:p>
-            <a:pPr indent="-279400" lvl="0" marL="457200" rtl="0">
+            <a:pPr marL="457200" lvl="0" indent="-279400" rtl="0">
               <a:spcBef>
                 <a:spcPts val="0"/>
               </a:spcBef>
@@ -9080,7 +9207,7 @@
             </a:endParaRPr>
           </a:p>
           <a:p>
-            <a:pPr indent="-279400" lvl="1" marL="914400" rtl="0">
+            <a:pPr marL="914400" lvl="1" indent="-279400" rtl="0">
               <a:spcBef>
                 <a:spcPts val="0"/>
               </a:spcBef>
@@ -9108,7 +9235,7 @@
             </a:endParaRPr>
           </a:p>
           <a:p>
-            <a:pPr indent="-279400" lvl="2" marL="1371600" rtl="0">
+            <a:pPr marL="1371600" lvl="2" indent="-279400" rtl="0">
               <a:spcBef>
                 <a:spcPts val="0"/>
               </a:spcBef>
@@ -9136,7 +9263,7 @@
             </a:endParaRPr>
           </a:p>
           <a:p>
-            <a:pPr indent="-279400" lvl="2" marL="1371600" rtl="0">
+            <a:pPr marL="1371600" lvl="2" indent="-279400" rtl="0">
               <a:spcBef>
                 <a:spcPts val="0"/>
               </a:spcBef>
@@ -9164,7 +9291,7 @@
             </a:endParaRPr>
           </a:p>
           <a:p>
-            <a:pPr indent="-279400" lvl="3" marL="1828800" rtl="0">
+            <a:pPr marL="1828800" lvl="3" indent="-279400" rtl="0">
               <a:spcBef>
                 <a:spcPts val="0"/>
               </a:spcBef>
@@ -9192,7 +9319,7 @@
             </a:endParaRPr>
           </a:p>
           <a:p>
-            <a:pPr indent="-279400" lvl="2" marL="1371600" rtl="0">
+            <a:pPr marL="1371600" lvl="2" indent="-279400" rtl="0">
               <a:spcBef>
                 <a:spcPts val="0"/>
               </a:spcBef>
@@ -9214,7 +9341,7 @@
               <a:t>NaN is a </a:t>
             </a:r>
             <a:r>
-              <a:rPr b="1" lang="en" sz="800">
+              <a:rPr lang="en" sz="800" b="1">
                 <a:solidFill>
                   <a:schemeClr val="dk1"/>
                 </a:solidFill>
@@ -9236,7 +9363,7 @@
             </a:endParaRPr>
           </a:p>
           <a:p>
-            <a:pPr indent="-279400" lvl="1" marL="914400" rtl="0">
+            <a:pPr marL="914400" lvl="1" indent="-279400" rtl="0">
               <a:spcBef>
                 <a:spcPts val="0"/>
               </a:spcBef>
@@ -9264,7 +9391,7 @@
             </a:endParaRPr>
           </a:p>
           <a:p>
-            <a:pPr indent="-279400" lvl="2" marL="1371600" rtl="0">
+            <a:pPr marL="1371600" lvl="2" indent="-279400" rtl="0">
               <a:spcBef>
                 <a:spcPts val="0"/>
               </a:spcBef>
@@ -9292,7 +9419,7 @@
             </a:endParaRPr>
           </a:p>
           <a:p>
-            <a:pPr indent="-279400" lvl="2" marL="1371600" rtl="0">
+            <a:pPr marL="1371600" lvl="2" indent="-279400" rtl="0">
               <a:spcBef>
                 <a:spcPts val="0"/>
               </a:spcBef>
@@ -9362,7 +9489,7 @@
               <a:t>(only drops a row when </a:t>
             </a:r>
             <a:r>
-              <a:rPr b="1" lang="en" sz="800">
+              <a:rPr lang="en" sz="800" b="1">
                 <a:solidFill>
                   <a:schemeClr val="dk1"/>
                 </a:solidFill>
@@ -9384,7 +9511,7 @@
             </a:endParaRPr>
           </a:p>
           <a:p>
-            <a:pPr indent="-279400" lvl="2" marL="1371600" rtl="0">
+            <a:pPr marL="1371600" lvl="2" indent="-279400" rtl="0">
               <a:spcBef>
                 <a:spcPts val="0"/>
               </a:spcBef>
@@ -9412,7 +9539,7 @@
             </a:endParaRPr>
           </a:p>
           <a:p>
-            <a:pPr indent="-279400" lvl="2" marL="1371600" rtl="0">
+            <a:pPr marL="1371600" lvl="2" indent="-279400" rtl="0">
               <a:spcBef>
                 <a:spcPts val="0"/>
               </a:spcBef>
@@ -9440,7 +9567,7 @@
             </a:endParaRPr>
           </a:p>
           <a:p>
-            <a:pPr indent="-279400" lvl="3" marL="1828800" rtl="0">
+            <a:pPr marL="1828800" lvl="3" indent="-279400" rtl="0">
               <a:spcBef>
                 <a:spcPts val="0"/>
               </a:spcBef>
@@ -9468,7 +9595,7 @@
             </a:endParaRPr>
           </a:p>
           <a:p>
-            <a:pPr indent="-279400" lvl="3" marL="1828800" rtl="0">
+            <a:pPr marL="1828800" lvl="3" indent="-279400" rtl="0">
               <a:spcBef>
                 <a:spcPts val="0"/>
               </a:spcBef>
@@ -9496,7 +9623,7 @@
             </a:endParaRPr>
           </a:p>
           <a:p>
-            <a:pPr indent="-279400" lvl="4" marL="2286000" rtl="0">
+            <a:pPr marL="2286000" lvl="4" indent="-279400" rtl="0">
               <a:spcBef>
                 <a:spcPts val="0"/>
               </a:spcBef>
@@ -9524,7 +9651,7 @@
             </a:endParaRPr>
           </a:p>
           <a:p>
-            <a:pPr indent="-279400" lvl="4" marL="2286000" rtl="0">
+            <a:pPr marL="2286000" lvl="4" indent="-279400" rtl="0">
               <a:spcBef>
                 <a:spcPts val="0"/>
               </a:spcBef>
@@ -9552,7 +9679,7 @@
             </a:endParaRPr>
           </a:p>
           <a:p>
-            <a:pPr indent="-279400" lvl="0" marL="457200" rtl="0">
+            <a:pPr marL="457200" lvl="0" indent="-279400" rtl="0">
               <a:spcBef>
                 <a:spcPts val="0"/>
               </a:spcBef>
@@ -9580,7 +9707,7 @@
             </a:endParaRPr>
           </a:p>
           <a:p>
-            <a:pPr indent="-279400" lvl="1" marL="914400" rtl="0">
+            <a:pPr marL="914400" lvl="1" indent="-279400" rtl="0">
               <a:spcBef>
                 <a:spcPts val="0"/>
               </a:spcBef>
@@ -9602,21 +9729,21 @@
               <a:t>Pd.concat is pandas equivalent to np.concatenate</a:t>
             </a:r>
             <a:r>
-              <a:rPr b="1" lang="en" sz="800">
+              <a:rPr lang="en" sz="800" b="1">
                 <a:solidFill>
                   <a:schemeClr val="dk1"/>
                 </a:solidFill>
               </a:rPr>
               <a:t>(())</a:t>
             </a:r>
-            <a:endParaRPr b="1" sz="800">
-              <a:solidFill>
-                <a:schemeClr val="dk1"/>
-              </a:solidFill>
-            </a:endParaRPr>
-          </a:p>
-          <a:p>
-            <a:pPr indent="-279400" lvl="1" marL="914400" rtl="0">
+            <a:endParaRPr sz="800" b="1">
+              <a:solidFill>
+                <a:schemeClr val="dk1"/>
+              </a:solidFill>
+            </a:endParaRPr>
+          </a:p>
+          <a:p>
+            <a:pPr marL="914400" lvl="1" indent="-279400" rtl="0">
               <a:spcBef>
                 <a:spcPts val="0"/>
               </a:spcBef>
@@ -9660,7 +9787,7 @@
             </a:endParaRPr>
           </a:p>
           <a:p>
-            <a:pPr indent="-279400" lvl="2" marL="1371600" rtl="0">
+            <a:pPr marL="1371600" lvl="2" indent="-279400" rtl="0">
               <a:spcBef>
                 <a:spcPts val="0"/>
               </a:spcBef>
@@ -9682,7 +9809,7 @@
               <a:t>Can also add</a:t>
             </a:r>
             <a:r>
-              <a:rPr i="1" lang="en" sz="800">
+              <a:rPr lang="en" sz="800" i="1">
                 <a:solidFill>
                   <a:schemeClr val="dk1"/>
                 </a:solidFill>
@@ -9698,7 +9825,7 @@
               <a:t>or </a:t>
             </a:r>
             <a:r>
-              <a:rPr i="1" lang="en" sz="800">
+              <a:rPr lang="en" sz="800" i="1">
                 <a:solidFill>
                   <a:schemeClr val="dk1"/>
                 </a:solidFill>
@@ -9720,7 +9847,7 @@
             </a:endParaRPr>
           </a:p>
           <a:p>
-            <a:pPr indent="-279400" lvl="1" marL="914400" rtl="0">
+            <a:pPr marL="914400" lvl="1" indent="-279400" rtl="0">
               <a:spcBef>
                 <a:spcPts val="0"/>
               </a:spcBef>
@@ -9748,7 +9875,7 @@
             </a:endParaRPr>
           </a:p>
           <a:p>
-            <a:pPr indent="-279400" lvl="2" marL="1371600" rtl="0">
+            <a:pPr marL="1371600" lvl="2" indent="-279400" rtl="0">
               <a:spcBef>
                 <a:spcPts val="0"/>
               </a:spcBef>
@@ -9776,7 +9903,7 @@
             </a:endParaRPr>
           </a:p>
           <a:p>
-            <a:pPr indent="-279400" lvl="2" marL="1371600" rtl="0">
+            <a:pPr marL="1371600" lvl="2" indent="-279400" rtl="0">
               <a:spcBef>
                 <a:spcPts val="0"/>
               </a:spcBef>
@@ -9804,7 +9931,7 @@
             </a:endParaRPr>
           </a:p>
           <a:p>
-            <a:pPr indent="-279400" lvl="2" marL="1371600" rtl="0">
+            <a:pPr marL="1371600" lvl="2" indent="-279400" rtl="0">
               <a:spcBef>
                 <a:spcPts val="0"/>
               </a:spcBef>
@@ -9826,7 +9953,7 @@
               <a:t>Add in </a:t>
             </a:r>
             <a:r>
-              <a:rPr b="1" lang="en" sz="800">
+              <a:rPr lang="en" sz="800" b="1">
                 <a:solidFill>
                   <a:schemeClr val="dk1"/>
                 </a:solidFill>
@@ -9848,7 +9975,7 @@
             </a:endParaRPr>
           </a:p>
           <a:p>
-            <a:pPr indent="-279400" lvl="3" marL="1828800" rtl="0">
+            <a:pPr marL="1828800" lvl="3" indent="-279400" rtl="0">
               <a:spcBef>
                 <a:spcPts val="0"/>
               </a:spcBef>
@@ -9876,7 +10003,7 @@
             </a:endParaRPr>
           </a:p>
           <a:p>
-            <a:pPr indent="-279400" lvl="3" marL="1828800" rtl="0">
+            <a:pPr marL="1828800" lvl="3" indent="-279400" rtl="0">
               <a:spcBef>
                 <a:spcPts val="0"/>
               </a:spcBef>
@@ -9904,7 +10031,7 @@
             </a:endParaRPr>
           </a:p>
           <a:p>
-            <a:pPr indent="-279400" lvl="2" marL="1371600" rtl="0">
+            <a:pPr marL="1371600" lvl="2" indent="-279400" rtl="0">
               <a:spcBef>
                 <a:spcPts val="0"/>
               </a:spcBef>
@@ -9926,21 +10053,21 @@
               <a:t>Combining 2 dataframes by common </a:t>
             </a:r>
             <a:r>
-              <a:rPr b="1" lang="en" sz="800">
+              <a:rPr lang="en" sz="800" b="1">
                 <a:solidFill>
                   <a:schemeClr val="dk1"/>
                 </a:solidFill>
               </a:rPr>
               <a:t>column</a:t>
             </a:r>
-            <a:endParaRPr b="1" sz="800">
-              <a:solidFill>
-                <a:schemeClr val="dk1"/>
-              </a:solidFill>
-            </a:endParaRPr>
-          </a:p>
-          <a:p>
-            <a:pPr indent="-279400" lvl="3" marL="1828800" rtl="0">
+            <a:endParaRPr sz="800" b="1">
+              <a:solidFill>
+                <a:schemeClr val="dk1"/>
+              </a:solidFill>
+            </a:endParaRPr>
+          </a:p>
+          <a:p>
+            <a:pPr marL="1828800" lvl="3" indent="-279400" rtl="0">
               <a:spcBef>
                 <a:spcPts val="0"/>
               </a:spcBef>
@@ -9962,21 +10089,21 @@
               <a:t>use left_on and right_on for a common column </a:t>
             </a:r>
             <a:r>
-              <a:rPr b="1" lang="en" sz="800">
+              <a:rPr lang="en" sz="800" b="1">
                 <a:solidFill>
                   <a:schemeClr val="dk1"/>
                 </a:solidFill>
               </a:rPr>
               <a:t>that’s named differently</a:t>
             </a:r>
-            <a:endParaRPr b="1" sz="800">
-              <a:solidFill>
-                <a:schemeClr val="dk1"/>
-              </a:solidFill>
-            </a:endParaRPr>
-          </a:p>
-          <a:p>
-            <a:pPr indent="-279400" lvl="3" marL="1828800" rtl="0">
+            <a:endParaRPr sz="800" b="1">
+              <a:solidFill>
+                <a:schemeClr val="dk1"/>
+              </a:solidFill>
+            </a:endParaRPr>
+          </a:p>
+          <a:p>
+            <a:pPr marL="1828800" lvl="3" indent="-279400" rtl="0">
               <a:spcBef>
                 <a:spcPts val="0"/>
               </a:spcBef>
@@ -10004,7 +10131,7 @@
             </a:endParaRPr>
           </a:p>
           <a:p>
-            <a:pPr indent="-279400" lvl="3" marL="1828800" rtl="0">
+            <a:pPr marL="1828800" lvl="3" indent="-279400" rtl="0">
               <a:spcBef>
                 <a:spcPts val="0"/>
               </a:spcBef>
@@ -10032,7 +10159,7 @@
             </a:endParaRPr>
           </a:p>
           <a:p>
-            <a:pPr indent="-279400" lvl="2" marL="1371600" rtl="0">
+            <a:pPr marL="1371600" lvl="2" indent="-279400" rtl="0">
               <a:spcBef>
                 <a:spcPts val="0"/>
               </a:spcBef>
@@ -10054,21 +10181,21 @@
               <a:t>Combining 2 dataframes by common </a:t>
             </a:r>
             <a:r>
-              <a:rPr b="1" lang="en" sz="800">
+              <a:rPr lang="en" sz="800" b="1">
                 <a:solidFill>
                   <a:schemeClr val="dk1"/>
                 </a:solidFill>
               </a:rPr>
               <a:t>index</a:t>
             </a:r>
-            <a:endParaRPr b="1" sz="800">
-              <a:solidFill>
-                <a:schemeClr val="dk1"/>
-              </a:solidFill>
-            </a:endParaRPr>
-          </a:p>
-          <a:p>
-            <a:pPr indent="-279400" lvl="3" marL="1828800" rtl="0">
+            <a:endParaRPr sz="800" b="1">
+              <a:solidFill>
+                <a:schemeClr val="dk1"/>
+              </a:solidFill>
+            </a:endParaRPr>
+          </a:p>
+          <a:p>
+            <a:pPr marL="1828800" lvl="3" indent="-279400" rtl="0">
               <a:spcBef>
                 <a:spcPts val="0"/>
               </a:spcBef>
@@ -10120,7 +10247,7 @@
             </a:endParaRPr>
           </a:p>
           <a:p>
-            <a:pPr indent="-279400" lvl="3" marL="1828800" rtl="0">
+            <a:pPr marL="1828800" lvl="3" indent="-279400" rtl="0">
               <a:spcBef>
                 <a:spcPts val="0"/>
               </a:spcBef>
@@ -10148,7 +10275,7 @@
             </a:endParaRPr>
           </a:p>
           <a:p>
-            <a:pPr indent="-279400" lvl="2" marL="1371600" rtl="0">
+            <a:pPr marL="1371600" lvl="2" indent="-279400" rtl="0">
               <a:spcBef>
                 <a:spcPts val="0"/>
               </a:spcBef>
@@ -10162,21 +10289,21 @@
               <a:buChar char="●"/>
             </a:pPr>
             <a:r>
-              <a:rPr b="1" lang="en" sz="800">
+              <a:rPr lang="en" sz="800" b="1">
                 <a:solidFill>
                   <a:schemeClr val="dk1"/>
                 </a:solidFill>
               </a:rPr>
               <a:t>Might have to use left_on and right_index in the same line of code</a:t>
             </a:r>
-            <a:endParaRPr b="1" sz="800">
-              <a:solidFill>
-                <a:schemeClr val="dk1"/>
-              </a:solidFill>
-            </a:endParaRPr>
-          </a:p>
-          <a:p>
-            <a:pPr indent="-279400" lvl="2" marL="1371600" rtl="0">
+            <a:endParaRPr sz="800" b="1">
+              <a:solidFill>
+                <a:schemeClr val="dk1"/>
+              </a:solidFill>
+            </a:endParaRPr>
+          </a:p>
+          <a:p>
+            <a:pPr marL="1371600" lvl="2" indent="-279400" rtl="0">
               <a:spcBef>
                 <a:spcPts val="0"/>
               </a:spcBef>
@@ -10198,21 +10325,21 @@
               <a:t>Can also add in</a:t>
             </a:r>
             <a:r>
-              <a:rPr i="1" lang="en" sz="800">
+              <a:rPr lang="en" sz="800" i="1">
                 <a:solidFill>
                   <a:schemeClr val="dk1"/>
                 </a:solidFill>
               </a:rPr>
               <a:t> suffixes=('_x', '_y')</a:t>
             </a:r>
-            <a:endParaRPr i="1" sz="800">
-              <a:solidFill>
-                <a:schemeClr val="dk1"/>
-              </a:solidFill>
-            </a:endParaRPr>
-          </a:p>
-          <a:p>
-            <a:pPr indent="-279400" lvl="2" marL="1371600" rtl="0">
+            <a:endParaRPr sz="800" i="1">
+              <a:solidFill>
+                <a:schemeClr val="dk1"/>
+              </a:solidFill>
+            </a:endParaRPr>
+          </a:p>
+          <a:p>
+            <a:pPr marL="1371600" lvl="2" indent="-279400" rtl="0">
               <a:spcBef>
                 <a:spcPts val="0"/>
               </a:spcBef>
@@ -10256,7 +10383,7 @@
             </a:endParaRPr>
           </a:p>
           <a:p>
-            <a:pPr indent="-279400" lvl="0" marL="457200" rtl="0">
+            <a:pPr marL="457200" lvl="0" indent="-279400" rtl="0">
               <a:spcBef>
                 <a:spcPts val="0"/>
               </a:spcBef>
@@ -10284,7 +10411,7 @@
             </a:endParaRPr>
           </a:p>
           <a:p>
-            <a:pPr indent="-279400" lvl="1" marL="914400" rtl="0">
+            <a:pPr marL="914400" lvl="1" indent="-279400" rtl="0">
               <a:spcBef>
                 <a:spcPts val="0"/>
               </a:spcBef>
@@ -10312,7 +10439,7 @@
             </a:endParaRPr>
           </a:p>
           <a:p>
-            <a:pPr indent="-279400" lvl="1" marL="914400" rtl="0">
+            <a:pPr marL="914400" lvl="1" indent="-279400" rtl="0">
               <a:spcBef>
                 <a:spcPts val="0"/>
               </a:spcBef>
@@ -10340,7 +10467,7 @@
             </a:endParaRPr>
           </a:p>
           <a:p>
-            <a:pPr indent="-279400" lvl="0" marL="457200" rtl="0">
+            <a:pPr marL="457200" lvl="0" indent="-279400" rtl="0">
               <a:spcBef>
                 <a:spcPts val="0"/>
               </a:spcBef>
@@ -10368,7 +10495,7 @@
             </a:endParaRPr>
           </a:p>
           <a:p>
-            <a:pPr indent="-279400" lvl="1" marL="914400" rtl="0">
+            <a:pPr marL="914400" lvl="1" indent="-279400" rtl="0">
               <a:spcBef>
                 <a:spcPts val="0"/>
               </a:spcBef>
@@ -10396,7 +10523,7 @@
             </a:endParaRPr>
           </a:p>
           <a:p>
-            <a:pPr indent="-279400" lvl="0" marL="457200" rtl="0">
+            <a:pPr marL="457200" lvl="0" indent="-279400" rtl="0">
               <a:spcBef>
                 <a:spcPts val="0"/>
               </a:spcBef>
@@ -10424,7 +10551,7 @@
             </a:endParaRPr>
           </a:p>
           <a:p>
-            <a:pPr indent="-279400" lvl="1" marL="914400" rtl="0">
+            <a:pPr marL="914400" lvl="1" indent="-279400" rtl="0">
               <a:spcBef>
                 <a:spcPts val="0"/>
               </a:spcBef>
@@ -10452,7 +10579,7 @@
             </a:endParaRPr>
           </a:p>
           <a:p>
-            <a:pPr indent="-279400" lvl="1" marL="914400" rtl="0">
+            <a:pPr marL="914400" lvl="1" indent="-279400" rtl="0">
               <a:spcBef>
                 <a:spcPts val="0"/>
               </a:spcBef>
@@ -10480,31 +10607,31 @@
             </a:endParaRPr>
           </a:p>
           <a:p>
-            <a:pPr indent="0" lvl="0" marL="0" rtl="0">
-              <a:spcBef>
-                <a:spcPts val="0"/>
-              </a:spcBef>
-              <a:spcAft>
-                <a:spcPts val="0"/>
-              </a:spcAft>
-              <a:buNone/>
-            </a:pPr>
-            <a:r>
-              <a:rPr b="1" lang="en" sz="800">
+            <a:pPr marL="0" lvl="0" indent="0" rtl="0">
+              <a:spcBef>
+                <a:spcPts val="0"/>
+              </a:spcBef>
+              <a:spcAft>
+                <a:spcPts val="0"/>
+              </a:spcAft>
+              <a:buNone/>
+            </a:pPr>
+            <a:r>
+              <a:rPr lang="en" sz="800" b="1">
                 <a:solidFill>
                   <a:schemeClr val="dk1"/>
                 </a:solidFill>
               </a:rPr>
               <a:t>Homework 1</a:t>
             </a:r>
-            <a:endParaRPr b="1" sz="800">
-              <a:solidFill>
-                <a:schemeClr val="dk1"/>
-              </a:solidFill>
-            </a:endParaRPr>
-          </a:p>
-          <a:p>
-            <a:pPr indent="-279400" lvl="0" marL="457200" rtl="0">
+            <a:endParaRPr sz="800" b="1">
+              <a:solidFill>
+                <a:schemeClr val="dk1"/>
+              </a:solidFill>
+            </a:endParaRPr>
+          </a:p>
+          <a:p>
+            <a:pPr marL="457200" lvl="0" indent="-279400" rtl="0">
               <a:spcBef>
                 <a:spcPts val="0"/>
               </a:spcBef>
@@ -10529,7 +10656,7 @@
               <a:t>What is an </a:t>
             </a:r>
             <a:r>
-              <a:rPr i="1" lang="en" sz="800">
+              <a:rPr lang="en" sz="800" i="1">
                 <a:solidFill>
                   <a:schemeClr val="dk1"/>
                 </a:solidFill>
@@ -10551,7 +10678,7 @@
               <a:t> and </a:t>
             </a:r>
             <a:r>
-              <a:rPr i="1" lang="en" sz="800">
+              <a:rPr lang="en" sz="800" i="1">
                 <a:solidFill>
                   <a:schemeClr val="dk1"/>
                 </a:solidFill>
@@ -10582,7 +10709,7 @@
             </a:endParaRPr>
           </a:p>
           <a:p>
-            <a:pPr indent="-279400" lvl="1" marL="914400" rtl="0">
+            <a:pPr marL="914400" lvl="1" indent="-279400" rtl="0">
               <a:spcBef>
                 <a:spcPts val="0"/>
               </a:spcBef>
@@ -10616,18 +10743,15 @@
             </a:endParaRPr>
           </a:p>
           <a:p>
-            <a:pPr indent="0" lvl="0" marL="457200" rtl="0">
-              <a:spcBef>
-                <a:spcPts val="0"/>
-              </a:spcBef>
-              <a:spcAft>
-                <a:spcPts val="0"/>
-              </a:spcAft>
-              <a:buNone/>
-            </a:pPr>
-            <a:r>
-              <a:t/>
-            </a:r>
+            <a:pPr marL="457200" lvl="0" indent="0" rtl="0">
+              <a:spcBef>
+                <a:spcPts val="0"/>
+              </a:spcBef>
+              <a:spcAft>
+                <a:spcPts val="0"/>
+              </a:spcAft>
+              <a:buNone/>
+            </a:pPr>
             <a:endParaRPr sz="800">
               <a:solidFill>
                 <a:schemeClr val="dk1"/>
@@ -10638,31 +10762,31 @@
             </a:endParaRPr>
           </a:p>
           <a:p>
-            <a:pPr indent="0" lvl="0" marL="0" rtl="0">
-              <a:spcBef>
-                <a:spcPts val="0"/>
-              </a:spcBef>
-              <a:spcAft>
-                <a:spcPts val="0"/>
-              </a:spcAft>
-              <a:buNone/>
-            </a:pPr>
-            <a:r>
-              <a:rPr b="1" lang="en" sz="800">
+            <a:pPr marL="0" lvl="0" indent="0" rtl="0">
+              <a:spcBef>
+                <a:spcPts val="0"/>
+              </a:spcBef>
+              <a:spcAft>
+                <a:spcPts val="0"/>
+              </a:spcAft>
+              <a:buNone/>
+            </a:pPr>
+            <a:r>
+              <a:rPr lang="en" sz="800" b="1">
                 <a:solidFill>
                   <a:schemeClr val="dk1"/>
                 </a:solidFill>
               </a:rPr>
               <a:t>Homework 2</a:t>
             </a:r>
-            <a:endParaRPr b="1" sz="800">
-              <a:solidFill>
-                <a:schemeClr val="dk1"/>
-              </a:solidFill>
-            </a:endParaRPr>
-          </a:p>
-          <a:p>
-            <a:pPr indent="-279400" lvl="0" marL="457200" rtl="0">
+            <a:endParaRPr sz="800" b="1">
+              <a:solidFill>
+                <a:schemeClr val="dk1"/>
+              </a:solidFill>
+            </a:endParaRPr>
+          </a:p>
+          <a:p>
+            <a:pPr marL="457200" lvl="0" indent="-279400" rtl="0">
               <a:spcBef>
                 <a:spcPts val="0"/>
               </a:spcBef>
@@ -10696,7 +10820,7 @@
             </a:endParaRPr>
           </a:p>
           <a:p>
-            <a:pPr indent="-279400" lvl="2" marL="1371600" rtl="0">
+            <a:pPr marL="1371600" lvl="2" indent="-279400" rtl="0">
               <a:spcBef>
                 <a:spcPts val="0"/>
               </a:spcBef>
@@ -10730,7 +10854,7 @@
             </a:endParaRPr>
           </a:p>
           <a:p>
-            <a:pPr indent="-279400" lvl="2" marL="1371600" rtl="0">
+            <a:pPr marL="1371600" lvl="2" indent="-279400" rtl="0">
               <a:spcBef>
                 <a:spcPts val="0"/>
               </a:spcBef>
@@ -10764,7 +10888,7 @@
             </a:endParaRPr>
           </a:p>
           <a:p>
-            <a:pPr indent="-279400" lvl="2" marL="1371600" rtl="0">
+            <a:pPr marL="1371600" lvl="2" indent="-279400" rtl="0">
               <a:spcBef>
                 <a:spcPts val="0"/>
               </a:spcBef>
@@ -10798,18 +10922,15 @@
             </a:endParaRPr>
           </a:p>
           <a:p>
-            <a:pPr indent="0" lvl="0" marL="0" rtl="0">
-              <a:spcBef>
-                <a:spcPts val="0"/>
-              </a:spcBef>
-              <a:spcAft>
-                <a:spcPts val="0"/>
-              </a:spcAft>
-              <a:buNone/>
-            </a:pPr>
-            <a:r>
-              <a:t/>
-            </a:r>
+            <a:pPr marL="0" lvl="0" indent="0" rtl="0">
+              <a:spcBef>
+                <a:spcPts val="0"/>
+              </a:spcBef>
+              <a:spcAft>
+                <a:spcPts val="0"/>
+              </a:spcAft>
+              <a:buNone/>
+            </a:pPr>
             <a:endParaRPr sz="800">
               <a:solidFill>
                 <a:schemeClr val="dk1"/>
@@ -10838,12 +10959,12 @@
           </a:ln>
         </p:spPr>
         <p:txBody>
-          <a:bodyPr anchorCtr="0" anchor="ctr" bIns="91425" lIns="91425" spcFirstLastPara="1" rIns="91425" wrap="square" tIns="91425">
+          <a:bodyPr spcFirstLastPara="1" wrap="square" lIns="91425" tIns="91425" rIns="91425" bIns="91425" anchor="ctr" anchorCtr="0">
             <a:noAutofit/>
           </a:bodyPr>
           <a:lstStyle/>
           <a:p>
-            <a:pPr indent="0" lvl="0" marL="0" rtl="0">
+            <a:pPr marL="0" lvl="0" indent="0" rtl="0">
               <a:lnSpc>
                 <a:spcPct val="100000"/>
               </a:lnSpc>
@@ -10856,7 +10977,7 @@
               <a:buNone/>
             </a:pPr>
             <a:r>
-              <a:rPr b="1" lang="en" sz="800">
+              <a:rPr lang="en" sz="800" b="1">
                 <a:solidFill>
                   <a:schemeClr val="dk1"/>
                 </a:solidFill>
@@ -10867,14 +10988,14 @@
               <a:t>Homework 3 - </a:t>
             </a:r>
             <a:r>
-              <a:rPr i="1" lang="en" sz="800">
+              <a:rPr lang="en" sz="800" i="1">
                 <a:solidFill>
                   <a:schemeClr val="dk1"/>
                 </a:solidFill>
               </a:rPr>
               <a:t>These Answers Aren’t Necessarily True</a:t>
             </a:r>
-            <a:endParaRPr b="1" sz="800">
+            <a:endParaRPr sz="800" b="1">
               <a:solidFill>
                 <a:schemeClr val="dk1"/>
               </a:solidFill>
@@ -10884,7 +11005,7 @@
             </a:endParaRPr>
           </a:p>
           <a:p>
-            <a:pPr indent="-279400" lvl="0" marL="457200" rtl="0">
+            <a:pPr marL="457200" lvl="0" indent="-279400" rtl="0">
               <a:lnSpc>
                 <a:spcPct val="100000"/>
               </a:lnSpc>
@@ -10921,7 +11042,7 @@
             </a:endParaRPr>
           </a:p>
           <a:p>
-            <a:pPr indent="-279400" lvl="0" marL="457200" rtl="0">
+            <a:pPr marL="457200" lvl="0" indent="-279400" rtl="0">
               <a:lnSpc>
                 <a:spcPct val="100000"/>
               </a:lnSpc>
@@ -10958,7 +11079,7 @@
             </a:endParaRPr>
           </a:p>
           <a:p>
-            <a:pPr indent="-279400" lvl="0" marL="457200" rtl="0">
+            <a:pPr marL="457200" lvl="0" indent="-279400" rtl="0">
               <a:lnSpc>
                 <a:spcPct val="100000"/>
               </a:lnSpc>
@@ -10995,7 +11116,7 @@
             </a:endParaRPr>
           </a:p>
           <a:p>
-            <a:pPr indent="-279400" lvl="0" marL="457200" rtl="0">
+            <a:pPr marL="457200" lvl="0" indent="-279400" rtl="0">
               <a:lnSpc>
                 <a:spcPct val="100000"/>
               </a:lnSpc>
@@ -11032,7 +11153,7 @@
             </a:endParaRPr>
           </a:p>
           <a:p>
-            <a:pPr indent="-279400" lvl="0" marL="457200" rtl="0">
+            <a:pPr marL="457200" lvl="0" indent="-279400" rtl="0">
               <a:lnSpc>
                 <a:spcPct val="100000"/>
               </a:lnSpc>
@@ -11069,7 +11190,7 @@
             </a:endParaRPr>
           </a:p>
           <a:p>
-            <a:pPr indent="-279400" lvl="0" marL="457200" rtl="0">
+            <a:pPr marL="457200" lvl="0" indent="-279400" rtl="0">
               <a:lnSpc>
                 <a:spcPct val="100000"/>
               </a:lnSpc>
@@ -11106,7 +11227,7 @@
             </a:endParaRPr>
           </a:p>
           <a:p>
-            <a:pPr indent="-279400" lvl="0" marL="457200" rtl="0">
+            <a:pPr marL="457200" lvl="0" indent="-279400" rtl="0">
               <a:lnSpc>
                 <a:spcPct val="100000"/>
               </a:lnSpc>
@@ -11143,7 +11264,7 @@
             </a:endParaRPr>
           </a:p>
           <a:p>
-            <a:pPr indent="-279400" lvl="0" marL="457200" rtl="0">
+            <a:pPr marL="457200" lvl="0" indent="-279400" rtl="0">
               <a:lnSpc>
                 <a:spcPct val="100000"/>
               </a:lnSpc>
@@ -11180,7 +11301,7 @@
             </a:endParaRPr>
           </a:p>
           <a:p>
-            <a:pPr indent="-279400" lvl="0" marL="457200" rtl="0">
+            <a:pPr marL="457200" lvl="0" indent="-279400" rtl="0">
               <a:lnSpc>
                 <a:spcPct val="100000"/>
               </a:lnSpc>
@@ -11217,7 +11338,7 @@
             </a:endParaRPr>
           </a:p>
           <a:p>
-            <a:pPr indent="0" lvl="0" marL="0" rtl="0">
+            <a:pPr marL="0" lvl="0" indent="0" rtl="0">
               <a:lnSpc>
                 <a:spcPct val="100000"/>
               </a:lnSpc>
@@ -11230,7 +11351,7 @@
               <a:buNone/>
             </a:pPr>
             <a:r>
-              <a:rPr b="1" lang="en" sz="800">
+              <a:rPr lang="en" sz="800" b="1">
                 <a:solidFill>
                   <a:schemeClr val="dk1"/>
                 </a:solidFill>
@@ -11240,7 +11361,7 @@
               </a:rPr>
               <a:t>Homework 4 - NumPy</a:t>
             </a:r>
-            <a:endParaRPr b="1" sz="800">
+            <a:endParaRPr sz="800" b="1">
               <a:solidFill>
                 <a:schemeClr val="dk1"/>
               </a:solidFill>
@@ -11250,7 +11371,7 @@
             </a:endParaRPr>
           </a:p>
           <a:p>
-            <a:pPr indent="-279400" lvl="0" marL="457200" rtl="0">
+            <a:pPr marL="457200" lvl="0" indent="-279400" rtl="0">
               <a:lnSpc>
                 <a:spcPct val="100000"/>
               </a:lnSpc>
@@ -11287,7 +11408,7 @@
             </a:endParaRPr>
           </a:p>
           <a:p>
-            <a:pPr indent="-279400" lvl="0" marL="457200" rtl="0">
+            <a:pPr marL="457200" lvl="0" indent="-279400" rtl="0">
               <a:lnSpc>
                 <a:spcPct val="100000"/>
               </a:lnSpc>
@@ -11315,7 +11436,7 @@
               <a:t>How many days had… &gt;&gt;&gt;num_days_high_2015 = np.</a:t>
             </a:r>
             <a:r>
-              <a:rPr b="1" lang="en" sz="800">
+              <a:rPr lang="en" sz="800" b="1">
                 <a:solidFill>
                   <a:schemeClr val="dk1"/>
                 </a:solidFill>
@@ -11346,7 +11467,7 @@
             </a:endParaRPr>
           </a:p>
           <a:p>
-            <a:pPr indent="-279400" lvl="0" marL="457200" rtl="0">
+            <a:pPr marL="457200" lvl="0" indent="-279400" rtl="0">
               <a:lnSpc>
                 <a:spcPct val="100000"/>
               </a:lnSpc>
@@ -11383,7 +11504,7 @@
             </a:endParaRPr>
           </a:p>
           <a:p>
-            <a:pPr indent="457200" lvl="0" marL="0" rtl="0">
+            <a:pPr marL="0" lvl="0" indent="457200" rtl="0">
               <a:lnSpc>
                 <a:spcPct val="100000"/>
               </a:lnSpc>
@@ -11416,7 +11537,7 @@
             </a:endParaRPr>
           </a:p>
           <a:p>
-            <a:pPr indent="0" lvl="0" marL="0" rtl="0">
+            <a:pPr marL="0" lvl="0" indent="0" rtl="0">
               <a:lnSpc>
                 <a:spcPct val="100000"/>
               </a:lnSpc>
@@ -11429,7 +11550,7 @@
               <a:buNone/>
             </a:pPr>
             <a:r>
-              <a:rPr b="1" lang="en" sz="800">
+              <a:rPr lang="en" sz="800" b="1">
                 <a:solidFill>
                   <a:schemeClr val="dk1"/>
                 </a:solidFill>
@@ -11437,21 +11558,21 @@
               <a:t>Homework 5 - </a:t>
             </a:r>
             <a:r>
-              <a:rPr i="1" lang="en" sz="800">
+              <a:rPr lang="en" sz="800" i="1">
                 <a:solidFill>
                   <a:schemeClr val="dk1"/>
                 </a:solidFill>
               </a:rPr>
               <a:t>These Answers Aren’t Necessarily True</a:t>
             </a:r>
-            <a:endParaRPr i="1" sz="800">
-              <a:solidFill>
-                <a:schemeClr val="dk1"/>
-              </a:solidFill>
-            </a:endParaRPr>
-          </a:p>
-          <a:p>
-            <a:pPr indent="-279400" lvl="0" marL="457200" rtl="0">
+            <a:endParaRPr sz="800" i="1">
+              <a:solidFill>
+                <a:schemeClr val="dk1"/>
+              </a:solidFill>
+            </a:endParaRPr>
+          </a:p>
+          <a:p>
+            <a:pPr marL="457200" lvl="0" indent="-279400" rtl="0">
               <a:lnSpc>
                 <a:spcPct val="100000"/>
               </a:lnSpc>
@@ -11488,7 +11609,7 @@
             </a:endParaRPr>
           </a:p>
           <a:p>
-            <a:pPr indent="-279400" lvl="0" marL="457200" rtl="0">
+            <a:pPr marL="457200" lvl="0" indent="-279400" rtl="0">
               <a:lnSpc>
                 <a:spcPct val="100000"/>
               </a:lnSpc>
@@ -11525,7 +11646,7 @@
             </a:endParaRPr>
           </a:p>
           <a:p>
-            <a:pPr indent="-279400" lvl="0" marL="457200" rtl="0">
+            <a:pPr marL="457200" lvl="0" indent="-279400" rtl="0">
               <a:lnSpc>
                 <a:spcPct val="100000"/>
               </a:lnSpc>
@@ -11562,7 +11683,7 @@
             </a:endParaRPr>
           </a:p>
           <a:p>
-            <a:pPr indent="-279400" lvl="0" marL="457200" rtl="0">
+            <a:pPr marL="457200" lvl="0" indent="-279400" rtl="0">
               <a:lnSpc>
                 <a:spcPct val="100000"/>
               </a:lnSpc>
@@ -11599,7 +11720,7 @@
             </a:endParaRPr>
           </a:p>
           <a:p>
-            <a:pPr indent="0" lvl="0" marL="0" rtl="0">
+            <a:pPr marL="0" lvl="0" indent="0" rtl="0">
               <a:lnSpc>
                 <a:spcPct val="100000"/>
               </a:lnSpc>
@@ -11612,7 +11733,7 @@
               <a:buNone/>
             </a:pPr>
             <a:r>
-              <a:rPr b="1" lang="en" sz="800">
+              <a:rPr lang="en" sz="800" b="1">
                 <a:solidFill>
                   <a:schemeClr val="dk1"/>
                 </a:solidFill>
@@ -11622,7 +11743,7 @@
               </a:rPr>
               <a:t>Homework 6 - Pandas</a:t>
             </a:r>
-            <a:endParaRPr b="1" sz="800">
+            <a:endParaRPr sz="800" b="1">
               <a:solidFill>
                 <a:schemeClr val="dk1"/>
               </a:solidFill>
@@ -11632,7 +11753,7 @@
             </a:endParaRPr>
           </a:p>
           <a:p>
-            <a:pPr indent="-279400" lvl="0" marL="457200" rtl="0">
+            <a:pPr marL="457200" lvl="0" indent="-279400" rtl="0">
               <a:lnSpc>
                 <a:spcPct val="100000"/>
               </a:lnSpc>
@@ -11669,7 +11790,7 @@
             </a:endParaRPr>
           </a:p>
           <a:p>
-            <a:pPr indent="-279400" lvl="0" marL="457200" rtl="0">
+            <a:pPr marL="457200" lvl="0" indent="-279400" rtl="0">
               <a:lnSpc>
                 <a:spcPct val="100000"/>
               </a:lnSpc>
@@ -11706,7 +11827,7 @@
             </a:endParaRPr>
           </a:p>
           <a:p>
-            <a:pPr indent="-279400" lvl="0" marL="457200" rtl="0">
+            <a:pPr marL="457200" lvl="0" indent="-279400" rtl="0">
               <a:lnSpc>
                 <a:spcPct val="100000"/>
               </a:lnSpc>
@@ -11743,7 +11864,7 @@
             </a:endParaRPr>
           </a:p>
           <a:p>
-            <a:pPr indent="-279400" lvl="0" marL="457200" rtl="0">
+            <a:pPr marL="457200" lvl="0" indent="-279400" rtl="0">
               <a:lnSpc>
                 <a:spcPct val="100000"/>
               </a:lnSpc>
@@ -11771,7 +11892,7 @@
               <a:t>Extract columns only: college_loan_defaults.loc[</a:t>
             </a:r>
             <a:r>
-              <a:rPr b="1" lang="en" sz="800">
+              <a:rPr lang="en" sz="800" b="1">
                 <a:solidFill>
                   <a:schemeClr val="dk1"/>
                 </a:solidFill>
@@ -11802,7 +11923,7 @@
             </a:endParaRPr>
           </a:p>
           <a:p>
-            <a:pPr indent="-279400" lvl="0" marL="457200" rtl="0">
+            <a:pPr marL="457200" lvl="0" indent="-279400" rtl="0">
               <a:lnSpc>
                 <a:spcPct val="100000"/>
               </a:lnSpc>
@@ -11839,7 +11960,7 @@
             </a:endParaRPr>
           </a:p>
           <a:p>
-            <a:pPr indent="-279400" lvl="0" marL="457200" rtl="0">
+            <a:pPr marL="457200" lvl="0" indent="-279400" rtl="0">
               <a:lnSpc>
                 <a:spcPct val="100000"/>
               </a:lnSpc>
@@ -11876,7 +11997,7 @@
             </a:endParaRPr>
           </a:p>
           <a:p>
-            <a:pPr indent="0" lvl="0" marL="0" rtl="0">
+            <a:pPr marL="0" lvl="0" indent="0" rtl="0">
               <a:lnSpc>
                 <a:spcPct val="100000"/>
               </a:lnSpc>
@@ -11889,21 +12010,21 @@
               <a:buNone/>
             </a:pPr>
             <a:r>
-              <a:rPr b="1" lang="en" sz="800">
+              <a:rPr lang="en" sz="800" b="1">
                 <a:solidFill>
                   <a:schemeClr val="dk1"/>
                 </a:solidFill>
               </a:rPr>
               <a:t>ICA 1</a:t>
             </a:r>
-            <a:endParaRPr b="1" sz="800">
-              <a:solidFill>
-                <a:schemeClr val="dk1"/>
-              </a:solidFill>
-            </a:endParaRPr>
-          </a:p>
-          <a:p>
-            <a:pPr indent="-279400" lvl="0" marL="457200" rtl="0">
+            <a:endParaRPr sz="800" b="1">
+              <a:solidFill>
+                <a:schemeClr val="dk1"/>
+              </a:solidFill>
+            </a:endParaRPr>
+          </a:p>
+          <a:p>
+            <a:pPr marL="457200" lvl="0" indent="-279400" rtl="0">
               <a:lnSpc>
                 <a:spcPct val="100000"/>
               </a:lnSpc>
@@ -11948,7 +12069,7 @@
             </a:endParaRPr>
           </a:p>
           <a:p>
-            <a:pPr indent="-279400" lvl="0" marL="457200" rtl="0">
+            <a:pPr marL="457200" lvl="0" indent="-279400" rtl="0">
               <a:lnSpc>
                 <a:spcPct val="100000"/>
               </a:lnSpc>
@@ -11965,7 +12086,7 @@
               <a:buAutoNum type="arabicPeriod"/>
             </a:pPr>
             <a:r>
-              <a:rPr b="1" lang="en" sz="800">
+              <a:rPr lang="en" sz="800" b="1">
                 <a:solidFill>
                   <a:srgbClr val="008000"/>
                 </a:solidFill>
@@ -12062,7 +12183,7 @@
               <a:t>    </a:t>
             </a:r>
             <a:r>
-              <a:rPr b="1" lang="en" sz="800">
+              <a:rPr lang="en" sz="800" b="1">
                 <a:solidFill>
                   <a:srgbClr val="008000"/>
                 </a:solidFill>
@@ -12084,7 +12205,7 @@
               <a:t> elem </a:t>
             </a:r>
             <a:r>
-              <a:rPr b="1" lang="en" sz="800">
+              <a:rPr lang="en" sz="800" b="1">
                 <a:solidFill>
                   <a:srgbClr val="008000"/>
                 </a:solidFill>
@@ -12127,7 +12248,7 @@
               <a:t>        total=total</a:t>
             </a:r>
             <a:r>
-              <a:rPr b="1" lang="en" sz="800">
+              <a:rPr lang="en" sz="800" b="1">
                 <a:solidFill>
                   <a:srgbClr val="AA22FF"/>
                 </a:solidFill>
@@ -12170,7 +12291,7 @@
               <a:t>    </a:t>
             </a:r>
             <a:r>
-              <a:rPr b="1" lang="en" sz="800">
+              <a:rPr lang="en" sz="800" b="1">
                 <a:solidFill>
                   <a:srgbClr val="008000"/>
                 </a:solidFill>
@@ -12310,7 +12431,7 @@
             </a:endParaRPr>
           </a:p>
           <a:p>
-            <a:pPr indent="-279400" lvl="0" marL="457200" rtl="0">
+            <a:pPr marL="457200" lvl="0" indent="-279400" rtl="0">
               <a:lnSpc>
                 <a:spcPct val="100000"/>
               </a:lnSpc>
@@ -12338,7 +12459,7 @@
               <a:t>The output should be: 5 3 Explanation: When we assign a list to a variable, changing the list will change the variable as well. However, in this instance, we assigned a </a:t>
             </a:r>
             <a:r>
-              <a:rPr i="1" lang="en" sz="800">
+              <a:rPr lang="en" sz="800" i="1">
                 <a:solidFill>
                   <a:schemeClr val="dk1"/>
                 </a:solidFill>
@@ -12359,7 +12480,7 @@
               </a:rPr>
               <a:t> to list2 via list1, not a list. This means that the two variables are not referencing the same list, and therefore act independently.</a:t>
             </a:r>
-            <a:endParaRPr b="1" sz="800">
+            <a:endParaRPr sz="800" b="1">
               <a:solidFill>
                 <a:schemeClr val="dk1"/>
               </a:solidFill>
@@ -12369,7 +12490,7 @@
             </a:endParaRPr>
           </a:p>
           <a:p>
-            <a:pPr indent="0" lvl="0" marL="0" rtl="0">
+            <a:pPr marL="0" lvl="0" indent="0" rtl="0">
               <a:lnSpc>
                 <a:spcPct val="100000"/>
               </a:lnSpc>
@@ -12382,7 +12503,7 @@
               <a:buNone/>
             </a:pPr>
             <a:r>
-              <a:rPr b="1" lang="en" sz="800">
+              <a:rPr lang="en" sz="800" b="1">
                 <a:solidFill>
                   <a:schemeClr val="dk1"/>
                 </a:solidFill>
@@ -12392,7 +12513,7 @@
               </a:rPr>
               <a:t>ICA 2</a:t>
             </a:r>
-            <a:endParaRPr b="1" sz="800">
+            <a:endParaRPr sz="800" b="1">
               <a:solidFill>
                 <a:schemeClr val="dk1"/>
               </a:solidFill>
@@ -12402,7 +12523,7 @@
             </a:endParaRPr>
           </a:p>
           <a:p>
-            <a:pPr indent="-279400" lvl="0" marL="457200" rtl="0">
+            <a:pPr marL="457200" lvl="0" indent="-279400" rtl="0">
               <a:lnSpc>
                 <a:spcPct val="100000"/>
               </a:lnSpc>
@@ -12430,7 +12551,7 @@
               <a:t>df2=df1['StudentID','Score']</a:t>
             </a:r>
             <a:r>
-              <a:rPr i="1" lang="en" sz="800">
+              <a:rPr lang="en" sz="800" i="1">
                 <a:solidFill>
                   <a:schemeClr val="dk1"/>
                 </a:solidFill>
@@ -12440,7 +12561,7 @@
               </a:rPr>
               <a:t> new df with only two columns</a:t>
             </a:r>
-            <a:endParaRPr i="1" sz="800">
+            <a:endParaRPr sz="800" i="1">
               <a:solidFill>
                 <a:schemeClr val="dk1"/>
               </a:solidFill>
@@ -12450,7 +12571,7 @@
             </a:endParaRPr>
           </a:p>
           <a:p>
-            <a:pPr indent="-279400" lvl="0" marL="457200" rtl="0">
+            <a:pPr marL="457200" lvl="0" indent="-279400" rtl="0">
               <a:lnSpc>
                 <a:spcPct val="100000"/>
               </a:lnSpc>
@@ -12487,7 +12608,7 @@
             </a:endParaRPr>
           </a:p>
           <a:p>
-            <a:pPr indent="-279400" lvl="0" marL="457200" rtl="0">
+            <a:pPr marL="457200" lvl="0" indent="-279400" rtl="0">
               <a:lnSpc>
                 <a:spcPct val="100000"/>
               </a:lnSpc>
@@ -12531,7 +12652,7 @@
 </file>
 
 <file path=ppt/theme/theme1.xml><?xml version="1.0" encoding="utf-8"?>
-<a:theme xmlns:a="http://schemas.openxmlformats.org/drawingml/2006/main" xmlns:r="http://schemas.openxmlformats.org/officeDocument/2006/relationships" name="Simple Light">
+<a:theme xmlns:a="http://schemas.openxmlformats.org/drawingml/2006/main" name="Simple Light">
   <a:themeElements>
     <a:clrScheme name="Simple Light">
       <a:dk1>
@@ -12806,11 +12927,13 @@
       </a:bgFillStyleLst>
     </a:fmtScheme>
   </a:themeElements>
+  <a:objectDefaults/>
+  <a:extraClrSchemeLst/>
 </a:theme>
 </file>
 
 <file path=ppt/theme/theme2.xml><?xml version="1.0" encoding="utf-8"?>
-<a:theme xmlns:a="http://schemas.openxmlformats.org/drawingml/2006/main" xmlns:r="http://schemas.openxmlformats.org/officeDocument/2006/relationships">
+<a:theme xmlns:a="http://schemas.openxmlformats.org/drawingml/2006/main">
   <a:themeElements>
     <a:clrScheme name="Default">
       <a:dk1>
@@ -13085,5 +13208,7 @@
       </a:bgFillStyleLst>
     </a:fmtScheme>
   </a:themeElements>
+  <a:objectDefaults/>
+  <a:extraClrSchemeLst/>
 </a:theme>
 </file>